--- a/Презинтация/Driver Room презентаций W21.pptx
+++ b/Презинтация/Driver Room презентаций W21.pptx
@@ -7574,27 +7574,15 @@
                 <a:solidFill>
                   <a:schemeClr val="tx1"/>
                 </a:solidFill>
+                <a:highlight>
+                  <a:srgbClr val="FF0000"/>
+                </a:highlight>
                 <a:latin typeface="Montserrat ExtraBold"/>
                 <a:ea typeface="Montserrat ExtraBold"/>
                 <a:cs typeface="Montserrat ExtraBold"/>
                 <a:sym typeface="Montserrat ExtraBold"/>
               </a:rPr>
-              <a:t>Ссылка на проект – </a:t>
-            </a:r>
-          </a:p>
-          <a:p>
-            <a:pPr lvl="0" algn="ctr"/>
-            <a:r>
-              <a:rPr lang="ru-RU" sz="5500" dirty="0">
-                <a:solidFill>
-                  <a:schemeClr val="tx1"/>
-                </a:solidFill>
-                <a:latin typeface="Montserrat ExtraBold"/>
-                <a:ea typeface="Montserrat ExtraBold"/>
-                <a:cs typeface="Montserrat ExtraBold"/>
-                <a:sym typeface="Montserrat ExtraBold"/>
-              </a:rPr>
-              <a:t>https://github.com/AlexanderSolodyankin/MyProject</a:t>
+              <a:t>Вопросы и ответы.</a:t>
             </a:r>
           </a:p>
         </p:txBody>

--- a/Презинтация/Driver Room презентаций W21.pptx
+++ b/Презинтация/Driver Room презентаций W21.pptx
@@ -5,58 +5,57 @@
     <p:sldMasterId id="2147483659" r:id="rId1"/>
   </p:sldMasterIdLst>
   <p:notesMasterIdLst>
-    <p:notesMasterId r:id="rId15"/>
+    <p:notesMasterId r:id="rId14"/>
   </p:notesMasterIdLst>
   <p:sldIdLst>
     <p:sldId id="256" r:id="rId2"/>
     <p:sldId id="260" r:id="rId3"/>
     <p:sldId id="257" r:id="rId4"/>
-    <p:sldId id="258" r:id="rId5"/>
-    <p:sldId id="259" r:id="rId6"/>
-    <p:sldId id="261" r:id="rId7"/>
-    <p:sldId id="264" r:id="rId8"/>
-    <p:sldId id="265" r:id="rId9"/>
-    <p:sldId id="269" r:id="rId10"/>
-    <p:sldId id="262" r:id="rId11"/>
-    <p:sldId id="263" r:id="rId12"/>
-    <p:sldId id="268" r:id="rId13"/>
-    <p:sldId id="267" r:id="rId14"/>
+    <p:sldId id="259" r:id="rId5"/>
+    <p:sldId id="261" r:id="rId6"/>
+    <p:sldId id="264" r:id="rId7"/>
+    <p:sldId id="265" r:id="rId8"/>
+    <p:sldId id="269" r:id="rId9"/>
+    <p:sldId id="262" r:id="rId10"/>
+    <p:sldId id="263" r:id="rId11"/>
+    <p:sldId id="268" r:id="rId12"/>
+    <p:sldId id="267" r:id="rId13"/>
   </p:sldIdLst>
   <p:sldSz cx="9144000" cy="5143500" type="screen16x9"/>
   <p:notesSz cx="6858000" cy="9144000"/>
   <p:embeddedFontLst>
     <p:embeddedFont>
       <p:font typeface="Montserrat" panose="020B0604020202020204" charset="-52"/>
-      <p:regular r:id="rId16"/>
-      <p:bold r:id="rId17"/>
-      <p:italic r:id="rId18"/>
-      <p:boldItalic r:id="rId19"/>
+      <p:regular r:id="rId15"/>
+      <p:bold r:id="rId16"/>
+      <p:italic r:id="rId17"/>
+      <p:boldItalic r:id="rId18"/>
     </p:embeddedFont>
     <p:embeddedFont>
       <p:font typeface="Montserrat ExtraBold" panose="020B0604020202020204" charset="-52"/>
-      <p:bold r:id="rId20"/>
-      <p:boldItalic r:id="rId21"/>
+      <p:bold r:id="rId19"/>
+      <p:boldItalic r:id="rId20"/>
     </p:embeddedFont>
     <p:embeddedFont>
       <p:font typeface="Montserrat Light" panose="020B0604020202020204" charset="-52"/>
-      <p:regular r:id="rId22"/>
-      <p:bold r:id="rId23"/>
-      <p:italic r:id="rId24"/>
-      <p:boldItalic r:id="rId25"/>
+      <p:regular r:id="rId21"/>
+      <p:bold r:id="rId22"/>
+      <p:italic r:id="rId23"/>
+      <p:boldItalic r:id="rId24"/>
     </p:embeddedFont>
     <p:embeddedFont>
       <p:font typeface="Montserrat Medium" panose="020B0604020202020204" charset="-52"/>
-      <p:regular r:id="rId26"/>
-      <p:bold r:id="rId27"/>
-      <p:italic r:id="rId28"/>
-      <p:boldItalic r:id="rId29"/>
+      <p:regular r:id="rId25"/>
+      <p:bold r:id="rId26"/>
+      <p:italic r:id="rId27"/>
+      <p:boldItalic r:id="rId28"/>
     </p:embeddedFont>
     <p:embeddedFont>
       <p:font typeface="Montserrat SemiBold" panose="020B0604020202020204" charset="-52"/>
-      <p:regular r:id="rId30"/>
-      <p:bold r:id="rId31"/>
-      <p:italic r:id="rId32"/>
-      <p:boldItalic r:id="rId33"/>
+      <p:regular r:id="rId29"/>
+      <p:bold r:id="rId30"/>
+      <p:italic r:id="rId31"/>
+      <p:boldItalic r:id="rId32"/>
     </p:embeddedFont>
   </p:embeddedFontLst>
   <p:defaultTextStyle>
@@ -857,7 +856,7 @@
   <p:cSld>
     <p:spTree>
       <p:nvGrpSpPr>
-        <p:cNvPr id="1" name="Shape 91"/>
+        <p:cNvPr id="1" name="Shape 98"/>
         <p:cNvGrpSpPr/>
         <p:nvPr/>
       </p:nvGrpSpPr>
@@ -871,7 +870,7 @@
       </p:grpSpPr>
       <p:sp>
         <p:nvSpPr>
-          <p:cNvPr id="92" name="Google Shape;92;g956c45e79e_0_1:notes"/>
+          <p:cNvPr id="99" name="Google Shape;99;g8a5181709e_0_58:notes"/>
           <p:cNvSpPr>
             <a:spLocks noGrp="1" noRot="1" noChangeAspect="1"/>
           </p:cNvSpPr>
@@ -912,7 +911,7 @@
       </p:sp>
       <p:sp>
         <p:nvSpPr>
-          <p:cNvPr id="93" name="Google Shape;93;g956c45e79e_0_1:notes"/>
+          <p:cNvPr id="100" name="Google Shape;100;g8a5181709e_0_58:notes"/>
           <p:cNvSpPr txBox="1">
             <a:spLocks noGrp="1"/>
           </p:cNvSpPr>
@@ -1053,110 +1052,6 @@
         </p:txBody>
       </p:sp>
     </p:spTree>
-  </p:cSld>
-  <p:clrMapOvr>
-    <a:masterClrMapping/>
-  </p:clrMapOvr>
-</p:notes>
-</file>
-
-<file path=ppt/notesSlides/notesSlide12.xml><?xml version="1.0" encoding="utf-8"?>
-<p:notes xmlns:a="http://schemas.openxmlformats.org/drawingml/2006/main" xmlns:r="http://schemas.openxmlformats.org/officeDocument/2006/relationships" xmlns:p="http://schemas.openxmlformats.org/presentationml/2006/main" showMasterSp="0" showMasterPhAnim="0">
-  <p:cSld>
-    <p:spTree>
-      <p:nvGrpSpPr>
-        <p:cNvPr id="1" name="Shape 98"/>
-        <p:cNvGrpSpPr/>
-        <p:nvPr/>
-      </p:nvGrpSpPr>
-      <p:grpSpPr>
-        <a:xfrm>
-          <a:off x="0" y="0"/>
-          <a:ext cx="0" cy="0"/>
-          <a:chOff x="0" y="0"/>
-          <a:chExt cx="0" cy="0"/>
-        </a:xfrm>
-      </p:grpSpPr>
-      <p:sp>
-        <p:nvSpPr>
-          <p:cNvPr id="99" name="Google Shape;99;g8a5181709e_0_58:notes"/>
-          <p:cNvSpPr>
-            <a:spLocks noGrp="1" noRot="1" noChangeAspect="1"/>
-          </p:cNvSpPr>
-          <p:nvPr>
-            <p:ph type="sldImg" idx="2"/>
-          </p:nvPr>
-        </p:nvSpPr>
-        <p:spPr>
-          <a:xfrm>
-            <a:off x="381000" y="685800"/>
-            <a:ext cx="6096000" cy="3429000"/>
-          </a:xfrm>
-          <a:custGeom>
-            <a:avLst/>
-            <a:gdLst/>
-            <a:ahLst/>
-            <a:cxnLst/>
-            <a:rect l="l" t="t" r="r" b="b"/>
-            <a:pathLst>
-              <a:path w="120000" h="120000" extrusionOk="0">
-                <a:moveTo>
-                  <a:pt x="0" y="0"/>
-                </a:moveTo>
-                <a:lnTo>
-                  <a:pt x="120000" y="0"/>
-                </a:lnTo>
-                <a:lnTo>
-                  <a:pt x="120000" y="120000"/>
-                </a:lnTo>
-                <a:lnTo>
-                  <a:pt x="0" y="120000"/>
-                </a:lnTo>
-                <a:close/>
-              </a:path>
-            </a:pathLst>
-          </a:custGeom>
-        </p:spPr>
-      </p:sp>
-      <p:sp>
-        <p:nvSpPr>
-          <p:cNvPr id="100" name="Google Shape;100;g8a5181709e_0_58:notes"/>
-          <p:cNvSpPr txBox="1">
-            <a:spLocks noGrp="1"/>
-          </p:cNvSpPr>
-          <p:nvPr>
-            <p:ph type="body" idx="1"/>
-          </p:nvPr>
-        </p:nvSpPr>
-        <p:spPr>
-          <a:xfrm>
-            <a:off x="685800" y="4343400"/>
-            <a:ext cx="5486400" cy="4114800"/>
-          </a:xfrm>
-          <a:prstGeom prst="rect">
-            <a:avLst/>
-          </a:prstGeom>
-        </p:spPr>
-        <p:txBody>
-          <a:bodyPr spcFirstLastPara="1" wrap="square" lIns="91425" tIns="91425" rIns="91425" bIns="91425" anchor="t" anchorCtr="0">
-            <a:noAutofit/>
-          </a:bodyPr>
-          <a:lstStyle/>
-          <a:p>
-            <a:pPr marL="0" lvl="0" indent="0" algn="l" rtl="0">
-              <a:spcBef>
-                <a:spcPts val="0"/>
-              </a:spcBef>
-              <a:spcAft>
-                <a:spcPts val="0"/>
-              </a:spcAft>
-              <a:buNone/>
-            </a:pPr>
-            <a:endParaRPr/>
-          </a:p>
-        </p:txBody>
-      </p:sp>
-    </p:spTree>
     <p:extLst>
       <p:ext uri="{BB962C8B-B14F-4D97-AF65-F5344CB8AC3E}">
         <p14:creationId xmlns:p14="http://schemas.microsoft.com/office/powerpoint/2010/main" val="687663772"/>
@@ -1169,7 +1064,7 @@
 </p:notes>
 </file>
 
-<file path=ppt/notesSlides/notesSlide13.xml><?xml version="1.0" encoding="utf-8"?>
+<file path=ppt/notesSlides/notesSlide12.xml><?xml version="1.0" encoding="utf-8"?>
 <p:notes xmlns:a="http://schemas.openxmlformats.org/drawingml/2006/main" xmlns:r="http://schemas.openxmlformats.org/officeDocument/2006/relationships" xmlns:p="http://schemas.openxmlformats.org/presentationml/2006/main" showMasterSp="0" showMasterPhAnim="0">
   <p:cSld>
     <p:spTree>
@@ -1491,110 +1386,6 @@
   <p:cSld>
     <p:spTree>
       <p:nvGrpSpPr>
-        <p:cNvPr id="1" name="Shape 61"/>
-        <p:cNvGrpSpPr/>
-        <p:nvPr/>
-      </p:nvGrpSpPr>
-      <p:grpSpPr>
-        <a:xfrm>
-          <a:off x="0" y="0"/>
-          <a:ext cx="0" cy="0"/>
-          <a:chOff x="0" y="0"/>
-          <a:chExt cx="0" cy="0"/>
-        </a:xfrm>
-      </p:grpSpPr>
-      <p:sp>
-        <p:nvSpPr>
-          <p:cNvPr id="62" name="Google Shape;62;g89abf972d9_0_17:notes"/>
-          <p:cNvSpPr>
-            <a:spLocks noGrp="1" noRot="1" noChangeAspect="1"/>
-          </p:cNvSpPr>
-          <p:nvPr>
-            <p:ph type="sldImg" idx="2"/>
-          </p:nvPr>
-        </p:nvSpPr>
-        <p:spPr>
-          <a:xfrm>
-            <a:off x="381000" y="685800"/>
-            <a:ext cx="6096000" cy="3429000"/>
-          </a:xfrm>
-          <a:custGeom>
-            <a:avLst/>
-            <a:gdLst/>
-            <a:ahLst/>
-            <a:cxnLst/>
-            <a:rect l="l" t="t" r="r" b="b"/>
-            <a:pathLst>
-              <a:path w="120000" h="120000" extrusionOk="0">
-                <a:moveTo>
-                  <a:pt x="0" y="0"/>
-                </a:moveTo>
-                <a:lnTo>
-                  <a:pt x="120000" y="0"/>
-                </a:lnTo>
-                <a:lnTo>
-                  <a:pt x="120000" y="120000"/>
-                </a:lnTo>
-                <a:lnTo>
-                  <a:pt x="0" y="120000"/>
-                </a:lnTo>
-                <a:close/>
-              </a:path>
-            </a:pathLst>
-          </a:custGeom>
-        </p:spPr>
-      </p:sp>
-      <p:sp>
-        <p:nvSpPr>
-          <p:cNvPr id="63" name="Google Shape;63;g89abf972d9_0_17:notes"/>
-          <p:cNvSpPr txBox="1">
-            <a:spLocks noGrp="1"/>
-          </p:cNvSpPr>
-          <p:nvPr>
-            <p:ph type="body" idx="1"/>
-          </p:nvPr>
-        </p:nvSpPr>
-        <p:spPr>
-          <a:xfrm>
-            <a:off x="685800" y="4343400"/>
-            <a:ext cx="5486400" cy="4114800"/>
-          </a:xfrm>
-          <a:prstGeom prst="rect">
-            <a:avLst/>
-          </a:prstGeom>
-        </p:spPr>
-        <p:txBody>
-          <a:bodyPr spcFirstLastPara="1" wrap="square" lIns="91425" tIns="91425" rIns="91425" bIns="91425" anchor="t" anchorCtr="0">
-            <a:noAutofit/>
-          </a:bodyPr>
-          <a:lstStyle/>
-          <a:p>
-            <a:pPr marL="0" lvl="0" indent="0" algn="l" rtl="0">
-              <a:spcBef>
-                <a:spcPts val="0"/>
-              </a:spcBef>
-              <a:spcAft>
-                <a:spcPts val="0"/>
-              </a:spcAft>
-              <a:buNone/>
-            </a:pPr>
-            <a:endParaRPr/>
-          </a:p>
-        </p:txBody>
-      </p:sp>
-    </p:spTree>
-  </p:cSld>
-  <p:clrMapOvr>
-    <a:masterClrMapping/>
-  </p:clrMapOvr>
-</p:notes>
-</file>
-
-<file path=ppt/notesSlides/notesSlide5.xml><?xml version="1.0" encoding="utf-8"?>
-<p:notes xmlns:a="http://schemas.openxmlformats.org/drawingml/2006/main" xmlns:r="http://schemas.openxmlformats.org/officeDocument/2006/relationships" xmlns:p="http://schemas.openxmlformats.org/presentationml/2006/main" showMasterSp="0" showMasterPhAnim="0">
-  <p:cSld>
-    <p:spTree>
-      <p:nvGrpSpPr>
         <p:cNvPr id="1" name="Shape 69"/>
         <p:cNvGrpSpPr/>
         <p:nvPr/>
@@ -1694,7 +1485,7 @@
 </p:notes>
 </file>
 
-<file path=ppt/notesSlides/notesSlide6.xml><?xml version="1.0" encoding="utf-8"?>
+<file path=ppt/notesSlides/notesSlide5.xml><?xml version="1.0" encoding="utf-8"?>
 <p:notes xmlns:a="http://schemas.openxmlformats.org/drawingml/2006/main" xmlns:r="http://schemas.openxmlformats.org/officeDocument/2006/relationships" xmlns:p="http://schemas.openxmlformats.org/presentationml/2006/main" showMasterSp="0" showMasterPhAnim="0">
   <p:cSld>
     <p:spTree>
@@ -1798,7 +1589,7 @@
 </p:notes>
 </file>
 
-<file path=ppt/notesSlides/notesSlide7.xml><?xml version="1.0" encoding="utf-8"?>
+<file path=ppt/notesSlides/notesSlide6.xml><?xml version="1.0" encoding="utf-8"?>
 <p:notes xmlns:a="http://schemas.openxmlformats.org/drawingml/2006/main" xmlns:r="http://schemas.openxmlformats.org/officeDocument/2006/relationships" xmlns:p="http://schemas.openxmlformats.org/presentationml/2006/main" showMasterSp="0" showMasterPhAnim="0">
   <p:cSld>
     <p:spTree>
@@ -1898,6 +1689,115 @@
     <p:extLst>
       <p:ext uri="{BB962C8B-B14F-4D97-AF65-F5344CB8AC3E}">
         <p14:creationId xmlns:p14="http://schemas.microsoft.com/office/powerpoint/2010/main" val="2155170384"/>
+      </p:ext>
+    </p:extLst>
+  </p:cSld>
+  <p:clrMapOvr>
+    <a:masterClrMapping/>
+  </p:clrMapOvr>
+</p:notes>
+</file>
+
+<file path=ppt/notesSlides/notesSlide7.xml><?xml version="1.0" encoding="utf-8"?>
+<p:notes xmlns:a="http://schemas.openxmlformats.org/drawingml/2006/main" xmlns:r="http://schemas.openxmlformats.org/officeDocument/2006/relationships" xmlns:p="http://schemas.openxmlformats.org/presentationml/2006/main" showMasterSp="0" showMasterPhAnim="0">
+  <p:cSld>
+    <p:spTree>
+      <p:nvGrpSpPr>
+        <p:cNvPr id="1" name="Shape 113"/>
+        <p:cNvGrpSpPr/>
+        <p:nvPr/>
+      </p:nvGrpSpPr>
+      <p:grpSpPr>
+        <a:xfrm>
+          <a:off x="0" y="0"/>
+          <a:ext cx="0" cy="0"/>
+          <a:chOff x="0" y="0"/>
+          <a:chExt cx="0" cy="0"/>
+        </a:xfrm>
+      </p:grpSpPr>
+      <p:sp>
+        <p:nvSpPr>
+          <p:cNvPr id="114" name="Google Shape;114;g9e564a5e6d_0_12:notes"/>
+          <p:cNvSpPr>
+            <a:spLocks noGrp="1" noRot="1" noChangeAspect="1"/>
+          </p:cNvSpPr>
+          <p:nvPr>
+            <p:ph type="sldImg" idx="2"/>
+          </p:nvPr>
+        </p:nvSpPr>
+        <p:spPr>
+          <a:xfrm>
+            <a:off x="381000" y="685800"/>
+            <a:ext cx="6096000" cy="3429000"/>
+          </a:xfrm>
+          <a:custGeom>
+            <a:avLst/>
+            <a:gdLst/>
+            <a:ahLst/>
+            <a:cxnLst/>
+            <a:rect l="l" t="t" r="r" b="b"/>
+            <a:pathLst>
+              <a:path w="120000" h="120000" extrusionOk="0">
+                <a:moveTo>
+                  <a:pt x="0" y="0"/>
+                </a:moveTo>
+                <a:lnTo>
+                  <a:pt x="120000" y="0"/>
+                </a:lnTo>
+                <a:lnTo>
+                  <a:pt x="120000" y="120000"/>
+                </a:lnTo>
+                <a:lnTo>
+                  <a:pt x="0" y="120000"/>
+                </a:lnTo>
+                <a:close/>
+              </a:path>
+            </a:pathLst>
+          </a:custGeom>
+        </p:spPr>
+      </p:sp>
+      <p:sp>
+        <p:nvSpPr>
+          <p:cNvPr id="115" name="Google Shape;115;g9e564a5e6d_0_12:notes"/>
+          <p:cNvSpPr txBox="1">
+            <a:spLocks noGrp="1"/>
+          </p:cNvSpPr>
+          <p:nvPr>
+            <p:ph type="body" idx="1"/>
+          </p:nvPr>
+        </p:nvSpPr>
+        <p:spPr>
+          <a:xfrm>
+            <a:off x="685800" y="4343400"/>
+            <a:ext cx="5486400" cy="4114800"/>
+          </a:xfrm>
+          <a:prstGeom prst="rect">
+            <a:avLst/>
+          </a:prstGeom>
+        </p:spPr>
+        <p:txBody>
+          <a:bodyPr spcFirstLastPara="1" wrap="square" lIns="91425" tIns="91425" rIns="91425" bIns="91425" anchor="t" anchorCtr="0">
+            <a:noAutofit/>
+          </a:bodyPr>
+          <a:lstStyle/>
+          <a:p>
+            <a:pPr marL="0" lvl="0" indent="0" algn="l" rtl="0">
+              <a:spcBef>
+                <a:spcPts val="0"/>
+              </a:spcBef>
+              <a:spcAft>
+                <a:spcPts val="0"/>
+              </a:spcAft>
+              <a:buNone/>
+            </a:pPr>
+            <a:endParaRPr/>
+          </a:p>
+        </p:txBody>
+      </p:sp>
+    </p:spTree>
+    <p:extLst>
+      <p:ext uri="{BB962C8B-B14F-4D97-AF65-F5344CB8AC3E}">
+        <p14:creationId xmlns:p14="http://schemas.microsoft.com/office/powerpoint/2010/main" val="589375928"/>
       </p:ext>
     </p:extLst>
   </p:cSld>
@@ -2006,7 +1906,7 @@
     </p:spTree>
     <p:extLst>
       <p:ext uri="{BB962C8B-B14F-4D97-AF65-F5344CB8AC3E}">
-        <p14:creationId xmlns:p14="http://schemas.microsoft.com/office/powerpoint/2010/main" val="589375928"/>
+        <p14:creationId xmlns:p14="http://schemas.microsoft.com/office/powerpoint/2010/main" val="130468648"/>
       </p:ext>
     </p:extLst>
   </p:cSld>
@@ -2021,7 +1921,7 @@
   <p:cSld>
     <p:spTree>
       <p:nvGrpSpPr>
-        <p:cNvPr id="1" name="Shape 113"/>
+        <p:cNvPr id="1" name="Shape 91"/>
         <p:cNvGrpSpPr/>
         <p:nvPr/>
       </p:nvGrpSpPr>
@@ -2035,7 +1935,7 @@
       </p:grpSpPr>
       <p:sp>
         <p:nvSpPr>
-          <p:cNvPr id="114" name="Google Shape;114;g9e564a5e6d_0_12:notes"/>
+          <p:cNvPr id="92" name="Google Shape;92;g956c45e79e_0_1:notes"/>
           <p:cNvSpPr>
             <a:spLocks noGrp="1" noRot="1" noChangeAspect="1"/>
           </p:cNvSpPr>
@@ -2076,7 +1976,7 @@
       </p:sp>
       <p:sp>
         <p:nvSpPr>
-          <p:cNvPr id="115" name="Google Shape;115;g9e564a5e6d_0_12:notes"/>
+          <p:cNvPr id="93" name="Google Shape;93;g956c45e79e_0_1:notes"/>
           <p:cNvSpPr txBox="1">
             <a:spLocks noGrp="1"/>
           </p:cNvSpPr>
@@ -2113,11 +2013,6 @@
         </p:txBody>
       </p:sp>
     </p:spTree>
-    <p:extLst>
-      <p:ext uri="{BB962C8B-B14F-4D97-AF65-F5344CB8AC3E}">
-        <p14:creationId xmlns:p14="http://schemas.microsoft.com/office/powerpoint/2010/main" val="130468648"/>
-      </p:ext>
-    </p:extLst>
   </p:cSld>
   <p:clrMapOvr>
     <a:masterClrMapping/>
@@ -7287,159 +7182,6 @@
     <p:bg>
       <p:bgPr>
         <a:solidFill>
-          <a:srgbClr val="F7B633"/>
-        </a:solidFill>
-        <a:effectLst/>
-      </p:bgPr>
-    </p:bg>
-    <p:spTree>
-      <p:nvGrpSpPr>
-        <p:cNvPr id="1" name="Shape 94"/>
-        <p:cNvGrpSpPr/>
-        <p:nvPr/>
-      </p:nvGrpSpPr>
-      <p:grpSpPr>
-        <a:xfrm>
-          <a:off x="0" y="0"/>
-          <a:ext cx="0" cy="0"/>
-          <a:chOff x="0" y="0"/>
-          <a:chExt cx="0" cy="0"/>
-        </a:xfrm>
-      </p:grpSpPr>
-      <p:pic>
-        <p:nvPicPr>
-          <p:cNvPr id="95" name="Google Shape;95;p19"/>
-          <p:cNvPicPr preferRelativeResize="0"/>
-          <p:nvPr/>
-        </p:nvPicPr>
-        <p:blipFill>
-          <a:blip r:embed="rId3">
-            <a:alphaModFix/>
-          </a:blip>
-          <a:stretch>
-            <a:fillRect/>
-          </a:stretch>
-        </p:blipFill>
-        <p:spPr>
-          <a:xfrm>
-            <a:off x="1844725" y="647700"/>
-            <a:ext cx="4876800" cy="4876800"/>
-          </a:xfrm>
-          <a:prstGeom prst="rect">
-            <a:avLst/>
-          </a:prstGeom>
-          <a:noFill/>
-          <a:ln>
-            <a:noFill/>
-          </a:ln>
-        </p:spPr>
-      </p:pic>
-      <p:pic>
-        <p:nvPicPr>
-          <p:cNvPr id="96" name="Google Shape;96;p19"/>
-          <p:cNvPicPr preferRelativeResize="0"/>
-          <p:nvPr/>
-        </p:nvPicPr>
-        <p:blipFill>
-          <a:blip r:embed="rId4">
-            <a:alphaModFix amt="3000"/>
-          </a:blip>
-          <a:stretch>
-            <a:fillRect/>
-          </a:stretch>
-        </p:blipFill>
-        <p:spPr>
-          <a:xfrm>
-            <a:off x="1017063" y="-344950"/>
-            <a:ext cx="7068874" cy="5143500"/>
-          </a:xfrm>
-          <a:prstGeom prst="rect">
-            <a:avLst/>
-          </a:prstGeom>
-          <a:noFill/>
-          <a:ln>
-            <a:noFill/>
-          </a:ln>
-        </p:spPr>
-      </p:pic>
-      <p:sp>
-        <p:nvSpPr>
-          <p:cNvPr id="97" name="Google Shape;97;p19"/>
-          <p:cNvSpPr txBox="1"/>
-          <p:nvPr/>
-        </p:nvSpPr>
-        <p:spPr>
-          <a:xfrm>
-            <a:off x="190500" y="2870200"/>
-            <a:ext cx="8763000" cy="706133"/>
-          </a:xfrm>
-          <a:prstGeom prst="rect">
-            <a:avLst/>
-          </a:prstGeom>
-          <a:noFill/>
-          <a:ln>
-            <a:noFill/>
-          </a:ln>
-        </p:spPr>
-        <p:txBody>
-          <a:bodyPr spcFirstLastPara="1" wrap="square" lIns="91425" tIns="91425" rIns="91425" bIns="91425" anchor="ctr" anchorCtr="0">
-            <a:noAutofit/>
-          </a:bodyPr>
-          <a:lstStyle/>
-          <a:p>
-            <a:pPr marL="0" lvl="0" indent="0" algn="ctr" rtl="0">
-              <a:spcBef>
-                <a:spcPts val="0"/>
-              </a:spcBef>
-              <a:spcAft>
-                <a:spcPts val="0"/>
-              </a:spcAft>
-              <a:buNone/>
-            </a:pPr>
-            <a:r>
-              <a:rPr lang="ru-RU" sz="5000" dirty="0">
-                <a:solidFill>
-                  <a:schemeClr val="dk1"/>
-                </a:solidFill>
-                <a:highlight>
-                  <a:srgbClr val="FFFFFF"/>
-                </a:highlight>
-                <a:latin typeface="Montserrat ExtraBold"/>
-                <a:ea typeface="Montserrat ExtraBold"/>
-                <a:cs typeface="Montserrat ExtraBold"/>
-                <a:sym typeface="Montserrat ExtraBold"/>
-              </a:rPr>
-              <a:t>Проблемы при создании проекта</a:t>
-            </a:r>
-            <a:endParaRPr sz="5000" dirty="0">
-              <a:solidFill>
-                <a:schemeClr val="dk1"/>
-              </a:solidFill>
-              <a:highlight>
-                <a:srgbClr val="FFFFFF"/>
-              </a:highlight>
-              <a:latin typeface="Montserrat ExtraBold"/>
-              <a:ea typeface="Montserrat ExtraBold"/>
-              <a:cs typeface="Montserrat ExtraBold"/>
-              <a:sym typeface="Montserrat ExtraBold"/>
-            </a:endParaRPr>
-          </a:p>
-        </p:txBody>
-      </p:sp>
-    </p:spTree>
-  </p:cSld>
-  <p:clrMapOvr>
-    <a:masterClrMapping/>
-  </p:clrMapOvr>
-</p:sld>
-</file>
-
-<file path=ppt/slides/slide11.xml><?xml version="1.0" encoding="utf-8"?>
-<p:sld xmlns:a="http://schemas.openxmlformats.org/drawingml/2006/main" xmlns:r="http://schemas.openxmlformats.org/officeDocument/2006/relationships" xmlns:p="http://schemas.openxmlformats.org/presentationml/2006/main">
-  <p:cSld>
-    <p:bg>
-      <p:bgPr>
-        <a:solidFill>
           <a:srgbClr val="00BADC"/>
         </a:solidFill>
         <a:effectLst/>
@@ -7595,7 +7337,7 @@
 </p:sld>
 </file>
 
-<file path=ppt/slides/slide12.xml><?xml version="1.0" encoding="utf-8"?>
+<file path=ppt/slides/slide11.xml><?xml version="1.0" encoding="utf-8"?>
 <p:sld xmlns:a="http://schemas.openxmlformats.org/drawingml/2006/main" xmlns:r="http://schemas.openxmlformats.org/officeDocument/2006/relationships" xmlns:p="http://schemas.openxmlformats.org/presentationml/2006/main">
   <p:cSld>
     <p:bg>
@@ -7761,7 +7503,7 @@
 </p:sld>
 </file>
 
-<file path=ppt/slides/slide13.xml><?xml version="1.0" encoding="utf-8"?>
+<file path=ppt/slides/slide12.xml><?xml version="1.0" encoding="utf-8"?>
 <p:sld xmlns:a="http://schemas.openxmlformats.org/drawingml/2006/main" xmlns:r="http://schemas.openxmlformats.org/officeDocument/2006/relationships" xmlns:p="http://schemas.openxmlformats.org/presentationml/2006/main">
   <p:cSld>
     <p:spTree>
@@ -9493,413 +9235,6 @@
     </p:bg>
     <p:spTree>
       <p:nvGrpSpPr>
-        <p:cNvPr id="1" name="Shape 64"/>
-        <p:cNvGrpSpPr/>
-        <p:nvPr/>
-      </p:nvGrpSpPr>
-      <p:grpSpPr>
-        <a:xfrm>
-          <a:off x="0" y="0"/>
-          <a:ext cx="0" cy="0"/>
-          <a:chOff x="0" y="0"/>
-          <a:chExt cx="0" cy="0"/>
-        </a:xfrm>
-      </p:grpSpPr>
-      <p:sp>
-        <p:nvSpPr>
-          <p:cNvPr id="65" name="Google Shape;65;p15"/>
-          <p:cNvSpPr txBox="1"/>
-          <p:nvPr/>
-        </p:nvSpPr>
-        <p:spPr>
-          <a:xfrm>
-            <a:off x="102900" y="351825"/>
-            <a:ext cx="8785800" cy="591000"/>
-          </a:xfrm>
-          <a:prstGeom prst="rect">
-            <a:avLst/>
-          </a:prstGeom>
-          <a:noFill/>
-          <a:ln>
-            <a:noFill/>
-          </a:ln>
-        </p:spPr>
-        <p:txBody>
-          <a:bodyPr spcFirstLastPara="1" wrap="square" lIns="91425" tIns="91425" rIns="91425" bIns="91425" anchor="ctr" anchorCtr="0">
-            <a:noAutofit/>
-          </a:bodyPr>
-          <a:lstStyle/>
-          <a:p>
-            <a:pPr marL="0" lvl="0" indent="0" algn="l" rtl="0">
-              <a:spcBef>
-                <a:spcPts val="0"/>
-              </a:spcBef>
-              <a:spcAft>
-                <a:spcPts val="0"/>
-              </a:spcAft>
-              <a:buNone/>
-            </a:pPr>
-            <a:r>
-              <a:rPr lang="ru-RU" sz="3000" dirty="0">
-                <a:solidFill>
-                  <a:srgbClr val="FFFFFF"/>
-                </a:solidFill>
-                <a:highlight>
-                  <a:srgbClr val="FF396F"/>
-                </a:highlight>
-                <a:latin typeface="Montserrat ExtraBold"/>
-                <a:ea typeface="Montserrat ExtraBold"/>
-                <a:cs typeface="Montserrat ExtraBold"/>
-                <a:sym typeface="Montserrat ExtraBold"/>
-              </a:rPr>
-              <a:t>Увлечения</a:t>
-            </a:r>
-            <a:endParaRPr sz="3000" dirty="0">
-              <a:solidFill>
-                <a:srgbClr val="FFFFFF"/>
-              </a:solidFill>
-              <a:highlight>
-                <a:srgbClr val="FF396F"/>
-              </a:highlight>
-              <a:latin typeface="Montserrat ExtraBold"/>
-              <a:ea typeface="Montserrat ExtraBold"/>
-              <a:cs typeface="Montserrat ExtraBold"/>
-              <a:sym typeface="Montserrat ExtraBold"/>
-            </a:endParaRPr>
-          </a:p>
-        </p:txBody>
-      </p:sp>
-      <p:pic>
-        <p:nvPicPr>
-          <p:cNvPr id="68" name="Google Shape;68;p15"/>
-          <p:cNvPicPr preferRelativeResize="0"/>
-          <p:nvPr/>
-        </p:nvPicPr>
-        <p:blipFill>
-          <a:blip r:embed="rId3">
-            <a:alphaModFix/>
-          </a:blip>
-          <a:stretch>
-            <a:fillRect/>
-          </a:stretch>
-        </p:blipFill>
-        <p:spPr>
-          <a:xfrm>
-            <a:off x="8425222" y="351813"/>
-            <a:ext cx="519175" cy="468750"/>
-          </a:xfrm>
-          <a:prstGeom prst="rect">
-            <a:avLst/>
-          </a:prstGeom>
-          <a:noFill/>
-          <a:ln>
-            <a:noFill/>
-          </a:ln>
-        </p:spPr>
-      </p:pic>
-      <p:pic>
-        <p:nvPicPr>
-          <p:cNvPr id="3074" name="Picture 2" descr="https://s.gamer-info.com/vd/1/9/6/2/19620.jpg?v=1">
-            <a:extLst>
-              <a:ext uri="{FF2B5EF4-FFF2-40B4-BE49-F238E27FC236}">
-                <a16:creationId xmlns:a16="http://schemas.microsoft.com/office/drawing/2014/main" id="{5427EA7E-9B41-4C61-99BC-954C6BC83144}"/>
-              </a:ext>
-            </a:extLst>
-          </p:cNvPr>
-          <p:cNvPicPr>
-            <a:picLocks noChangeAspect="1" noChangeArrowheads="1"/>
-          </p:cNvPicPr>
-          <p:nvPr/>
-        </p:nvPicPr>
-        <p:blipFill>
-          <a:blip r:embed="rId4">
-            <a:extLst>
-              <a:ext uri="{28A0092B-C50C-407E-A947-70E740481C1C}">
-                <a14:useLocalDpi xmlns:a14="http://schemas.microsoft.com/office/drawing/2010/main" val="0"/>
-              </a:ext>
-            </a:extLst>
-          </a:blip>
-          <a:srcRect/>
-          <a:stretch>
-            <a:fillRect/>
-          </a:stretch>
-        </p:blipFill>
-        <p:spPr bwMode="auto">
-          <a:xfrm>
-            <a:off x="102901" y="942825"/>
-            <a:ext cx="1873946" cy="1054095"/>
-          </a:xfrm>
-          <a:prstGeom prst="rect">
-            <a:avLst/>
-          </a:prstGeom>
-          <a:noFill/>
-          <a:extLst>
-            <a:ext uri="{909E8E84-426E-40DD-AFC4-6F175D3DCCD1}">
-              <a14:hiddenFill xmlns:a14="http://schemas.microsoft.com/office/drawing/2010/main">
-                <a:solidFill>
-                  <a:srgbClr val="FFFFFF"/>
-                </a:solidFill>
-              </a14:hiddenFill>
-            </a:ext>
-          </a:extLst>
-        </p:spPr>
-      </p:pic>
-      <p:pic>
-        <p:nvPicPr>
-          <p:cNvPr id="3076" name="Picture 4" descr="https://xc-life.ru/wp-content/uploads/2018/05/eve-online-logo.jpg">
-            <a:extLst>
-              <a:ext uri="{FF2B5EF4-FFF2-40B4-BE49-F238E27FC236}">
-                <a16:creationId xmlns:a16="http://schemas.microsoft.com/office/drawing/2014/main" id="{9E9362BE-D946-42A6-AB6D-5E32B16B5C80}"/>
-              </a:ext>
-            </a:extLst>
-          </p:cNvPr>
-          <p:cNvPicPr>
-            <a:picLocks noChangeAspect="1" noChangeArrowheads="1"/>
-          </p:cNvPicPr>
-          <p:nvPr/>
-        </p:nvPicPr>
-        <p:blipFill>
-          <a:blip r:embed="rId5">
-            <a:extLst>
-              <a:ext uri="{28A0092B-C50C-407E-A947-70E740481C1C}">
-                <a14:useLocalDpi xmlns:a14="http://schemas.microsoft.com/office/drawing/2010/main" val="0"/>
-              </a:ext>
-            </a:extLst>
-          </a:blip>
-          <a:srcRect/>
-          <a:stretch>
-            <a:fillRect/>
-          </a:stretch>
-        </p:blipFill>
-        <p:spPr bwMode="auto">
-          <a:xfrm>
-            <a:off x="2229395" y="942825"/>
-            <a:ext cx="2342605" cy="1317715"/>
-          </a:xfrm>
-          <a:prstGeom prst="rect">
-            <a:avLst/>
-          </a:prstGeom>
-          <a:noFill/>
-          <a:extLst>
-            <a:ext uri="{909E8E84-426E-40DD-AFC4-6F175D3DCCD1}">
-              <a14:hiddenFill xmlns:a14="http://schemas.microsoft.com/office/drawing/2010/main">
-                <a:solidFill>
-                  <a:srgbClr val="FFFFFF"/>
-                </a:solidFill>
-              </a14:hiddenFill>
-            </a:ext>
-          </a:extLst>
-        </p:spPr>
-      </p:pic>
-      <p:pic>
-        <p:nvPicPr>
-          <p:cNvPr id="3082" name="Picture 10" descr="https://bilimgenc.tubitak.gov.tr/sites/default/files/gokbilim.jpg">
-            <a:extLst>
-              <a:ext uri="{FF2B5EF4-FFF2-40B4-BE49-F238E27FC236}">
-                <a16:creationId xmlns:a16="http://schemas.microsoft.com/office/drawing/2014/main" id="{237088DE-662A-46E0-88A6-95F4CBBE6E87}"/>
-              </a:ext>
-            </a:extLst>
-          </p:cNvPr>
-          <p:cNvPicPr>
-            <a:picLocks noChangeAspect="1" noChangeArrowheads="1"/>
-          </p:cNvPicPr>
-          <p:nvPr/>
-        </p:nvPicPr>
-        <p:blipFill>
-          <a:blip r:embed="rId6">
-            <a:extLst>
-              <a:ext uri="{28A0092B-C50C-407E-A947-70E740481C1C}">
-                <a14:useLocalDpi xmlns:a14="http://schemas.microsoft.com/office/drawing/2010/main" val="0"/>
-              </a:ext>
-            </a:extLst>
-          </a:blip>
-          <a:srcRect/>
-          <a:stretch>
-            <a:fillRect/>
-          </a:stretch>
-        </p:blipFill>
-        <p:spPr bwMode="auto">
-          <a:xfrm>
-            <a:off x="4791316" y="618187"/>
-            <a:ext cx="2441953" cy="1953563"/>
-          </a:xfrm>
-          <a:prstGeom prst="rect">
-            <a:avLst/>
-          </a:prstGeom>
-          <a:noFill/>
-          <a:extLst>
-            <a:ext uri="{909E8E84-426E-40DD-AFC4-6F175D3DCCD1}">
-              <a14:hiddenFill xmlns:a14="http://schemas.microsoft.com/office/drawing/2010/main">
-                <a:solidFill>
-                  <a:srgbClr val="FFFFFF"/>
-                </a:solidFill>
-              </a14:hiddenFill>
-            </a:ext>
-          </a:extLst>
-        </p:spPr>
-      </p:pic>
-      <p:pic>
-        <p:nvPicPr>
-          <p:cNvPr id="3088" name="Picture 16" descr="https://graphicslib.ru/wp-content/uploads/2019/11/FM8WrYRVBJ0.jpg">
-            <a:extLst>
-              <a:ext uri="{FF2B5EF4-FFF2-40B4-BE49-F238E27FC236}">
-                <a16:creationId xmlns:a16="http://schemas.microsoft.com/office/drawing/2014/main" id="{262CF3B2-EDF4-4021-AB75-3C47D7EBE437}"/>
-              </a:ext>
-            </a:extLst>
-          </p:cNvPr>
-          <p:cNvPicPr>
-            <a:picLocks noChangeAspect="1" noChangeArrowheads="1"/>
-          </p:cNvPicPr>
-          <p:nvPr/>
-        </p:nvPicPr>
-        <p:blipFill>
-          <a:blip r:embed="rId7">
-            <a:extLst>
-              <a:ext uri="{28A0092B-C50C-407E-A947-70E740481C1C}">
-                <a14:useLocalDpi xmlns:a14="http://schemas.microsoft.com/office/drawing/2010/main" val="0"/>
-              </a:ext>
-            </a:extLst>
-          </a:blip>
-          <a:srcRect/>
-          <a:stretch>
-            <a:fillRect/>
-          </a:stretch>
-        </p:blipFill>
-        <p:spPr bwMode="auto">
-          <a:xfrm>
-            <a:off x="112260" y="2351314"/>
-            <a:ext cx="2805113" cy="2571750"/>
-          </a:xfrm>
-          <a:prstGeom prst="rect">
-            <a:avLst/>
-          </a:prstGeom>
-          <a:noFill/>
-          <a:extLst>
-            <a:ext uri="{909E8E84-426E-40DD-AFC4-6F175D3DCCD1}">
-              <a14:hiddenFill xmlns:a14="http://schemas.microsoft.com/office/drawing/2010/main">
-                <a:solidFill>
-                  <a:srgbClr val="FFFFFF"/>
-                </a:solidFill>
-              </a14:hiddenFill>
-            </a:ext>
-          </a:extLst>
-        </p:spPr>
-      </p:pic>
-      <p:pic>
-        <p:nvPicPr>
-          <p:cNvPr id="3090" name="Picture 18" descr="https://sun9-12.userapi.com/impg/dhAO6Zp0b9UcIPjv6TDrjl5QCU_v3DlLUOeOOA/9n3i1hRMBDA.jpg?size=604x451&amp;quality=96&amp;sign=44f3ae0e786b537acc83f15da3a311d7&amp;type=album">
-            <a:extLst>
-              <a:ext uri="{FF2B5EF4-FFF2-40B4-BE49-F238E27FC236}">
-                <a16:creationId xmlns:a16="http://schemas.microsoft.com/office/drawing/2014/main" id="{384F158A-9F11-46F9-A548-A8B2DC5F21C2}"/>
-              </a:ext>
-            </a:extLst>
-          </p:cNvPr>
-          <p:cNvPicPr>
-            <a:picLocks noChangeAspect="1" noChangeArrowheads="1"/>
-          </p:cNvPicPr>
-          <p:nvPr/>
-        </p:nvPicPr>
-        <p:blipFill>
-          <a:blip r:embed="rId8">
-            <a:extLst>
-              <a:ext uri="{28A0092B-C50C-407E-A947-70E740481C1C}">
-                <a14:useLocalDpi xmlns:a14="http://schemas.microsoft.com/office/drawing/2010/main" val="0"/>
-              </a:ext>
-            </a:extLst>
-          </a:blip>
-          <a:srcRect/>
-          <a:stretch>
-            <a:fillRect/>
-          </a:stretch>
-        </p:blipFill>
-        <p:spPr bwMode="auto">
-          <a:xfrm>
-            <a:off x="2917373" y="2571750"/>
-            <a:ext cx="3372939" cy="2518536"/>
-          </a:xfrm>
-          <a:prstGeom prst="rect">
-            <a:avLst/>
-          </a:prstGeom>
-          <a:noFill/>
-          <a:extLst>
-            <a:ext uri="{909E8E84-426E-40DD-AFC4-6F175D3DCCD1}">
-              <a14:hiddenFill xmlns:a14="http://schemas.microsoft.com/office/drawing/2010/main">
-                <a:solidFill>
-                  <a:srgbClr val="FFFFFF"/>
-                </a:solidFill>
-              </a14:hiddenFill>
-            </a:ext>
-          </a:extLst>
-        </p:spPr>
-      </p:pic>
-      <p:pic>
-        <p:nvPicPr>
-          <p:cNvPr id="3092" name="Picture 20" descr="https://i.pinimg.com/originals/b3/84/65/b3846505d8c96b934eebfe253648447b.jpg">
-            <a:extLst>
-              <a:ext uri="{FF2B5EF4-FFF2-40B4-BE49-F238E27FC236}">
-                <a16:creationId xmlns:a16="http://schemas.microsoft.com/office/drawing/2014/main" id="{5FA353B5-D1BB-43CE-BA2B-06BC0CD4E53F}"/>
-              </a:ext>
-            </a:extLst>
-          </p:cNvPr>
-          <p:cNvPicPr>
-            <a:picLocks noChangeAspect="1" noChangeArrowheads="1"/>
-          </p:cNvPicPr>
-          <p:nvPr/>
-        </p:nvPicPr>
-        <p:blipFill>
-          <a:blip r:embed="rId9">
-            <a:extLst>
-              <a:ext uri="{28A0092B-C50C-407E-A947-70E740481C1C}">
-                <a14:useLocalDpi xmlns:a14="http://schemas.microsoft.com/office/drawing/2010/main" val="0"/>
-              </a:ext>
-            </a:extLst>
-          </a:blip>
-          <a:srcRect/>
-          <a:stretch>
-            <a:fillRect/>
-          </a:stretch>
-        </p:blipFill>
-        <p:spPr bwMode="auto">
-          <a:xfrm>
-            <a:off x="6346521" y="2377921"/>
-            <a:ext cx="2518536" cy="2518536"/>
-          </a:xfrm>
-          <a:prstGeom prst="rect">
-            <a:avLst/>
-          </a:prstGeom>
-          <a:noFill/>
-          <a:extLst>
-            <a:ext uri="{909E8E84-426E-40DD-AFC4-6F175D3DCCD1}">
-              <a14:hiddenFill xmlns:a14="http://schemas.microsoft.com/office/drawing/2010/main">
-                <a:solidFill>
-                  <a:srgbClr val="FFFFFF"/>
-                </a:solidFill>
-              </a14:hiddenFill>
-            </a:ext>
-          </a:extLst>
-        </p:spPr>
-      </p:pic>
-    </p:spTree>
-  </p:cSld>
-  <p:clrMapOvr>
-    <a:masterClrMapping/>
-  </p:clrMapOvr>
-</p:sld>
-</file>
-
-<file path=ppt/slides/slide5.xml><?xml version="1.0" encoding="utf-8"?>
-<p:sld xmlns:a="http://schemas.openxmlformats.org/drawingml/2006/main" xmlns:r="http://schemas.openxmlformats.org/officeDocument/2006/relationships" xmlns:p="http://schemas.openxmlformats.org/presentationml/2006/main">
-  <p:cSld>
-    <p:bg>
-      <p:bgPr>
-        <a:solidFill>
-          <a:srgbClr val="FFFFFF"/>
-        </a:solidFill>
-        <a:effectLst/>
-      </p:bgPr>
-    </p:bg>
-    <p:spTree>
-      <p:nvGrpSpPr>
         <p:cNvPr id="1" name="Shape 72"/>
         <p:cNvGrpSpPr/>
         <p:nvPr/>
@@ -10122,7 +9457,7 @@
 </p:sld>
 </file>
 
-<file path=ppt/slides/slide6.xml><?xml version="1.0" encoding="utf-8"?>
+<file path=ppt/slides/slide5.xml><?xml version="1.0" encoding="utf-8"?>
 <p:sld xmlns:a="http://schemas.openxmlformats.org/drawingml/2006/main" xmlns:r="http://schemas.openxmlformats.org/officeDocument/2006/relationships" xmlns:p="http://schemas.openxmlformats.org/presentationml/2006/main">
   <p:cSld>
     <p:bg>
@@ -10255,7 +9590,7 @@
 </p:sld>
 </file>
 
-<file path=ppt/slides/slide7.xml><?xml version="1.0" encoding="utf-8"?>
+<file path=ppt/slides/slide6.xml><?xml version="1.0" encoding="utf-8"?>
 <p:sld xmlns:a="http://schemas.openxmlformats.org/drawingml/2006/main" xmlns:r="http://schemas.openxmlformats.org/officeDocument/2006/relationships" xmlns:p="http://schemas.openxmlformats.org/presentationml/2006/main">
   <p:cSld>
     <p:spTree>
@@ -10520,6 +9855,229 @@
     <p:extLst>
       <p:ext uri="{BB962C8B-B14F-4D97-AF65-F5344CB8AC3E}">
         <p14:creationId xmlns:p14="http://schemas.microsoft.com/office/powerpoint/2010/main" val="1418095167"/>
+      </p:ext>
+    </p:extLst>
+  </p:cSld>
+  <p:clrMapOvr>
+    <a:masterClrMapping/>
+  </p:clrMapOvr>
+</p:sld>
+</file>
+
+<file path=ppt/slides/slide7.xml><?xml version="1.0" encoding="utf-8"?>
+<p:sld xmlns:a="http://schemas.openxmlformats.org/drawingml/2006/main" xmlns:r="http://schemas.openxmlformats.org/officeDocument/2006/relationships" xmlns:p="http://schemas.openxmlformats.org/presentationml/2006/main">
+  <p:cSld>
+    <p:spTree>
+      <p:nvGrpSpPr>
+        <p:cNvPr id="1" name="Shape 116"/>
+        <p:cNvGrpSpPr/>
+        <p:nvPr/>
+      </p:nvGrpSpPr>
+      <p:grpSpPr>
+        <a:xfrm>
+          <a:off x="0" y="0"/>
+          <a:ext cx="0" cy="0"/>
+          <a:chOff x="0" y="0"/>
+          <a:chExt cx="0" cy="0"/>
+        </a:xfrm>
+      </p:grpSpPr>
+      <p:sp>
+        <p:nvSpPr>
+          <p:cNvPr id="117" name="Google Shape;117;p22"/>
+          <p:cNvSpPr txBox="1"/>
+          <p:nvPr/>
+        </p:nvSpPr>
+        <p:spPr>
+          <a:xfrm>
+            <a:off x="179100" y="169625"/>
+            <a:ext cx="8785800" cy="425400"/>
+          </a:xfrm>
+          <a:prstGeom prst="rect">
+            <a:avLst/>
+          </a:prstGeom>
+          <a:noFill/>
+          <a:ln>
+            <a:noFill/>
+          </a:ln>
+        </p:spPr>
+        <p:txBody>
+          <a:bodyPr spcFirstLastPara="1" wrap="square" lIns="91425" tIns="91425" rIns="91425" bIns="91425" anchor="ctr" anchorCtr="0">
+            <a:noAutofit/>
+          </a:bodyPr>
+          <a:lstStyle/>
+          <a:p>
+            <a:pPr lvl="0" algn="ctr"/>
+            <a:r>
+              <a:rPr lang="ru-RU" sz="2000" dirty="0">
+                <a:solidFill>
+                  <a:srgbClr val="FFFFFF"/>
+                </a:solidFill>
+                <a:highlight>
+                  <a:srgbClr val="00BADC"/>
+                </a:highlight>
+                <a:latin typeface="Montserrat ExtraBold"/>
+                <a:ea typeface="Montserrat ExtraBold"/>
+                <a:cs typeface="Montserrat ExtraBold"/>
+                <a:sym typeface="Montserrat ExtraBold"/>
+              </a:rPr>
+              <a:t>Польза проекта к обществу и как проблемы он решает  </a:t>
+            </a:r>
+          </a:p>
+        </p:txBody>
+      </p:sp>
+      <p:sp>
+        <p:nvSpPr>
+          <p:cNvPr id="119" name="Google Shape;119;p22"/>
+          <p:cNvSpPr txBox="1"/>
+          <p:nvPr/>
+        </p:nvSpPr>
+        <p:spPr>
+          <a:xfrm>
+            <a:off x="246450" y="829733"/>
+            <a:ext cx="8897550" cy="4078317"/>
+          </a:xfrm>
+          <a:prstGeom prst="rect">
+            <a:avLst/>
+          </a:prstGeom>
+          <a:noFill/>
+          <a:ln w="19050" cap="flat" cmpd="sng">
+            <a:solidFill>
+              <a:srgbClr val="000000"/>
+            </a:solidFill>
+            <a:prstDash val="solid"/>
+            <a:round/>
+            <a:headEnd type="none" w="sm" len="sm"/>
+            <a:tailEnd type="none" w="sm" len="sm"/>
+          </a:ln>
+        </p:spPr>
+        <p:txBody>
+          <a:bodyPr spcFirstLastPara="1" wrap="square" lIns="91425" tIns="91425" rIns="91425" bIns="91425" anchor="ctr" anchorCtr="0">
+            <a:noAutofit/>
+          </a:bodyPr>
+          <a:lstStyle/>
+          <a:p>
+            <a:pPr marL="285750" lvl="0" indent="-285750">
+              <a:buFont typeface="Arial" panose="020B0604020202020204" pitchFamily="34" charset="0"/>
+              <a:buChar char="•"/>
+            </a:pPr>
+            <a:r>
+              <a:rPr lang="ru-RU" sz="1500" dirty="0">
+                <a:highlight>
+                  <a:srgbClr val="F7B633"/>
+                </a:highlight>
+                <a:latin typeface="Montserrat SemiBold"/>
+                <a:ea typeface="Montserrat SemiBold"/>
+                <a:cs typeface="Montserrat SemiBold"/>
+                <a:sym typeface="Montserrat SemiBold"/>
+              </a:rPr>
+              <a:t>Предоставление информации о ситуации на дороге – к примеру обходить пробки что может решить проблему с перегруженностью дорог.</a:t>
+            </a:r>
+          </a:p>
+          <a:p>
+            <a:pPr marL="285750" lvl="0" indent="-285750">
+              <a:buFont typeface="Arial" panose="020B0604020202020204" pitchFamily="34" charset="0"/>
+              <a:buChar char="•"/>
+            </a:pPr>
+            <a:endParaRPr lang="ru-RU" sz="1500" dirty="0">
+              <a:highlight>
+                <a:srgbClr val="F7B633"/>
+              </a:highlight>
+              <a:latin typeface="Montserrat SemiBold"/>
+              <a:ea typeface="Montserrat SemiBold"/>
+              <a:cs typeface="Montserrat SemiBold"/>
+              <a:sym typeface="Montserrat SemiBold"/>
+            </a:endParaRPr>
+          </a:p>
+          <a:p>
+            <a:pPr marL="285750" lvl="0" indent="-285750">
+              <a:buFont typeface="Arial" panose="020B0604020202020204" pitchFamily="34" charset="0"/>
+              <a:buChar char="•"/>
+            </a:pPr>
+            <a:r>
+              <a:rPr lang="ru-RU" sz="1500" dirty="0">
+                <a:highlight>
+                  <a:srgbClr val="F7B633"/>
+                </a:highlight>
+                <a:latin typeface="Montserrat SemiBold"/>
+                <a:ea typeface="Montserrat SemiBold"/>
+                <a:cs typeface="Montserrat SemiBold"/>
+                <a:sym typeface="Montserrat SemiBold"/>
+              </a:rPr>
+              <a:t>Просмотр отзывов о сервис-центрах – Что само собой будет уже являться рекламой и повышения качества обслуживания из за конкуренции.</a:t>
+            </a:r>
+          </a:p>
+          <a:p>
+            <a:pPr marL="285750" lvl="0" indent="-285750">
+              <a:buFont typeface="Arial" panose="020B0604020202020204" pitchFamily="34" charset="0"/>
+              <a:buChar char="•"/>
+            </a:pPr>
+            <a:endParaRPr lang="ru-RU" sz="1500" dirty="0">
+              <a:highlight>
+                <a:srgbClr val="F7B633"/>
+              </a:highlight>
+              <a:latin typeface="Montserrat SemiBold"/>
+              <a:ea typeface="Montserrat SemiBold"/>
+              <a:cs typeface="Montserrat SemiBold"/>
+              <a:sym typeface="Montserrat SemiBold"/>
+            </a:endParaRPr>
+          </a:p>
+          <a:p>
+            <a:pPr marL="285750" lvl="0" indent="-285750">
+              <a:buFont typeface="Arial" panose="020B0604020202020204" pitchFamily="34" charset="0"/>
+              <a:buChar char="•"/>
+            </a:pPr>
+            <a:r>
+              <a:rPr lang="ru-RU" sz="1500" dirty="0">
+                <a:highlight>
+                  <a:srgbClr val="F7B633"/>
+                </a:highlight>
+                <a:latin typeface="Montserrat SemiBold"/>
+                <a:ea typeface="Montserrat SemiBold"/>
+                <a:cs typeface="Montserrat SemiBold"/>
+                <a:sym typeface="Montserrat SemiBold"/>
+              </a:rPr>
+              <a:t>Предложение услуг от специалистов – Есть специалисты которые в свободное время выполнять разовые услуги по обеспечению сервисного обслуживания разного рода, в данном случае это облегчит работу для фрилансеров, а для сервисных центров позволит получить легкую возможность найти хорошего и востребованного специалиста.</a:t>
+            </a:r>
+          </a:p>
+          <a:p>
+            <a:pPr marL="285750" lvl="0" indent="-285750">
+              <a:buFont typeface="Arial" panose="020B0604020202020204" pitchFamily="34" charset="0"/>
+              <a:buChar char="•"/>
+            </a:pPr>
+            <a:endParaRPr lang="ru-RU" sz="1500" dirty="0">
+              <a:highlight>
+                <a:srgbClr val="F7B633"/>
+              </a:highlight>
+              <a:latin typeface="Montserrat SemiBold"/>
+              <a:ea typeface="Montserrat SemiBold"/>
+              <a:cs typeface="Montserrat SemiBold"/>
+              <a:sym typeface="Montserrat SemiBold"/>
+            </a:endParaRPr>
+          </a:p>
+          <a:p>
+            <a:pPr marL="285750" lvl="0" indent="-285750">
+              <a:buFont typeface="Arial" panose="020B0604020202020204" pitchFamily="34" charset="0"/>
+              <a:buChar char="•"/>
+            </a:pPr>
+            <a:r>
+              <a:rPr lang="ru-RU" sz="1500" dirty="0">
+                <a:highlight>
+                  <a:srgbClr val="F7B633"/>
+                </a:highlight>
+                <a:latin typeface="Montserrat SemiBold"/>
+                <a:ea typeface="Montserrat SemiBold"/>
+                <a:cs typeface="Montserrat SemiBold"/>
+                <a:sym typeface="Montserrat SemiBold"/>
+              </a:rPr>
+              <a:t>Новостная лента – по актуальности выкладывания новостной ленты допустим об аварийных ситуация даст возможность задуматься водителям об соблюдении правил дорожного движения что поспособствует повышению уровня безопасности на дорогах и даст стимул водителям быть внимательней на дорогах</a:t>
+            </a:r>
+          </a:p>
+        </p:txBody>
+      </p:sp>
+    </p:spTree>
+    <p:extLst>
+      <p:ext uri="{BB962C8B-B14F-4D97-AF65-F5344CB8AC3E}">
+        <p14:creationId xmlns:p14="http://schemas.microsoft.com/office/powerpoint/2010/main" val="2527850775"/>
       </p:ext>
     </p:extLst>
   </p:cSld>
@@ -10585,229 +10143,6 @@
                 <a:cs typeface="Montserrat ExtraBold"/>
                 <a:sym typeface="Montserrat ExtraBold"/>
               </a:rPr>
-              <a:t>Польза проекта к обществу и как проблемы он решает  </a:t>
-            </a:r>
-          </a:p>
-        </p:txBody>
-      </p:sp>
-      <p:sp>
-        <p:nvSpPr>
-          <p:cNvPr id="119" name="Google Shape;119;p22"/>
-          <p:cNvSpPr txBox="1"/>
-          <p:nvPr/>
-        </p:nvSpPr>
-        <p:spPr>
-          <a:xfrm>
-            <a:off x="246450" y="829733"/>
-            <a:ext cx="8897550" cy="4078317"/>
-          </a:xfrm>
-          <a:prstGeom prst="rect">
-            <a:avLst/>
-          </a:prstGeom>
-          <a:noFill/>
-          <a:ln w="19050" cap="flat" cmpd="sng">
-            <a:solidFill>
-              <a:srgbClr val="000000"/>
-            </a:solidFill>
-            <a:prstDash val="solid"/>
-            <a:round/>
-            <a:headEnd type="none" w="sm" len="sm"/>
-            <a:tailEnd type="none" w="sm" len="sm"/>
-          </a:ln>
-        </p:spPr>
-        <p:txBody>
-          <a:bodyPr spcFirstLastPara="1" wrap="square" lIns="91425" tIns="91425" rIns="91425" bIns="91425" anchor="ctr" anchorCtr="0">
-            <a:noAutofit/>
-          </a:bodyPr>
-          <a:lstStyle/>
-          <a:p>
-            <a:pPr marL="285750" lvl="0" indent="-285750">
-              <a:buFont typeface="Arial" panose="020B0604020202020204" pitchFamily="34" charset="0"/>
-              <a:buChar char="•"/>
-            </a:pPr>
-            <a:r>
-              <a:rPr lang="ru-RU" sz="1500" dirty="0">
-                <a:highlight>
-                  <a:srgbClr val="F7B633"/>
-                </a:highlight>
-                <a:latin typeface="Montserrat SemiBold"/>
-                <a:ea typeface="Montserrat SemiBold"/>
-                <a:cs typeface="Montserrat SemiBold"/>
-                <a:sym typeface="Montserrat SemiBold"/>
-              </a:rPr>
-              <a:t>Предоставление информации о ситуации на дороге – к примеру обходить пробки что может решить проблему с перегруженностью дорог.</a:t>
-            </a:r>
-          </a:p>
-          <a:p>
-            <a:pPr marL="285750" lvl="0" indent="-285750">
-              <a:buFont typeface="Arial" panose="020B0604020202020204" pitchFamily="34" charset="0"/>
-              <a:buChar char="•"/>
-            </a:pPr>
-            <a:endParaRPr lang="ru-RU" sz="1500" dirty="0">
-              <a:highlight>
-                <a:srgbClr val="F7B633"/>
-              </a:highlight>
-              <a:latin typeface="Montserrat SemiBold"/>
-              <a:ea typeface="Montserrat SemiBold"/>
-              <a:cs typeface="Montserrat SemiBold"/>
-              <a:sym typeface="Montserrat SemiBold"/>
-            </a:endParaRPr>
-          </a:p>
-          <a:p>
-            <a:pPr marL="285750" lvl="0" indent="-285750">
-              <a:buFont typeface="Arial" panose="020B0604020202020204" pitchFamily="34" charset="0"/>
-              <a:buChar char="•"/>
-            </a:pPr>
-            <a:r>
-              <a:rPr lang="ru-RU" sz="1500" dirty="0">
-                <a:highlight>
-                  <a:srgbClr val="F7B633"/>
-                </a:highlight>
-                <a:latin typeface="Montserrat SemiBold"/>
-                <a:ea typeface="Montserrat SemiBold"/>
-                <a:cs typeface="Montserrat SemiBold"/>
-                <a:sym typeface="Montserrat SemiBold"/>
-              </a:rPr>
-              <a:t>Просмотр отзывов о сервис-центрах – Что само собой будет уже являться рекламой и повышения качества обслуживания из за конкуренции.</a:t>
-            </a:r>
-          </a:p>
-          <a:p>
-            <a:pPr marL="285750" lvl="0" indent="-285750">
-              <a:buFont typeface="Arial" panose="020B0604020202020204" pitchFamily="34" charset="0"/>
-              <a:buChar char="•"/>
-            </a:pPr>
-            <a:endParaRPr lang="ru-RU" sz="1500" dirty="0">
-              <a:highlight>
-                <a:srgbClr val="F7B633"/>
-              </a:highlight>
-              <a:latin typeface="Montserrat SemiBold"/>
-              <a:ea typeface="Montserrat SemiBold"/>
-              <a:cs typeface="Montserrat SemiBold"/>
-              <a:sym typeface="Montserrat SemiBold"/>
-            </a:endParaRPr>
-          </a:p>
-          <a:p>
-            <a:pPr marL="285750" lvl="0" indent="-285750">
-              <a:buFont typeface="Arial" panose="020B0604020202020204" pitchFamily="34" charset="0"/>
-              <a:buChar char="•"/>
-            </a:pPr>
-            <a:r>
-              <a:rPr lang="ru-RU" sz="1500" dirty="0">
-                <a:highlight>
-                  <a:srgbClr val="F7B633"/>
-                </a:highlight>
-                <a:latin typeface="Montserrat SemiBold"/>
-                <a:ea typeface="Montserrat SemiBold"/>
-                <a:cs typeface="Montserrat SemiBold"/>
-                <a:sym typeface="Montserrat SemiBold"/>
-              </a:rPr>
-              <a:t>Предложение услуг от специалистов – Есть специалисты которые в свободное время выполнять разовые услуги по обеспечению сервисного обслуживания разного рода, в данном случае это облегчит работу для фрилансеров, а для сервисных центров позволит получить легкую возможность найти хорошего и востребованного специалиста.</a:t>
-            </a:r>
-          </a:p>
-          <a:p>
-            <a:pPr marL="285750" lvl="0" indent="-285750">
-              <a:buFont typeface="Arial" panose="020B0604020202020204" pitchFamily="34" charset="0"/>
-              <a:buChar char="•"/>
-            </a:pPr>
-            <a:endParaRPr lang="ru-RU" sz="1500" dirty="0">
-              <a:highlight>
-                <a:srgbClr val="F7B633"/>
-              </a:highlight>
-              <a:latin typeface="Montserrat SemiBold"/>
-              <a:ea typeface="Montserrat SemiBold"/>
-              <a:cs typeface="Montserrat SemiBold"/>
-              <a:sym typeface="Montserrat SemiBold"/>
-            </a:endParaRPr>
-          </a:p>
-          <a:p>
-            <a:pPr marL="285750" lvl="0" indent="-285750">
-              <a:buFont typeface="Arial" panose="020B0604020202020204" pitchFamily="34" charset="0"/>
-              <a:buChar char="•"/>
-            </a:pPr>
-            <a:r>
-              <a:rPr lang="ru-RU" sz="1500" dirty="0">
-                <a:highlight>
-                  <a:srgbClr val="F7B633"/>
-                </a:highlight>
-                <a:latin typeface="Montserrat SemiBold"/>
-                <a:ea typeface="Montserrat SemiBold"/>
-                <a:cs typeface="Montserrat SemiBold"/>
-                <a:sym typeface="Montserrat SemiBold"/>
-              </a:rPr>
-              <a:t>Новостная лента – по актуальности выкладывания новостной ленты допустим об аварийных ситуация даст возможность задуматься водителям об соблюдении правил дорожного движения что поспособствует повышению уровня безопасности на дорогах и даст стимул водителям быть внимательней на дорогах</a:t>
-            </a:r>
-          </a:p>
-        </p:txBody>
-      </p:sp>
-    </p:spTree>
-    <p:extLst>
-      <p:ext uri="{BB962C8B-B14F-4D97-AF65-F5344CB8AC3E}">
-        <p14:creationId xmlns:p14="http://schemas.microsoft.com/office/powerpoint/2010/main" val="2527850775"/>
-      </p:ext>
-    </p:extLst>
-  </p:cSld>
-  <p:clrMapOvr>
-    <a:masterClrMapping/>
-  </p:clrMapOvr>
-</p:sld>
-</file>
-
-<file path=ppt/slides/slide9.xml><?xml version="1.0" encoding="utf-8"?>
-<p:sld xmlns:a="http://schemas.openxmlformats.org/drawingml/2006/main" xmlns:r="http://schemas.openxmlformats.org/officeDocument/2006/relationships" xmlns:p="http://schemas.openxmlformats.org/presentationml/2006/main">
-  <p:cSld>
-    <p:spTree>
-      <p:nvGrpSpPr>
-        <p:cNvPr id="1" name="Shape 116"/>
-        <p:cNvGrpSpPr/>
-        <p:nvPr/>
-      </p:nvGrpSpPr>
-      <p:grpSpPr>
-        <a:xfrm>
-          <a:off x="0" y="0"/>
-          <a:ext cx="0" cy="0"/>
-          <a:chOff x="0" y="0"/>
-          <a:chExt cx="0" cy="0"/>
-        </a:xfrm>
-      </p:grpSpPr>
-      <p:sp>
-        <p:nvSpPr>
-          <p:cNvPr id="117" name="Google Shape;117;p22"/>
-          <p:cNvSpPr txBox="1"/>
-          <p:nvPr/>
-        </p:nvSpPr>
-        <p:spPr>
-          <a:xfrm>
-            <a:off x="179100" y="169625"/>
-            <a:ext cx="8785800" cy="425400"/>
-          </a:xfrm>
-          <a:prstGeom prst="rect">
-            <a:avLst/>
-          </a:prstGeom>
-          <a:noFill/>
-          <a:ln>
-            <a:noFill/>
-          </a:ln>
-        </p:spPr>
-        <p:txBody>
-          <a:bodyPr spcFirstLastPara="1" wrap="square" lIns="91425" tIns="91425" rIns="91425" bIns="91425" anchor="ctr" anchorCtr="0">
-            <a:noAutofit/>
-          </a:bodyPr>
-          <a:lstStyle/>
-          <a:p>
-            <a:pPr lvl="0" algn="ctr"/>
-            <a:r>
-              <a:rPr lang="ru-RU" sz="2000" dirty="0">
-                <a:solidFill>
-                  <a:srgbClr val="FFFFFF"/>
-                </a:solidFill>
-                <a:highlight>
-                  <a:srgbClr val="00BADC"/>
-                </a:highlight>
-                <a:latin typeface="Montserrat ExtraBold"/>
-                <a:ea typeface="Montserrat ExtraBold"/>
-                <a:cs typeface="Montserrat ExtraBold"/>
-                <a:sym typeface="Montserrat ExtraBold"/>
-              </a:rPr>
               <a:t>Технологии которые я использовал</a:t>
             </a:r>
           </a:p>
@@ -11223,6 +10558,159 @@
         <p14:creationId xmlns:p14="http://schemas.microsoft.com/office/powerpoint/2010/main" val="1036568880"/>
       </p:ext>
     </p:extLst>
+  </p:cSld>
+  <p:clrMapOvr>
+    <a:masterClrMapping/>
+  </p:clrMapOvr>
+</p:sld>
+</file>
+
+<file path=ppt/slides/slide9.xml><?xml version="1.0" encoding="utf-8"?>
+<p:sld xmlns:a="http://schemas.openxmlformats.org/drawingml/2006/main" xmlns:r="http://schemas.openxmlformats.org/officeDocument/2006/relationships" xmlns:p="http://schemas.openxmlformats.org/presentationml/2006/main">
+  <p:cSld>
+    <p:bg>
+      <p:bgPr>
+        <a:solidFill>
+          <a:srgbClr val="F7B633"/>
+        </a:solidFill>
+        <a:effectLst/>
+      </p:bgPr>
+    </p:bg>
+    <p:spTree>
+      <p:nvGrpSpPr>
+        <p:cNvPr id="1" name="Shape 94"/>
+        <p:cNvGrpSpPr/>
+        <p:nvPr/>
+      </p:nvGrpSpPr>
+      <p:grpSpPr>
+        <a:xfrm>
+          <a:off x="0" y="0"/>
+          <a:ext cx="0" cy="0"/>
+          <a:chOff x="0" y="0"/>
+          <a:chExt cx="0" cy="0"/>
+        </a:xfrm>
+      </p:grpSpPr>
+      <p:pic>
+        <p:nvPicPr>
+          <p:cNvPr id="95" name="Google Shape;95;p19"/>
+          <p:cNvPicPr preferRelativeResize="0"/>
+          <p:nvPr/>
+        </p:nvPicPr>
+        <p:blipFill>
+          <a:blip r:embed="rId3">
+            <a:alphaModFix/>
+          </a:blip>
+          <a:stretch>
+            <a:fillRect/>
+          </a:stretch>
+        </p:blipFill>
+        <p:spPr>
+          <a:xfrm>
+            <a:off x="1844725" y="647700"/>
+            <a:ext cx="4876800" cy="4876800"/>
+          </a:xfrm>
+          <a:prstGeom prst="rect">
+            <a:avLst/>
+          </a:prstGeom>
+          <a:noFill/>
+          <a:ln>
+            <a:noFill/>
+          </a:ln>
+        </p:spPr>
+      </p:pic>
+      <p:pic>
+        <p:nvPicPr>
+          <p:cNvPr id="96" name="Google Shape;96;p19"/>
+          <p:cNvPicPr preferRelativeResize="0"/>
+          <p:nvPr/>
+        </p:nvPicPr>
+        <p:blipFill>
+          <a:blip r:embed="rId4">
+            <a:alphaModFix amt="3000"/>
+          </a:blip>
+          <a:stretch>
+            <a:fillRect/>
+          </a:stretch>
+        </p:blipFill>
+        <p:spPr>
+          <a:xfrm>
+            <a:off x="1017063" y="-344950"/>
+            <a:ext cx="7068874" cy="5143500"/>
+          </a:xfrm>
+          <a:prstGeom prst="rect">
+            <a:avLst/>
+          </a:prstGeom>
+          <a:noFill/>
+          <a:ln>
+            <a:noFill/>
+          </a:ln>
+        </p:spPr>
+      </p:pic>
+      <p:sp>
+        <p:nvSpPr>
+          <p:cNvPr id="97" name="Google Shape;97;p19"/>
+          <p:cNvSpPr txBox="1"/>
+          <p:nvPr/>
+        </p:nvSpPr>
+        <p:spPr>
+          <a:xfrm>
+            <a:off x="190500" y="2870200"/>
+            <a:ext cx="8763000" cy="706133"/>
+          </a:xfrm>
+          <a:prstGeom prst="rect">
+            <a:avLst/>
+          </a:prstGeom>
+          <a:noFill/>
+          <a:ln>
+            <a:noFill/>
+          </a:ln>
+        </p:spPr>
+        <p:txBody>
+          <a:bodyPr spcFirstLastPara="1" wrap="square" lIns="91425" tIns="91425" rIns="91425" bIns="91425" anchor="ctr" anchorCtr="0">
+            <a:noAutofit/>
+          </a:bodyPr>
+          <a:lstStyle/>
+          <a:p>
+            <a:pPr marL="0" lvl="0" indent="0" algn="ctr" rtl="0">
+              <a:spcBef>
+                <a:spcPts val="0"/>
+              </a:spcBef>
+              <a:spcAft>
+                <a:spcPts val="0"/>
+              </a:spcAft>
+              <a:buNone/>
+            </a:pPr>
+            <a:r>
+              <a:rPr lang="ru-RU" sz="5000" dirty="0">
+                <a:solidFill>
+                  <a:schemeClr val="dk1"/>
+                </a:solidFill>
+                <a:highlight>
+                  <a:srgbClr val="FFFFFF"/>
+                </a:highlight>
+                <a:latin typeface="Montserrat ExtraBold"/>
+                <a:ea typeface="Montserrat ExtraBold"/>
+                <a:cs typeface="Montserrat ExtraBold"/>
+                <a:sym typeface="Montserrat ExtraBold"/>
+              </a:rPr>
+              <a:t>Проблемы при создании проекта</a:t>
+            </a:r>
+            <a:endParaRPr sz="5000" dirty="0">
+              <a:solidFill>
+                <a:schemeClr val="dk1"/>
+              </a:solidFill>
+              <a:highlight>
+                <a:srgbClr val="FFFFFF"/>
+              </a:highlight>
+              <a:latin typeface="Montserrat ExtraBold"/>
+              <a:ea typeface="Montserrat ExtraBold"/>
+              <a:cs typeface="Montserrat ExtraBold"/>
+              <a:sym typeface="Montserrat ExtraBold"/>
+            </a:endParaRPr>
+          </a:p>
+        </p:txBody>
+      </p:sp>
+    </p:spTree>
   </p:cSld>
   <p:clrMapOvr>
     <a:masterClrMapping/>

--- a/Презинтация/Driver Room презентаций W21.pptx
+++ b/Презинтация/Driver Room презентаций W21.pptx
@@ -10213,7 +10213,7 @@
               <a:buFont typeface="Arial" panose="020B0604020202020204" pitchFamily="34" charset="0"/>
               <a:buChar char="•"/>
             </a:pPr>
-            <a:endParaRPr lang="en-US" sz="1600">
+            <a:endParaRPr lang="en-US" sz="1600" dirty="0">
               <a:highlight>
                 <a:srgbClr val="F7B633"/>
               </a:highlight>
@@ -10228,18 +10228,6 @@
               <a:buFont typeface="Arial" panose="020B0604020202020204" pitchFamily="34" charset="0"/>
               <a:buChar char="•"/>
             </a:pPr>
-            <a:r>
-              <a:rPr lang="en-US" sz="1600">
-                <a:highlight>
-                  <a:srgbClr val="F7B633"/>
-                </a:highlight>
-                <a:latin typeface="Montserrat SemiBold"/>
-                <a:ea typeface="Montserrat SemiBold"/>
-                <a:cs typeface="Montserrat SemiBold"/>
-                <a:sym typeface="Montserrat SemiBold"/>
-              </a:rPr>
-              <a:t>Spring </a:t>
-            </a:r>
             <a:r>
               <a:rPr lang="en-US" sz="1600" dirty="0">
                 <a:highlight>
@@ -10250,7 +10238,7 @@
                 <a:cs typeface="Montserrat SemiBold"/>
                 <a:sym typeface="Montserrat SemiBold"/>
               </a:rPr>
-              <a:t>Boot </a:t>
+              <a:t>Spring Boot </a:t>
             </a:r>
             <a:r>
               <a:rPr lang="ru-RU" sz="1600" dirty="0">
@@ -10290,7 +10278,7 @@
             </a:endParaRPr>
           </a:p>
           <a:p>
-            <a:pPr marL="285750" lvl="0" indent="-285750">
+            <a:pPr marL="285750" indent="-285750">
               <a:buFont typeface="Arial" panose="020B0604020202020204" pitchFamily="34" charset="0"/>
               <a:buChar char="•"/>
             </a:pPr>
@@ -10304,7 +10292,7 @@
                 <a:cs typeface="Montserrat SemiBold"/>
                 <a:sym typeface="Montserrat SemiBold"/>
               </a:rPr>
-              <a:t>Spring security.</a:t>
+              <a:t>Spring security, Lombok</a:t>
             </a:r>
             <a:endParaRPr lang="ru-RU" sz="1600" dirty="0">
               <a:highlight>
@@ -10332,7 +10320,7 @@
             </a:endParaRPr>
           </a:p>
           <a:p>
-            <a:pPr marL="285750" lvl="0" indent="-285750">
+            <a:pPr marL="285750" indent="-285750">
               <a:buFont typeface="Arial" panose="020B0604020202020204" pitchFamily="34" charset="0"/>
               <a:buChar char="•"/>
             </a:pPr>
@@ -10348,6 +10336,63 @@
               </a:rPr>
               <a:t>Hibernate</a:t>
             </a:r>
+            <a:r>
+              <a:rPr lang="ru-RU" sz="1600" dirty="0">
+                <a:highlight>
+                  <a:srgbClr val="F7B633"/>
+                </a:highlight>
+                <a:latin typeface="Montserrat SemiBold"/>
+                <a:ea typeface="Montserrat SemiBold"/>
+                <a:cs typeface="Montserrat SemiBold"/>
+                <a:sym typeface="Montserrat SemiBold"/>
+              </a:rPr>
+              <a:t>, </a:t>
+            </a:r>
+            <a:r>
+              <a:rPr lang="en-US" sz="1600" dirty="0">
+                <a:highlight>
+                  <a:srgbClr val="F7B633"/>
+                </a:highlight>
+                <a:latin typeface="Montserrat SemiBold"/>
+                <a:ea typeface="Montserrat SemiBold"/>
+                <a:cs typeface="Montserrat SemiBold"/>
+                <a:sym typeface="Montserrat SemiBold"/>
+              </a:rPr>
+              <a:t>JDBS</a:t>
+            </a:r>
+          </a:p>
+          <a:p>
+            <a:pPr lvl="0"/>
+            <a:r>
+              <a:rPr lang="en-US" sz="1600" dirty="0">
+                <a:highlight>
+                  <a:srgbClr val="F7B633"/>
+                </a:highlight>
+                <a:latin typeface="Montserrat SemiBold"/>
+                <a:ea typeface="Montserrat SemiBold"/>
+                <a:cs typeface="Montserrat SemiBold"/>
+                <a:sym typeface="Montserrat SemiBold"/>
+              </a:rPr>
+              <a:t> </a:t>
+            </a:r>
+          </a:p>
+          <a:p>
+            <a:pPr marL="285750" lvl="0" indent="-285750">
+              <a:buFont typeface="Arial" panose="020B0604020202020204" pitchFamily="34" charset="0"/>
+              <a:buChar char="•"/>
+            </a:pPr>
+            <a:r>
+              <a:rPr lang="en-US" sz="1600">
+                <a:highlight>
+                  <a:srgbClr val="F7B633"/>
+                </a:highlight>
+                <a:latin typeface="Montserrat SemiBold"/>
+                <a:ea typeface="Montserrat SemiBold"/>
+                <a:cs typeface="Montserrat SemiBold"/>
+                <a:sym typeface="Montserrat SemiBold"/>
+              </a:rPr>
+              <a:t>PostgreSQL.</a:t>
+            </a:r>
           </a:p>
           <a:p>
             <a:pPr marL="285750" lvl="0" indent="-285750">
@@ -10365,106 +10410,7 @@
             </a:endParaRPr>
           </a:p>
           <a:p>
-            <a:pPr marL="285750" lvl="0" indent="-285750">
-              <a:buFont typeface="Arial" panose="020B0604020202020204" pitchFamily="34" charset="0"/>
-              <a:buChar char="•"/>
-            </a:pPr>
-            <a:r>
-              <a:rPr lang="en-US" sz="1600" dirty="0">
-                <a:highlight>
-                  <a:srgbClr val="F7B633"/>
-                </a:highlight>
-                <a:latin typeface="Montserrat SemiBold"/>
-                <a:ea typeface="Montserrat SemiBold"/>
-                <a:cs typeface="Montserrat SemiBold"/>
-                <a:sym typeface="Montserrat SemiBold"/>
-              </a:rPr>
-              <a:t> JDBS</a:t>
-            </a:r>
-          </a:p>
-          <a:p>
-            <a:pPr marL="285750" lvl="0" indent="-285750">
-              <a:buFont typeface="Arial" panose="020B0604020202020204" pitchFamily="34" charset="0"/>
-              <a:buChar char="•"/>
-            </a:pPr>
-            <a:endParaRPr lang="en-US" sz="1600" dirty="0">
-              <a:highlight>
-                <a:srgbClr val="F7B633"/>
-              </a:highlight>
-              <a:latin typeface="Montserrat SemiBold"/>
-              <a:ea typeface="Montserrat SemiBold"/>
-              <a:cs typeface="Montserrat SemiBold"/>
-              <a:sym typeface="Montserrat SemiBold"/>
-            </a:endParaRPr>
-          </a:p>
-          <a:p>
-            <a:pPr marL="285750" lvl="0" indent="-285750">
-              <a:buFont typeface="Arial" panose="020B0604020202020204" pitchFamily="34" charset="0"/>
-              <a:buChar char="•"/>
-            </a:pPr>
-            <a:r>
-              <a:rPr lang="en-US" sz="1600" dirty="0">
-                <a:highlight>
-                  <a:srgbClr val="F7B633"/>
-                </a:highlight>
-                <a:latin typeface="Montserrat SemiBold"/>
-                <a:ea typeface="Montserrat SemiBold"/>
-                <a:cs typeface="Montserrat SemiBold"/>
-                <a:sym typeface="Montserrat SemiBold"/>
-              </a:rPr>
-              <a:t>PostgreSQL.</a:t>
-            </a:r>
-          </a:p>
-          <a:p>
-            <a:pPr marL="285750" lvl="0" indent="-285750">
-              <a:buFont typeface="Arial" panose="020B0604020202020204" pitchFamily="34" charset="0"/>
-              <a:buChar char="•"/>
-            </a:pPr>
-            <a:endParaRPr lang="en-US" sz="1600" dirty="0">
-              <a:highlight>
-                <a:srgbClr val="F7B633"/>
-              </a:highlight>
-              <a:latin typeface="Montserrat SemiBold"/>
-              <a:ea typeface="Montserrat SemiBold"/>
-              <a:cs typeface="Montserrat SemiBold"/>
-              <a:sym typeface="Montserrat SemiBold"/>
-            </a:endParaRPr>
-          </a:p>
-          <a:p>
-            <a:pPr marL="285750" lvl="0" indent="-285750">
-              <a:buFont typeface="Arial" panose="020B0604020202020204" pitchFamily="34" charset="0"/>
-              <a:buChar char="•"/>
-            </a:pPr>
-            <a:r>
-              <a:rPr lang="en-US" sz="1600" dirty="0">
-                <a:highlight>
-                  <a:srgbClr val="F7B633"/>
-                </a:highlight>
-                <a:latin typeface="Montserrat SemiBold"/>
-                <a:ea typeface="Montserrat SemiBold"/>
-                <a:cs typeface="Montserrat SemiBold"/>
-                <a:sym typeface="Montserrat SemiBold"/>
-              </a:rPr>
-              <a:t>Lombok</a:t>
-            </a:r>
-          </a:p>
-          <a:p>
-            <a:pPr marL="285750" lvl="0" indent="-285750">
-              <a:buFont typeface="Arial" panose="020B0604020202020204" pitchFamily="34" charset="0"/>
-              <a:buChar char="•"/>
-            </a:pPr>
-            <a:endParaRPr lang="en-US" sz="1600" dirty="0">
-              <a:highlight>
-                <a:srgbClr val="F7B633"/>
-              </a:highlight>
-              <a:latin typeface="Montserrat SemiBold"/>
-              <a:ea typeface="Montserrat SemiBold"/>
-              <a:cs typeface="Montserrat SemiBold"/>
-              <a:sym typeface="Montserrat SemiBold"/>
-            </a:endParaRPr>
-          </a:p>
-          <a:p>
-            <a:pPr marL="285750" lvl="0" indent="-285750">
+            <a:pPr marL="285750" indent="-285750">
               <a:buFont typeface="Arial" panose="020B0604020202020204" pitchFamily="34" charset="0"/>
               <a:buChar char="•"/>
             </a:pPr>
@@ -10480,6 +10426,66 @@
               </a:rPr>
               <a:t>JavaMailSender</a:t>
             </a:r>
+            <a:r>
+              <a:rPr lang="en-US" sz="1600" dirty="0">
+                <a:highlight>
+                  <a:srgbClr val="F7B633"/>
+                </a:highlight>
+                <a:latin typeface="Montserrat SemiBold"/>
+                <a:ea typeface="Montserrat SemiBold"/>
+                <a:cs typeface="Montserrat SemiBold"/>
+                <a:sym typeface="Montserrat SemiBold"/>
+              </a:rPr>
+              <a:t>, Google smtp server</a:t>
+            </a:r>
+            <a:endParaRPr lang="ru-RU" sz="1600" dirty="0">
+              <a:highlight>
+                <a:srgbClr val="F7B633"/>
+              </a:highlight>
+              <a:latin typeface="Montserrat SemiBold"/>
+              <a:ea typeface="Montserrat SemiBold"/>
+              <a:cs typeface="Montserrat SemiBold"/>
+              <a:sym typeface="Montserrat SemiBold"/>
+            </a:endParaRPr>
+          </a:p>
+          <a:p>
+            <a:pPr marL="285750" lvl="0" indent="-285750">
+              <a:buFont typeface="Arial" panose="020B0604020202020204" pitchFamily="34" charset="0"/>
+              <a:buChar char="•"/>
+            </a:pPr>
+            <a:endParaRPr lang="ru-RU" sz="1600" dirty="0">
+              <a:highlight>
+                <a:srgbClr val="F7B633"/>
+              </a:highlight>
+              <a:latin typeface="Montserrat SemiBold"/>
+              <a:ea typeface="Montserrat SemiBold"/>
+              <a:cs typeface="Montserrat SemiBold"/>
+              <a:sym typeface="Montserrat SemiBold"/>
+            </a:endParaRPr>
+          </a:p>
+          <a:p>
+            <a:pPr marL="285750" lvl="0" indent="-285750">
+              <a:buFont typeface="Arial" panose="020B0604020202020204" pitchFamily="34" charset="0"/>
+              <a:buChar char="•"/>
+            </a:pPr>
+            <a:r>
+              <a:rPr lang="en-US" sz="1600" dirty="0">
+                <a:highlight>
+                  <a:srgbClr val="F7B633"/>
+                </a:highlight>
+                <a:latin typeface="Montserrat SemiBold"/>
+                <a:ea typeface="Montserrat SemiBold"/>
+                <a:cs typeface="Montserrat SemiBold"/>
+                <a:sym typeface="Montserrat SemiBold"/>
+              </a:rPr>
+              <a:t>Heroku Deploy service</a:t>
+            </a:r>
+          </a:p>
+          <a:p>
+            <a:pPr marL="285750" lvl="0" indent="-285750">
+              <a:buFont typeface="Arial" panose="020B0604020202020204" pitchFamily="34" charset="0"/>
+              <a:buChar char="•"/>
+            </a:pPr>
             <a:endParaRPr lang="en-US" sz="1600" dirty="0">
               <a:highlight>
                 <a:srgbClr val="F7B633"/>
@@ -10489,6 +10495,24 @@
               <a:cs typeface="Montserrat SemiBold"/>
               <a:sym typeface="Montserrat SemiBold"/>
             </a:endParaRPr>
+          </a:p>
+          <a:p>
+            <a:pPr marL="285750" lvl="0" indent="-285750">
+              <a:buFont typeface="Arial" panose="020B0604020202020204" pitchFamily="34" charset="0"/>
+              <a:buChar char="•"/>
+            </a:pPr>
+            <a:r>
+              <a:rPr lang="en-US" sz="1600" dirty="0">
+                <a:highlight>
+                  <a:srgbClr val="F7B633"/>
+                </a:highlight>
+                <a:latin typeface="Montserrat SemiBold"/>
+                <a:ea typeface="Montserrat SemiBold"/>
+                <a:cs typeface="Montserrat SemiBold"/>
+                <a:sym typeface="Montserrat SemiBold"/>
+              </a:rPr>
+              <a:t>Google smtp server</a:t>
+            </a:r>
           </a:p>
           <a:p>
             <a:pPr marL="285750" lvl="0" indent="-285750">

--- a/Презинтация/Driver Room презентаций W21.pptx
+++ b/Презинтация/Driver Room презентаций W21.pptx
@@ -10292,7 +10292,7 @@
                 <a:cs typeface="Montserrat SemiBold"/>
                 <a:sym typeface="Montserrat SemiBold"/>
               </a:rPr>
-              <a:t>Spring security, Lombok</a:t>
+              <a:t>Spring security, Lombok, Swagger, Maven</a:t>
             </a:r>
             <a:endParaRPr lang="ru-RU" sz="1600" dirty="0">
               <a:highlight>
@@ -10382,7 +10382,7 @@
               <a:buChar char="•"/>
             </a:pPr>
             <a:r>
-              <a:rPr lang="en-US" sz="1600">
+              <a:rPr lang="en-US" sz="1600" dirty="0">
                 <a:highlight>
                   <a:srgbClr val="F7B633"/>
                 </a:highlight>

--- a/Презинтация/Driver Room презентаций W21.pptx
+++ b/Презинтация/Driver Room презентаций W21.pptx
@@ -5,57 +5,44 @@
     <p:sldMasterId id="2147483659" r:id="rId1"/>
   </p:sldMasterIdLst>
   <p:notesMasterIdLst>
-    <p:notesMasterId r:id="rId14"/>
+    <p:notesMasterId r:id="rId15"/>
   </p:notesMasterIdLst>
   <p:sldIdLst>
     <p:sldId id="256" r:id="rId2"/>
     <p:sldId id="260" r:id="rId3"/>
     <p:sldId id="257" r:id="rId4"/>
-    <p:sldId id="259" r:id="rId5"/>
-    <p:sldId id="261" r:id="rId6"/>
-    <p:sldId id="264" r:id="rId7"/>
-    <p:sldId id="265" r:id="rId8"/>
-    <p:sldId id="269" r:id="rId9"/>
-    <p:sldId id="262" r:id="rId10"/>
-    <p:sldId id="263" r:id="rId11"/>
-    <p:sldId id="268" r:id="rId12"/>
-    <p:sldId id="267" r:id="rId13"/>
+    <p:sldId id="261" r:id="rId5"/>
+    <p:sldId id="264" r:id="rId6"/>
+    <p:sldId id="265" r:id="rId7"/>
+    <p:sldId id="269" r:id="rId8"/>
+    <p:sldId id="270" r:id="rId9"/>
+    <p:sldId id="271" r:id="rId10"/>
+    <p:sldId id="262" r:id="rId11"/>
+    <p:sldId id="263" r:id="rId12"/>
+    <p:sldId id="268" r:id="rId13"/>
+    <p:sldId id="267" r:id="rId14"/>
   </p:sldIdLst>
   <p:sldSz cx="9144000" cy="5143500" type="screen16x9"/>
   <p:notesSz cx="6858000" cy="9144000"/>
   <p:embeddedFontLst>
     <p:embeddedFont>
-      <p:font typeface="Montserrat" panose="020B0604020202020204" charset="-52"/>
-      <p:regular r:id="rId15"/>
+      <p:font typeface="Montserrat ExtraBold" panose="020B0604020202020204" charset="-52"/>
       <p:bold r:id="rId16"/>
-      <p:italic r:id="rId17"/>
-      <p:boldItalic r:id="rId18"/>
+      <p:boldItalic r:id="rId17"/>
     </p:embeddedFont>
     <p:embeddedFont>
-      <p:font typeface="Montserrat ExtraBold" panose="020B0604020202020204" charset="-52"/>
+      <p:font typeface="Montserrat" panose="020B0604020202020204" charset="-52"/>
+      <p:regular r:id="rId18"/>
       <p:bold r:id="rId19"/>
-      <p:boldItalic r:id="rId20"/>
-    </p:embeddedFont>
-    <p:embeddedFont>
-      <p:font typeface="Montserrat Light" panose="020B0604020202020204" charset="-52"/>
-      <p:regular r:id="rId21"/>
-      <p:bold r:id="rId22"/>
-      <p:italic r:id="rId23"/>
-      <p:boldItalic r:id="rId24"/>
-    </p:embeddedFont>
-    <p:embeddedFont>
-      <p:font typeface="Montserrat Medium" panose="020B0604020202020204" charset="-52"/>
-      <p:regular r:id="rId25"/>
-      <p:bold r:id="rId26"/>
-      <p:italic r:id="rId27"/>
-      <p:boldItalic r:id="rId28"/>
+      <p:italic r:id="rId20"/>
+      <p:boldItalic r:id="rId21"/>
     </p:embeddedFont>
     <p:embeddedFont>
       <p:font typeface="Montserrat SemiBold" panose="020B0604020202020204" charset="-52"/>
-      <p:regular r:id="rId29"/>
-      <p:bold r:id="rId30"/>
-      <p:italic r:id="rId31"/>
-      <p:boldItalic r:id="rId32"/>
+      <p:regular r:id="rId22"/>
+      <p:bold r:id="rId23"/>
+      <p:italic r:id="rId24"/>
+      <p:boldItalic r:id="rId25"/>
     </p:embeddedFont>
   </p:embeddedFontLst>
   <p:defaultTextStyle>
@@ -856,7 +843,7 @@
   <p:cSld>
     <p:spTree>
       <p:nvGrpSpPr>
-        <p:cNvPr id="1" name="Shape 98"/>
+        <p:cNvPr id="1" name="Shape 91"/>
         <p:cNvGrpSpPr/>
         <p:nvPr/>
       </p:nvGrpSpPr>
@@ -870,7 +857,7 @@
       </p:grpSpPr>
       <p:sp>
         <p:nvSpPr>
-          <p:cNvPr id="99" name="Google Shape;99;g8a5181709e_0_58:notes"/>
+          <p:cNvPr id="92" name="Google Shape;92;g956c45e79e_0_1:notes"/>
           <p:cNvSpPr>
             <a:spLocks noGrp="1" noRot="1" noChangeAspect="1"/>
           </p:cNvSpPr>
@@ -911,7 +898,7 @@
       </p:sp>
       <p:sp>
         <p:nvSpPr>
-          <p:cNvPr id="100" name="Google Shape;100;g8a5181709e_0_58:notes"/>
+          <p:cNvPr id="93" name="Google Shape;93;g956c45e79e_0_1:notes"/>
           <p:cNvSpPr txBox="1">
             <a:spLocks noGrp="1"/>
           </p:cNvSpPr>
@@ -1052,6 +1039,110 @@
         </p:txBody>
       </p:sp>
     </p:spTree>
+  </p:cSld>
+  <p:clrMapOvr>
+    <a:masterClrMapping/>
+  </p:clrMapOvr>
+</p:notes>
+</file>
+
+<file path=ppt/notesSlides/notesSlide12.xml><?xml version="1.0" encoding="utf-8"?>
+<p:notes xmlns:a="http://schemas.openxmlformats.org/drawingml/2006/main" xmlns:r="http://schemas.openxmlformats.org/officeDocument/2006/relationships" xmlns:p="http://schemas.openxmlformats.org/presentationml/2006/main" showMasterSp="0" showMasterPhAnim="0">
+  <p:cSld>
+    <p:spTree>
+      <p:nvGrpSpPr>
+        <p:cNvPr id="1" name="Shape 98"/>
+        <p:cNvGrpSpPr/>
+        <p:nvPr/>
+      </p:nvGrpSpPr>
+      <p:grpSpPr>
+        <a:xfrm>
+          <a:off x="0" y="0"/>
+          <a:ext cx="0" cy="0"/>
+          <a:chOff x="0" y="0"/>
+          <a:chExt cx="0" cy="0"/>
+        </a:xfrm>
+      </p:grpSpPr>
+      <p:sp>
+        <p:nvSpPr>
+          <p:cNvPr id="99" name="Google Shape;99;g8a5181709e_0_58:notes"/>
+          <p:cNvSpPr>
+            <a:spLocks noGrp="1" noRot="1" noChangeAspect="1"/>
+          </p:cNvSpPr>
+          <p:nvPr>
+            <p:ph type="sldImg" idx="2"/>
+          </p:nvPr>
+        </p:nvSpPr>
+        <p:spPr>
+          <a:xfrm>
+            <a:off x="381000" y="685800"/>
+            <a:ext cx="6096000" cy="3429000"/>
+          </a:xfrm>
+          <a:custGeom>
+            <a:avLst/>
+            <a:gdLst/>
+            <a:ahLst/>
+            <a:cxnLst/>
+            <a:rect l="l" t="t" r="r" b="b"/>
+            <a:pathLst>
+              <a:path w="120000" h="120000" extrusionOk="0">
+                <a:moveTo>
+                  <a:pt x="0" y="0"/>
+                </a:moveTo>
+                <a:lnTo>
+                  <a:pt x="120000" y="0"/>
+                </a:lnTo>
+                <a:lnTo>
+                  <a:pt x="120000" y="120000"/>
+                </a:lnTo>
+                <a:lnTo>
+                  <a:pt x="0" y="120000"/>
+                </a:lnTo>
+                <a:close/>
+              </a:path>
+            </a:pathLst>
+          </a:custGeom>
+        </p:spPr>
+      </p:sp>
+      <p:sp>
+        <p:nvSpPr>
+          <p:cNvPr id="100" name="Google Shape;100;g8a5181709e_0_58:notes"/>
+          <p:cNvSpPr txBox="1">
+            <a:spLocks noGrp="1"/>
+          </p:cNvSpPr>
+          <p:nvPr>
+            <p:ph type="body" idx="1"/>
+          </p:nvPr>
+        </p:nvSpPr>
+        <p:spPr>
+          <a:xfrm>
+            <a:off x="685800" y="4343400"/>
+            <a:ext cx="5486400" cy="4114800"/>
+          </a:xfrm>
+          <a:prstGeom prst="rect">
+            <a:avLst/>
+          </a:prstGeom>
+        </p:spPr>
+        <p:txBody>
+          <a:bodyPr spcFirstLastPara="1" wrap="square" lIns="91425" tIns="91425" rIns="91425" bIns="91425" anchor="t" anchorCtr="0">
+            <a:noAutofit/>
+          </a:bodyPr>
+          <a:lstStyle/>
+          <a:p>
+            <a:pPr marL="0" lvl="0" indent="0" algn="l" rtl="0">
+              <a:spcBef>
+                <a:spcPts val="0"/>
+              </a:spcBef>
+              <a:spcAft>
+                <a:spcPts val="0"/>
+              </a:spcAft>
+              <a:buNone/>
+            </a:pPr>
+            <a:endParaRPr/>
+          </a:p>
+        </p:txBody>
+      </p:sp>
+    </p:spTree>
     <p:extLst>
       <p:ext uri="{BB962C8B-B14F-4D97-AF65-F5344CB8AC3E}">
         <p14:creationId xmlns:p14="http://schemas.microsoft.com/office/powerpoint/2010/main" val="687663772"/>
@@ -1064,7 +1155,7 @@
 </p:notes>
 </file>
 
-<file path=ppt/notesSlides/notesSlide12.xml><?xml version="1.0" encoding="utf-8"?>
+<file path=ppt/notesSlides/notesSlide13.xml><?xml version="1.0" encoding="utf-8"?>
 <p:notes xmlns:a="http://schemas.openxmlformats.org/drawingml/2006/main" xmlns:r="http://schemas.openxmlformats.org/officeDocument/2006/relationships" xmlns:p="http://schemas.openxmlformats.org/presentationml/2006/main" showMasterSp="0" showMasterPhAnim="0">
   <p:cSld>
     <p:spTree>
@@ -1386,110 +1477,6 @@
   <p:cSld>
     <p:spTree>
       <p:nvGrpSpPr>
-        <p:cNvPr id="1" name="Shape 69"/>
-        <p:cNvGrpSpPr/>
-        <p:nvPr/>
-      </p:nvGrpSpPr>
-      <p:grpSpPr>
-        <a:xfrm>
-          <a:off x="0" y="0"/>
-          <a:ext cx="0" cy="0"/>
-          <a:chOff x="0" y="0"/>
-          <a:chExt cx="0" cy="0"/>
-        </a:xfrm>
-      </p:grpSpPr>
-      <p:sp>
-        <p:nvSpPr>
-          <p:cNvPr id="70" name="Google Shape;70;g80cb14a136_0_256:notes"/>
-          <p:cNvSpPr>
-            <a:spLocks noGrp="1" noRot="1" noChangeAspect="1"/>
-          </p:cNvSpPr>
-          <p:nvPr>
-            <p:ph type="sldImg" idx="2"/>
-          </p:nvPr>
-        </p:nvSpPr>
-        <p:spPr>
-          <a:xfrm>
-            <a:off x="381000" y="685800"/>
-            <a:ext cx="6096000" cy="3429000"/>
-          </a:xfrm>
-          <a:custGeom>
-            <a:avLst/>
-            <a:gdLst/>
-            <a:ahLst/>
-            <a:cxnLst/>
-            <a:rect l="l" t="t" r="r" b="b"/>
-            <a:pathLst>
-              <a:path w="120000" h="120000" extrusionOk="0">
-                <a:moveTo>
-                  <a:pt x="0" y="0"/>
-                </a:moveTo>
-                <a:lnTo>
-                  <a:pt x="120000" y="0"/>
-                </a:lnTo>
-                <a:lnTo>
-                  <a:pt x="120000" y="120000"/>
-                </a:lnTo>
-                <a:lnTo>
-                  <a:pt x="0" y="120000"/>
-                </a:lnTo>
-                <a:close/>
-              </a:path>
-            </a:pathLst>
-          </a:custGeom>
-        </p:spPr>
-      </p:sp>
-      <p:sp>
-        <p:nvSpPr>
-          <p:cNvPr id="71" name="Google Shape;71;g80cb14a136_0_256:notes"/>
-          <p:cNvSpPr txBox="1">
-            <a:spLocks noGrp="1"/>
-          </p:cNvSpPr>
-          <p:nvPr>
-            <p:ph type="body" idx="1"/>
-          </p:nvPr>
-        </p:nvSpPr>
-        <p:spPr>
-          <a:xfrm>
-            <a:off x="685800" y="4343400"/>
-            <a:ext cx="5486400" cy="4114800"/>
-          </a:xfrm>
-          <a:prstGeom prst="rect">
-            <a:avLst/>
-          </a:prstGeom>
-        </p:spPr>
-        <p:txBody>
-          <a:bodyPr spcFirstLastPara="1" wrap="square" lIns="91425" tIns="91425" rIns="91425" bIns="91425" anchor="t" anchorCtr="0">
-            <a:noAutofit/>
-          </a:bodyPr>
-          <a:lstStyle/>
-          <a:p>
-            <a:pPr marL="0" lvl="0" indent="0" algn="l" rtl="0">
-              <a:spcBef>
-                <a:spcPts val="0"/>
-              </a:spcBef>
-              <a:spcAft>
-                <a:spcPts val="0"/>
-              </a:spcAft>
-              <a:buNone/>
-            </a:pPr>
-            <a:endParaRPr/>
-          </a:p>
-        </p:txBody>
-      </p:sp>
-    </p:spTree>
-  </p:cSld>
-  <p:clrMapOvr>
-    <a:masterClrMapping/>
-  </p:clrMapOvr>
-</p:notes>
-</file>
-
-<file path=ppt/notesSlides/notesSlide5.xml><?xml version="1.0" encoding="utf-8"?>
-<p:notes xmlns:a="http://schemas.openxmlformats.org/drawingml/2006/main" xmlns:r="http://schemas.openxmlformats.org/officeDocument/2006/relationships" xmlns:p="http://schemas.openxmlformats.org/presentationml/2006/main" showMasterSp="0" showMasterPhAnim="0">
-  <p:cSld>
-    <p:spTree>
-      <p:nvGrpSpPr>
         <p:cNvPr id="1" name="Shape 84"/>
         <p:cNvGrpSpPr/>
         <p:nvPr/>
@@ -1589,7 +1576,7 @@
 </p:notes>
 </file>
 
-<file path=ppt/notesSlides/notesSlide6.xml><?xml version="1.0" encoding="utf-8"?>
+<file path=ppt/notesSlides/notesSlide5.xml><?xml version="1.0" encoding="utf-8"?>
 <p:notes xmlns:a="http://schemas.openxmlformats.org/drawingml/2006/main" xmlns:r="http://schemas.openxmlformats.org/officeDocument/2006/relationships" xmlns:p="http://schemas.openxmlformats.org/presentationml/2006/main" showMasterSp="0" showMasterPhAnim="0">
   <p:cSld>
     <p:spTree>
@@ -1689,6 +1676,115 @@
     <p:extLst>
       <p:ext uri="{BB962C8B-B14F-4D97-AF65-F5344CB8AC3E}">
         <p14:creationId xmlns:p14="http://schemas.microsoft.com/office/powerpoint/2010/main" val="2155170384"/>
+      </p:ext>
+    </p:extLst>
+  </p:cSld>
+  <p:clrMapOvr>
+    <a:masterClrMapping/>
+  </p:clrMapOvr>
+</p:notes>
+</file>
+
+<file path=ppt/notesSlides/notesSlide6.xml><?xml version="1.0" encoding="utf-8"?>
+<p:notes xmlns:a="http://schemas.openxmlformats.org/drawingml/2006/main" xmlns:r="http://schemas.openxmlformats.org/officeDocument/2006/relationships" xmlns:p="http://schemas.openxmlformats.org/presentationml/2006/main" showMasterSp="0" showMasterPhAnim="0">
+  <p:cSld>
+    <p:spTree>
+      <p:nvGrpSpPr>
+        <p:cNvPr id="1" name="Shape 113"/>
+        <p:cNvGrpSpPr/>
+        <p:nvPr/>
+      </p:nvGrpSpPr>
+      <p:grpSpPr>
+        <a:xfrm>
+          <a:off x="0" y="0"/>
+          <a:ext cx="0" cy="0"/>
+          <a:chOff x="0" y="0"/>
+          <a:chExt cx="0" cy="0"/>
+        </a:xfrm>
+      </p:grpSpPr>
+      <p:sp>
+        <p:nvSpPr>
+          <p:cNvPr id="114" name="Google Shape;114;g9e564a5e6d_0_12:notes"/>
+          <p:cNvSpPr>
+            <a:spLocks noGrp="1" noRot="1" noChangeAspect="1"/>
+          </p:cNvSpPr>
+          <p:nvPr>
+            <p:ph type="sldImg" idx="2"/>
+          </p:nvPr>
+        </p:nvSpPr>
+        <p:spPr>
+          <a:xfrm>
+            <a:off x="381000" y="685800"/>
+            <a:ext cx="6096000" cy="3429000"/>
+          </a:xfrm>
+          <a:custGeom>
+            <a:avLst/>
+            <a:gdLst/>
+            <a:ahLst/>
+            <a:cxnLst/>
+            <a:rect l="l" t="t" r="r" b="b"/>
+            <a:pathLst>
+              <a:path w="120000" h="120000" extrusionOk="0">
+                <a:moveTo>
+                  <a:pt x="0" y="0"/>
+                </a:moveTo>
+                <a:lnTo>
+                  <a:pt x="120000" y="0"/>
+                </a:lnTo>
+                <a:lnTo>
+                  <a:pt x="120000" y="120000"/>
+                </a:lnTo>
+                <a:lnTo>
+                  <a:pt x="0" y="120000"/>
+                </a:lnTo>
+                <a:close/>
+              </a:path>
+            </a:pathLst>
+          </a:custGeom>
+        </p:spPr>
+      </p:sp>
+      <p:sp>
+        <p:nvSpPr>
+          <p:cNvPr id="115" name="Google Shape;115;g9e564a5e6d_0_12:notes"/>
+          <p:cNvSpPr txBox="1">
+            <a:spLocks noGrp="1"/>
+          </p:cNvSpPr>
+          <p:nvPr>
+            <p:ph type="body" idx="1"/>
+          </p:nvPr>
+        </p:nvSpPr>
+        <p:spPr>
+          <a:xfrm>
+            <a:off x="685800" y="4343400"/>
+            <a:ext cx="5486400" cy="4114800"/>
+          </a:xfrm>
+          <a:prstGeom prst="rect">
+            <a:avLst/>
+          </a:prstGeom>
+        </p:spPr>
+        <p:txBody>
+          <a:bodyPr spcFirstLastPara="1" wrap="square" lIns="91425" tIns="91425" rIns="91425" bIns="91425" anchor="t" anchorCtr="0">
+            <a:noAutofit/>
+          </a:bodyPr>
+          <a:lstStyle/>
+          <a:p>
+            <a:pPr marL="0" lvl="0" indent="0" algn="l" rtl="0">
+              <a:spcBef>
+                <a:spcPts val="0"/>
+              </a:spcBef>
+              <a:spcAft>
+                <a:spcPts val="0"/>
+              </a:spcAft>
+              <a:buNone/>
+            </a:pPr>
+            <a:endParaRPr/>
+          </a:p>
+        </p:txBody>
+      </p:sp>
+    </p:spTree>
+    <p:extLst>
+      <p:ext uri="{BB962C8B-B14F-4D97-AF65-F5344CB8AC3E}">
+        <p14:creationId xmlns:p14="http://schemas.microsoft.com/office/powerpoint/2010/main" val="589375928"/>
       </p:ext>
     </p:extLst>
   </p:cSld>
@@ -1797,7 +1893,7 @@
     </p:spTree>
     <p:extLst>
       <p:ext uri="{BB962C8B-B14F-4D97-AF65-F5344CB8AC3E}">
-        <p14:creationId xmlns:p14="http://schemas.microsoft.com/office/powerpoint/2010/main" val="589375928"/>
+        <p14:creationId xmlns:p14="http://schemas.microsoft.com/office/powerpoint/2010/main" val="130468648"/>
       </p:ext>
     </p:extLst>
   </p:cSld>
@@ -1906,7 +2002,7 @@
     </p:spTree>
     <p:extLst>
       <p:ext uri="{BB962C8B-B14F-4D97-AF65-F5344CB8AC3E}">
-        <p14:creationId xmlns:p14="http://schemas.microsoft.com/office/powerpoint/2010/main" val="130468648"/>
+        <p14:creationId xmlns:p14="http://schemas.microsoft.com/office/powerpoint/2010/main" val="3017832595"/>
       </p:ext>
     </p:extLst>
   </p:cSld>
@@ -1921,7 +2017,7 @@
   <p:cSld>
     <p:spTree>
       <p:nvGrpSpPr>
-        <p:cNvPr id="1" name="Shape 91"/>
+        <p:cNvPr id="1" name="Shape 113"/>
         <p:cNvGrpSpPr/>
         <p:nvPr/>
       </p:nvGrpSpPr>
@@ -1935,7 +2031,7 @@
       </p:grpSpPr>
       <p:sp>
         <p:nvSpPr>
-          <p:cNvPr id="92" name="Google Shape;92;g956c45e79e_0_1:notes"/>
+          <p:cNvPr id="114" name="Google Shape;114;g9e564a5e6d_0_12:notes"/>
           <p:cNvSpPr>
             <a:spLocks noGrp="1" noRot="1" noChangeAspect="1"/>
           </p:cNvSpPr>
@@ -1976,7 +2072,7 @@
       </p:sp>
       <p:sp>
         <p:nvSpPr>
-          <p:cNvPr id="93" name="Google Shape;93;g956c45e79e_0_1:notes"/>
+          <p:cNvPr id="115" name="Google Shape;115;g9e564a5e6d_0_12:notes"/>
           <p:cNvSpPr txBox="1">
             <a:spLocks noGrp="1"/>
           </p:cNvSpPr>
@@ -2013,6 +2109,11 @@
         </p:txBody>
       </p:sp>
     </p:spTree>
+    <p:extLst>
+      <p:ext uri="{BB962C8B-B14F-4D97-AF65-F5344CB8AC3E}">
+        <p14:creationId xmlns:p14="http://schemas.microsoft.com/office/powerpoint/2010/main" val="778289861"/>
+      </p:ext>
+    </p:extLst>
   </p:cSld>
   <p:clrMapOvr>
     <a:masterClrMapping/>
@@ -7173,10 +7274,245 @@
   <p:clrMapOvr>
     <a:masterClrMapping/>
   </p:clrMapOvr>
+  <p:timing>
+    <p:tnLst>
+      <p:par>
+        <p:cTn id="1" dur="indefinite" restart="never" nodeType="tmRoot"/>
+      </p:par>
+    </p:tnLst>
+  </p:timing>
 </p:sld>
 </file>
 
 <file path=ppt/slides/slide10.xml><?xml version="1.0" encoding="utf-8"?>
+<p:sld xmlns:a="http://schemas.openxmlformats.org/drawingml/2006/main" xmlns:r="http://schemas.openxmlformats.org/officeDocument/2006/relationships" xmlns:p="http://schemas.openxmlformats.org/presentationml/2006/main">
+  <p:cSld>
+    <p:bg>
+      <p:bgPr>
+        <a:solidFill>
+          <a:srgbClr val="F7B633"/>
+        </a:solidFill>
+        <a:effectLst/>
+      </p:bgPr>
+    </p:bg>
+    <p:spTree>
+      <p:nvGrpSpPr>
+        <p:cNvPr id="1" name="Shape 94"/>
+        <p:cNvGrpSpPr/>
+        <p:nvPr/>
+      </p:nvGrpSpPr>
+      <p:grpSpPr>
+        <a:xfrm>
+          <a:off x="0" y="0"/>
+          <a:ext cx="0" cy="0"/>
+          <a:chOff x="0" y="0"/>
+          <a:chExt cx="0" cy="0"/>
+        </a:xfrm>
+      </p:grpSpPr>
+      <p:pic>
+        <p:nvPicPr>
+          <p:cNvPr id="95" name="Google Shape;95;p19"/>
+          <p:cNvPicPr preferRelativeResize="0"/>
+          <p:nvPr/>
+        </p:nvPicPr>
+        <p:blipFill>
+          <a:blip r:embed="rId3">
+            <a:alphaModFix/>
+          </a:blip>
+          <a:stretch>
+            <a:fillRect/>
+          </a:stretch>
+        </p:blipFill>
+        <p:spPr>
+          <a:xfrm>
+            <a:off x="1844725" y="647700"/>
+            <a:ext cx="4876800" cy="4876800"/>
+          </a:xfrm>
+          <a:prstGeom prst="rect">
+            <a:avLst/>
+          </a:prstGeom>
+          <a:noFill/>
+          <a:ln>
+            <a:noFill/>
+          </a:ln>
+        </p:spPr>
+      </p:pic>
+      <p:pic>
+        <p:nvPicPr>
+          <p:cNvPr id="96" name="Google Shape;96;p19"/>
+          <p:cNvPicPr preferRelativeResize="0"/>
+          <p:nvPr/>
+        </p:nvPicPr>
+        <p:blipFill>
+          <a:blip r:embed="rId4">
+            <a:alphaModFix amt="3000"/>
+          </a:blip>
+          <a:stretch>
+            <a:fillRect/>
+          </a:stretch>
+        </p:blipFill>
+        <p:spPr>
+          <a:xfrm>
+            <a:off x="1017063" y="-344950"/>
+            <a:ext cx="7068874" cy="5143500"/>
+          </a:xfrm>
+          <a:prstGeom prst="rect">
+            <a:avLst/>
+          </a:prstGeom>
+          <a:noFill/>
+          <a:ln>
+            <a:noFill/>
+          </a:ln>
+        </p:spPr>
+      </p:pic>
+      <p:sp>
+        <p:nvSpPr>
+          <p:cNvPr id="97" name="Google Shape;97;p19"/>
+          <p:cNvSpPr txBox="1"/>
+          <p:nvPr/>
+        </p:nvSpPr>
+        <p:spPr>
+          <a:xfrm>
+            <a:off x="190500" y="2870200"/>
+            <a:ext cx="8763000" cy="706133"/>
+          </a:xfrm>
+          <a:prstGeom prst="rect">
+            <a:avLst/>
+          </a:prstGeom>
+          <a:noFill/>
+          <a:ln>
+            <a:noFill/>
+          </a:ln>
+        </p:spPr>
+        <p:txBody>
+          <a:bodyPr spcFirstLastPara="1" wrap="square" lIns="91425" tIns="91425" rIns="91425" bIns="91425" anchor="ctr" anchorCtr="0">
+            <a:noAutofit/>
+          </a:bodyPr>
+          <a:lstStyle/>
+          <a:p>
+            <a:pPr marL="0" lvl="0" indent="0" algn="ctr" rtl="0">
+              <a:spcBef>
+                <a:spcPts val="0"/>
+              </a:spcBef>
+              <a:spcAft>
+                <a:spcPts val="0"/>
+              </a:spcAft>
+              <a:buNone/>
+            </a:pPr>
+            <a:r>
+              <a:rPr lang="ru-RU" sz="5000" dirty="0">
+                <a:solidFill>
+                  <a:schemeClr val="dk1"/>
+                </a:solidFill>
+                <a:highlight>
+                  <a:srgbClr val="FFFFFF"/>
+                </a:highlight>
+                <a:latin typeface="Montserrat ExtraBold"/>
+                <a:ea typeface="Montserrat ExtraBold"/>
+                <a:cs typeface="Montserrat ExtraBold"/>
+                <a:sym typeface="Montserrat ExtraBold"/>
+              </a:rPr>
+              <a:t>Проблемы при создании </a:t>
+            </a:r>
+            <a:r>
+              <a:rPr lang="ru-RU" sz="5000" dirty="0" smtClean="0">
+                <a:solidFill>
+                  <a:schemeClr val="dk1"/>
+                </a:solidFill>
+                <a:highlight>
+                  <a:srgbClr val="FFFFFF"/>
+                </a:highlight>
+                <a:latin typeface="Montserrat ExtraBold"/>
+                <a:ea typeface="Montserrat ExtraBold"/>
+                <a:cs typeface="Montserrat ExtraBold"/>
+                <a:sym typeface="Montserrat ExtraBold"/>
+              </a:rPr>
+              <a:t>проекта</a:t>
+            </a:r>
+            <a:endParaRPr lang="en-US" sz="5000" dirty="0" smtClean="0">
+              <a:solidFill>
+                <a:schemeClr val="dk1"/>
+              </a:solidFill>
+              <a:highlight>
+                <a:srgbClr val="FFFFFF"/>
+              </a:highlight>
+              <a:latin typeface="Montserrat ExtraBold"/>
+              <a:ea typeface="Montserrat ExtraBold"/>
+              <a:cs typeface="Montserrat ExtraBold"/>
+              <a:sym typeface="Montserrat ExtraBold"/>
+            </a:endParaRPr>
+          </a:p>
+          <a:p>
+            <a:pPr marL="0" lvl="0" indent="0" algn="ctr" rtl="0">
+              <a:spcBef>
+                <a:spcPts val="0"/>
+              </a:spcBef>
+              <a:spcAft>
+                <a:spcPts val="0"/>
+              </a:spcAft>
+              <a:buNone/>
+            </a:pPr>
+            <a:r>
+              <a:rPr lang="ru-RU" sz="5000" dirty="0">
+                <a:solidFill>
+                  <a:schemeClr val="dk1"/>
+                </a:solidFill>
+                <a:highlight>
+                  <a:srgbClr val="FFFFFF"/>
+                </a:highlight>
+                <a:latin typeface="Montserrat ExtraBold"/>
+                <a:ea typeface="Montserrat ExtraBold"/>
+                <a:cs typeface="Montserrat ExtraBold"/>
+                <a:sym typeface="Montserrat ExtraBold"/>
+              </a:rPr>
+              <a:t>и</a:t>
+            </a:r>
+            <a:r>
+              <a:rPr lang="ru-RU" sz="5000" dirty="0" smtClean="0">
+                <a:solidFill>
+                  <a:schemeClr val="dk1"/>
+                </a:solidFill>
+                <a:highlight>
+                  <a:srgbClr val="FFFFFF"/>
+                </a:highlight>
+                <a:latin typeface="Montserrat ExtraBold"/>
+                <a:ea typeface="Montserrat ExtraBold"/>
+                <a:cs typeface="Montserrat ExtraBold"/>
+                <a:sym typeface="Montserrat ExtraBold"/>
+              </a:rPr>
+              <a:t> их решения</a:t>
+            </a:r>
+            <a:endParaRPr sz="5000" dirty="0">
+              <a:solidFill>
+                <a:schemeClr val="dk1"/>
+              </a:solidFill>
+              <a:highlight>
+                <a:srgbClr val="FFFFFF"/>
+              </a:highlight>
+              <a:latin typeface="Montserrat ExtraBold"/>
+              <a:ea typeface="Montserrat ExtraBold"/>
+              <a:cs typeface="Montserrat ExtraBold"/>
+              <a:sym typeface="Montserrat ExtraBold"/>
+            </a:endParaRPr>
+          </a:p>
+        </p:txBody>
+      </p:sp>
+    </p:spTree>
+  </p:cSld>
+  <p:clrMapOvr>
+    <a:masterClrMapping/>
+  </p:clrMapOvr>
+  <p:timing>
+    <p:tnLst>
+      <p:par>
+        <p:cTn id="1" dur="indefinite" restart="never" nodeType="tmRoot"/>
+      </p:par>
+    </p:tnLst>
+  </p:timing>
+</p:sld>
+</file>
+
+<file path=ppt/slides/slide11.xml><?xml version="1.0" encoding="utf-8"?>
 <p:sld xmlns:a="http://schemas.openxmlformats.org/drawingml/2006/main" xmlns:r="http://schemas.openxmlformats.org/officeDocument/2006/relationships" xmlns:p="http://schemas.openxmlformats.org/presentationml/2006/main">
   <p:cSld>
     <p:bg>
@@ -7334,10 +7670,17 @@
   <p:clrMapOvr>
     <a:masterClrMapping/>
   </p:clrMapOvr>
+  <p:timing>
+    <p:tnLst>
+      <p:par>
+        <p:cTn id="1" dur="indefinite" restart="never" nodeType="tmRoot"/>
+      </p:par>
+    </p:tnLst>
+  </p:timing>
 </p:sld>
 </file>
 
-<file path=ppt/slides/slide11.xml><?xml version="1.0" encoding="utf-8"?>
+<file path=ppt/slides/slide12.xml><?xml version="1.0" encoding="utf-8"?>
 <p:sld xmlns:a="http://schemas.openxmlformats.org/drawingml/2006/main" xmlns:r="http://schemas.openxmlformats.org/officeDocument/2006/relationships" xmlns:p="http://schemas.openxmlformats.org/presentationml/2006/main">
   <p:cSld>
     <p:bg>
@@ -7500,10 +7843,17 @@
   <p:clrMapOvr>
     <a:masterClrMapping/>
   </p:clrMapOvr>
+  <p:timing>
+    <p:tnLst>
+      <p:par>
+        <p:cTn id="1" dur="indefinite" restart="never" nodeType="tmRoot"/>
+      </p:par>
+    </p:tnLst>
+  </p:timing>
 </p:sld>
 </file>
 
-<file path=ppt/slides/slide12.xml><?xml version="1.0" encoding="utf-8"?>
+<file path=ppt/slides/slide13.xml><?xml version="1.0" encoding="utf-8"?>
 <p:sld xmlns:a="http://schemas.openxmlformats.org/drawingml/2006/main" xmlns:r="http://schemas.openxmlformats.org/officeDocument/2006/relationships" xmlns:p="http://schemas.openxmlformats.org/presentationml/2006/main">
   <p:cSld>
     <p:spTree>
@@ -7929,7 +8279,7 @@
                 <a:hlinkClick r:id="rId5">
                   <a:extLst>
                     <a:ext uri="{A12FA001-AC4F-418D-AE19-62706E023703}">
-                      <ahyp:hlinkClr xmlns:ahyp="http://schemas.microsoft.com/office/drawing/2018/hyperlinkcolor" val="tx"/>
+                      <ahyp:hlinkClr xmlns:ahyp="http://schemas.microsoft.com/office/drawing/2018/hyperlinkcolor" xmlns="" val="tx"/>
                     </a:ext>
                   </a:extLst>
                 </a:hlinkClick>
@@ -8126,7 +8476,7 @@
                 <a:hlinkClick r:id="rId6">
                   <a:extLst>
                     <a:ext uri="{A12FA001-AC4F-418D-AE19-62706E023703}">
-                      <ahyp:hlinkClr xmlns:ahyp="http://schemas.microsoft.com/office/drawing/2018/hyperlinkcolor" val="tx"/>
+                      <ahyp:hlinkClr xmlns:ahyp="http://schemas.microsoft.com/office/drawing/2018/hyperlinkcolor" xmlns="" val="tx"/>
                     </a:ext>
                   </a:extLst>
                 </a:hlinkClick>
@@ -8472,6 +8822,13 @@
   <p:clrMapOvr>
     <a:masterClrMapping/>
   </p:clrMapOvr>
+  <p:timing>
+    <p:tnLst>
+      <p:par>
+        <p:cTn id="1" dur="indefinite" restart="never" nodeType="tmRoot"/>
+      </p:par>
+    </p:tnLst>
+  </p:timing>
 </p:sld>
 </file>
 
@@ -8960,6 +9317,13 @@
   <p:clrMapOvr>
     <a:masterClrMapping/>
   </p:clrMapOvr>
+  <p:timing>
+    <p:tnLst>
+      <p:par>
+        <p:cTn id="1" dur="indefinite" restart="never" nodeType="tmRoot"/>
+      </p:par>
+    </p:tnLst>
+  </p:timing>
 </p:sld>
 </file>
 
@@ -9030,7 +9394,7 @@
               <a:t>Как я </a:t>
             </a:r>
             <a:r>
-              <a:rPr lang="ru-RU" sz="3000" dirty="0" err="1">
+              <a:rPr lang="ru-RU" sz="3000" dirty="0" smtClean="0">
                 <a:solidFill>
                   <a:srgbClr val="FFFFFF"/>
                 </a:solidFill>
@@ -9042,7 +9406,7 @@
                 <a:cs typeface="Montserrat ExtraBold"/>
                 <a:sym typeface="Montserrat ExtraBold"/>
               </a:rPr>
-              <a:t>пришол</a:t>
+              <a:t>пришёл </a:t>
             </a:r>
             <a:r>
               <a:rPr lang="ru-RU" sz="3000" dirty="0">
@@ -9057,7 +9421,7 @@
                 <a:cs typeface="Montserrat ExtraBold"/>
                 <a:sym typeface="Montserrat ExtraBold"/>
               </a:rPr>
-              <a:t> к программированию</a:t>
+              <a:t>к программированию</a:t>
             </a:r>
             <a:endParaRPr sz="3000" dirty="0">
               <a:solidFill>
@@ -9219,245 +9583,17 @@
   <p:clrMapOvr>
     <a:masterClrMapping/>
   </p:clrMapOvr>
+  <p:timing>
+    <p:tnLst>
+      <p:par>
+        <p:cTn id="1" dur="indefinite" restart="never" nodeType="tmRoot"/>
+      </p:par>
+    </p:tnLst>
+  </p:timing>
 </p:sld>
 </file>
 
 <file path=ppt/slides/slide4.xml><?xml version="1.0" encoding="utf-8"?>
-<p:sld xmlns:a="http://schemas.openxmlformats.org/drawingml/2006/main" xmlns:r="http://schemas.openxmlformats.org/officeDocument/2006/relationships" xmlns:p="http://schemas.openxmlformats.org/presentationml/2006/main">
-  <p:cSld>
-    <p:bg>
-      <p:bgPr>
-        <a:solidFill>
-          <a:srgbClr val="FFFFFF"/>
-        </a:solidFill>
-        <a:effectLst/>
-      </p:bgPr>
-    </p:bg>
-    <p:spTree>
-      <p:nvGrpSpPr>
-        <p:cNvPr id="1" name="Shape 72"/>
-        <p:cNvGrpSpPr/>
-        <p:nvPr/>
-      </p:nvGrpSpPr>
-      <p:grpSpPr>
-        <a:xfrm>
-          <a:off x="0" y="0"/>
-          <a:ext cx="0" cy="0"/>
-          <a:chOff x="0" y="0"/>
-          <a:chExt cx="0" cy="0"/>
-        </a:xfrm>
-      </p:grpSpPr>
-      <p:sp>
-        <p:nvSpPr>
-          <p:cNvPr id="73" name="Google Shape;73;p16"/>
-          <p:cNvSpPr txBox="1"/>
-          <p:nvPr/>
-        </p:nvSpPr>
-        <p:spPr>
-          <a:xfrm>
-            <a:off x="158600" y="1175575"/>
-            <a:ext cx="8863500" cy="2852700"/>
-          </a:xfrm>
-          <a:prstGeom prst="rect">
-            <a:avLst/>
-          </a:prstGeom>
-          <a:noFill/>
-          <a:ln>
-            <a:noFill/>
-          </a:ln>
-        </p:spPr>
-        <p:txBody>
-          <a:bodyPr spcFirstLastPara="1" wrap="square" lIns="91425" tIns="91425" rIns="91425" bIns="91425" anchor="t" anchorCtr="0">
-            <a:noAutofit/>
-          </a:bodyPr>
-          <a:lstStyle/>
-          <a:p>
-            <a:pPr marL="457200" indent="-355600">
-              <a:lnSpc>
-                <a:spcPct val="150000"/>
-              </a:lnSpc>
-              <a:buClr>
-                <a:schemeClr val="dk1"/>
-              </a:buClr>
-              <a:buSzPts val="2000"/>
-              <a:buFont typeface="Montserrat Medium"/>
-              <a:buAutoNum type="arabicPeriod"/>
-            </a:pPr>
-            <a:r>
-              <a:rPr lang="en" sz="2000" dirty="0">
-                <a:latin typeface="Montserrat Medium"/>
-                <a:ea typeface="Montserrat Medium"/>
-                <a:cs typeface="Montserrat Medium"/>
-                <a:sym typeface="Montserrat Medium"/>
-              </a:rPr>
-              <a:t> </a:t>
-            </a:r>
-            <a:r>
-              <a:rPr lang="ru-RU" sz="2000" dirty="0">
-                <a:latin typeface="Montserrat Light"/>
-                <a:sym typeface="Montserrat Light"/>
-              </a:rPr>
-              <a:t>Люблю познавать что то новое, всегда легок на подъем. Всегда интересно что то новое и интересное. </a:t>
-            </a:r>
-            <a:endParaRPr sz="2000" dirty="0">
-              <a:latin typeface="Montserrat Medium"/>
-              <a:ea typeface="Montserrat Medium"/>
-              <a:cs typeface="Montserrat Medium"/>
-              <a:sym typeface="Montserrat Medium"/>
-            </a:endParaRPr>
-          </a:p>
-          <a:p>
-            <a:pPr marL="457200" lvl="0" indent="-355600">
-              <a:lnSpc>
-                <a:spcPct val="150000"/>
-              </a:lnSpc>
-              <a:buSzPts val="2000"/>
-              <a:buFont typeface="Montserrat Medium"/>
-              <a:buAutoNum type="arabicPeriod"/>
-            </a:pPr>
-            <a:r>
-              <a:rPr lang="ru-RU" sz="2000" dirty="0">
-                <a:latin typeface="Montserrat Light"/>
-                <a:sym typeface="Montserrat Light"/>
-              </a:rPr>
-              <a:t>До сих пор ищу чем хочу заняться и чему посвятить свою жизнь.</a:t>
-            </a:r>
-            <a:endParaRPr lang="en-US" sz="2000" dirty="0">
-              <a:latin typeface="Montserrat Light"/>
-              <a:sym typeface="Montserrat Light"/>
-            </a:endParaRPr>
-          </a:p>
-          <a:p>
-            <a:pPr marL="457200" indent="-355600">
-              <a:lnSpc>
-                <a:spcPct val="150000"/>
-              </a:lnSpc>
-              <a:buSzPts val="2000"/>
-              <a:buFont typeface="Montserrat Medium"/>
-              <a:buAutoNum type="arabicPeriod"/>
-            </a:pPr>
-            <a:r>
-              <a:rPr lang="ru-RU" sz="2000" dirty="0">
-                <a:latin typeface="Montserrat Light"/>
-                <a:sym typeface="Montserrat Light"/>
-              </a:rPr>
-              <a:t>Мечта детства написать обширную компьютерную игру которая в себе будет сочетать жанры: стратегии, шутера, симулятора, </a:t>
-            </a:r>
-            <a:r>
-              <a:rPr lang="ru-RU" sz="2000" dirty="0" err="1">
-                <a:latin typeface="Montserrat Light"/>
-                <a:sym typeface="Montserrat Light"/>
-              </a:rPr>
-              <a:t>рпг</a:t>
-            </a:r>
-            <a:r>
-              <a:rPr lang="ru-RU" sz="2000" dirty="0">
-                <a:latin typeface="Montserrat Light"/>
-                <a:sym typeface="Montserrat Light"/>
-              </a:rPr>
-              <a:t>.</a:t>
-            </a:r>
-            <a:endParaRPr lang="ru-RU" sz="2000" dirty="0"/>
-          </a:p>
-          <a:p>
-            <a:pPr marL="457200" lvl="0" indent="-355600">
-              <a:lnSpc>
-                <a:spcPct val="150000"/>
-              </a:lnSpc>
-              <a:buSzPts val="2000"/>
-              <a:buFont typeface="Montserrat Medium"/>
-              <a:buAutoNum type="arabicPeriod"/>
-            </a:pPr>
-            <a:endParaRPr sz="2000" dirty="0">
-              <a:latin typeface="Montserrat Medium"/>
-              <a:ea typeface="Montserrat Medium"/>
-              <a:cs typeface="Montserrat Medium"/>
-              <a:sym typeface="Montserrat Medium"/>
-            </a:endParaRPr>
-          </a:p>
-        </p:txBody>
-      </p:sp>
-      <p:sp>
-        <p:nvSpPr>
-          <p:cNvPr id="74" name="Google Shape;74;p16"/>
-          <p:cNvSpPr txBox="1"/>
-          <p:nvPr/>
-        </p:nvSpPr>
-        <p:spPr>
-          <a:xfrm>
-            <a:off x="358200" y="351813"/>
-            <a:ext cx="8785800" cy="591000"/>
-          </a:xfrm>
-          <a:prstGeom prst="rect">
-            <a:avLst/>
-          </a:prstGeom>
-          <a:noFill/>
-          <a:ln>
-            <a:noFill/>
-          </a:ln>
-        </p:spPr>
-        <p:txBody>
-          <a:bodyPr spcFirstLastPara="1" wrap="square" lIns="91425" tIns="91425" rIns="91425" bIns="91425" anchor="ctr" anchorCtr="0">
-            <a:noAutofit/>
-          </a:bodyPr>
-          <a:lstStyle/>
-          <a:p>
-            <a:pPr lvl="0"/>
-            <a:r>
-              <a:rPr lang="ru-RU" sz="3000" dirty="0">
-                <a:solidFill>
-                  <a:srgbClr val="FFFFFF"/>
-                </a:solidFill>
-                <a:highlight>
-                  <a:srgbClr val="F7B633"/>
-                </a:highlight>
-                <a:latin typeface="Montserrat ExtraBold"/>
-                <a:ea typeface="Montserrat ExtraBold"/>
-                <a:cs typeface="Montserrat ExtraBold"/>
-                <a:sym typeface="Montserrat ExtraBold"/>
-              </a:rPr>
-              <a:t>О себе </a:t>
-            </a:r>
-          </a:p>
-        </p:txBody>
-      </p:sp>
-      <p:pic>
-        <p:nvPicPr>
-          <p:cNvPr id="75" name="Google Shape;75;p16"/>
-          <p:cNvPicPr preferRelativeResize="0"/>
-          <p:nvPr/>
-        </p:nvPicPr>
-        <p:blipFill>
-          <a:blip r:embed="rId3">
-            <a:alphaModFix/>
-          </a:blip>
-          <a:stretch>
-            <a:fillRect/>
-          </a:stretch>
-        </p:blipFill>
-        <p:spPr>
-          <a:xfrm>
-            <a:off x="8425222" y="351813"/>
-            <a:ext cx="519175" cy="468750"/>
-          </a:xfrm>
-          <a:prstGeom prst="rect">
-            <a:avLst/>
-          </a:prstGeom>
-          <a:noFill/>
-          <a:ln>
-            <a:noFill/>
-          </a:ln>
-        </p:spPr>
-      </p:pic>
-    </p:spTree>
-  </p:cSld>
-  <p:clrMapOvr>
-    <a:masterClrMapping/>
-  </p:clrMapOvr>
-</p:sld>
-</file>
-
-<file path=ppt/slides/slide5.xml><?xml version="1.0" encoding="utf-8"?>
 <p:sld xmlns:a="http://schemas.openxmlformats.org/drawingml/2006/main" xmlns:r="http://schemas.openxmlformats.org/officeDocument/2006/relationships" xmlns:p="http://schemas.openxmlformats.org/presentationml/2006/main">
   <p:cSld>
     <p:bg>
@@ -9498,7 +9634,7 @@
         </p:blipFill>
         <p:spPr>
           <a:xfrm>
-            <a:off x="1844725" y="647700"/>
+            <a:off x="1854260" y="625215"/>
             <a:ext cx="4876800" cy="4876800"/>
           </a:xfrm>
           <a:prstGeom prst="rect">
@@ -9526,7 +9662,7 @@
         </p:blipFill>
         <p:spPr>
           <a:xfrm>
-            <a:off x="1017063" y="-344950"/>
+            <a:off x="949607" y="-172950"/>
             <a:ext cx="7068874" cy="5143500"/>
           </a:xfrm>
           <a:prstGeom prst="rect">
@@ -9587,10 +9723,17 @@
   <p:clrMapOvr>
     <a:masterClrMapping/>
   </p:clrMapOvr>
+  <p:timing>
+    <p:tnLst>
+      <p:par>
+        <p:cTn id="1" dur="indefinite" restart="never" nodeType="tmRoot"/>
+      </p:par>
+    </p:tnLst>
+  </p:timing>
 </p:sld>
 </file>
 
-<file path=ppt/slides/slide6.xml><?xml version="1.0" encoding="utf-8"?>
+<file path=ppt/slides/slide5.xml><?xml version="1.0" encoding="utf-8"?>
 <p:sld xmlns:a="http://schemas.openxmlformats.org/drawingml/2006/main" xmlns:r="http://schemas.openxmlformats.org/officeDocument/2006/relationships" xmlns:p="http://schemas.openxmlformats.org/presentationml/2006/main">
   <p:cSld>
     <p:spTree>
@@ -9659,8 +9802,8 @@
         </p:nvSpPr>
         <p:spPr>
           <a:xfrm>
-            <a:off x="246450" y="1512050"/>
-            <a:ext cx="8651100" cy="3396000"/>
+            <a:off x="246450" y="876925"/>
+            <a:ext cx="8651100" cy="4031125"/>
           </a:xfrm>
           <a:prstGeom prst="rect">
             <a:avLst/>
@@ -9762,8 +9905,44 @@
                 <a:cs typeface="Montserrat SemiBold"/>
                 <a:sym typeface="Montserrat SemiBold"/>
               </a:rPr>
-              <a:t>Поиск специалистов  а так же возможность для специалистов предлагать свои услуги.</a:t>
+              <a:t>Поиск специалистов  а так же возможность для специалистов предлагать свои услуги</a:t>
             </a:r>
+            <a:r>
+              <a:rPr lang="ru-RU" sz="1800" dirty="0" smtClean="0">
+                <a:highlight>
+                  <a:srgbClr val="F7B633"/>
+                </a:highlight>
+                <a:latin typeface="Montserrat SemiBold"/>
+                <a:ea typeface="Montserrat SemiBold"/>
+                <a:cs typeface="Montserrat SemiBold"/>
+                <a:sym typeface="Montserrat SemiBold"/>
+              </a:rPr>
+              <a:t>.</a:t>
+            </a:r>
+            <a:endParaRPr lang="en-US" sz="1800" dirty="0" smtClean="0">
+              <a:highlight>
+                <a:srgbClr val="F7B633"/>
+              </a:highlight>
+              <a:latin typeface="Montserrat SemiBold"/>
+              <a:ea typeface="Montserrat SemiBold"/>
+              <a:cs typeface="Montserrat SemiBold"/>
+              <a:sym typeface="Montserrat SemiBold"/>
+            </a:endParaRPr>
+          </a:p>
+          <a:p>
+            <a:pPr marL="285750" lvl="0" indent="-285750">
+              <a:buFont typeface="Arial" panose="020B0604020202020204" pitchFamily="34" charset="0"/>
+              <a:buChar char="•"/>
+            </a:pPr>
+            <a:endParaRPr lang="ru-RU" sz="1800" dirty="0">
+              <a:highlight>
+                <a:srgbClr val="F7B633"/>
+              </a:highlight>
+              <a:latin typeface="Montserrat SemiBold"/>
+              <a:ea typeface="Montserrat SemiBold"/>
+              <a:cs typeface="Montserrat SemiBold"/>
+              <a:sym typeface="Montserrat SemiBold"/>
+            </a:endParaRPr>
           </a:p>
           <a:p>
             <a:pPr marL="285750" lvl="0" indent="-285750">
@@ -9861,10 +10040,17 @@
   <p:clrMapOvr>
     <a:masterClrMapping/>
   </p:clrMapOvr>
+  <p:timing>
+    <p:tnLst>
+      <p:par>
+        <p:cTn id="1" dur="indefinite" restart="never" nodeType="tmRoot"/>
+      </p:par>
+    </p:tnLst>
+  </p:timing>
 </p:sld>
 </file>
 
-<file path=ppt/slides/slide7.xml><?xml version="1.0" encoding="utf-8"?>
+<file path=ppt/slides/slide6.xml><?xml version="1.0" encoding="utf-8"?>
 <p:sld xmlns:a="http://schemas.openxmlformats.org/drawingml/2006/main" xmlns:r="http://schemas.openxmlformats.org/officeDocument/2006/relationships" xmlns:p="http://schemas.openxmlformats.org/presentationml/2006/main">
   <p:cSld>
     <p:spTree>
@@ -9970,8 +10156,62 @@
                 <a:cs typeface="Montserrat SemiBold"/>
                 <a:sym typeface="Montserrat SemiBold"/>
               </a:rPr>
-              <a:t>Предоставление информации о ситуации на дороге – к примеру обходить пробки что может решить проблему с перегруженностью дорог.</a:t>
+              <a:t>Предоставление информации о ситуации на дороге </a:t>
             </a:r>
+            <a:endParaRPr lang="en-US" sz="1500" dirty="0">
+              <a:highlight>
+                <a:srgbClr val="F7B633"/>
+              </a:highlight>
+              <a:latin typeface="Montserrat SemiBold"/>
+              <a:ea typeface="Montserrat SemiBold"/>
+              <a:cs typeface="Montserrat SemiBold"/>
+              <a:sym typeface="Montserrat SemiBold"/>
+            </a:endParaRPr>
+          </a:p>
+          <a:p>
+            <a:pPr marL="285750" lvl="0" indent="-285750">
+              <a:buFont typeface="Arial" panose="020B0604020202020204" pitchFamily="34" charset="0"/>
+              <a:buChar char="•"/>
+            </a:pPr>
+            <a:endParaRPr lang="en-US" sz="1500" dirty="0" smtClean="0">
+              <a:highlight>
+                <a:srgbClr val="F7B633"/>
+              </a:highlight>
+              <a:latin typeface="Montserrat SemiBold"/>
+              <a:ea typeface="Montserrat SemiBold"/>
+              <a:cs typeface="Montserrat SemiBold"/>
+              <a:sym typeface="Montserrat SemiBold"/>
+            </a:endParaRPr>
+          </a:p>
+          <a:p>
+            <a:pPr marL="285750" lvl="0" indent="-285750">
+              <a:buFont typeface="Arial" panose="020B0604020202020204" pitchFamily="34" charset="0"/>
+              <a:buChar char="•"/>
+            </a:pPr>
+            <a:endParaRPr lang="en-US" sz="1500" dirty="0">
+              <a:highlight>
+                <a:srgbClr val="F7B633"/>
+              </a:highlight>
+              <a:latin typeface="Montserrat SemiBold"/>
+              <a:ea typeface="Montserrat SemiBold"/>
+              <a:cs typeface="Montserrat SemiBold"/>
+              <a:sym typeface="Montserrat SemiBold"/>
+            </a:endParaRPr>
+          </a:p>
+          <a:p>
+            <a:pPr marL="285750" lvl="0" indent="-285750">
+              <a:buFont typeface="Arial" panose="020B0604020202020204" pitchFamily="34" charset="0"/>
+              <a:buChar char="•"/>
+            </a:pPr>
+            <a:endParaRPr lang="en-US" sz="1500" dirty="0" smtClean="0">
+              <a:highlight>
+                <a:srgbClr val="F7B633"/>
+              </a:highlight>
+              <a:latin typeface="Montserrat SemiBold"/>
+              <a:ea typeface="Montserrat SemiBold"/>
+              <a:cs typeface="Montserrat SemiBold"/>
+              <a:sym typeface="Montserrat SemiBold"/>
+            </a:endParaRPr>
           </a:p>
           <a:p>
             <a:pPr marL="285750" lvl="0" indent="-285750">
@@ -10003,8 +10243,59 @@
                 <a:cs typeface="Montserrat SemiBold"/>
                 <a:sym typeface="Montserrat SemiBold"/>
               </a:rPr>
-              <a:t>Просмотр отзывов о сервис-центрах – Что само собой будет уже являться рекламой и повышения качества обслуживания из за конкуренции.</a:t>
+              <a:t>Просмотр отзывов о </a:t>
             </a:r>
+            <a:r>
+              <a:rPr lang="ru-RU" sz="1500" dirty="0" smtClean="0">
+                <a:highlight>
+                  <a:srgbClr val="F7B633"/>
+                </a:highlight>
+                <a:latin typeface="Montserrat SemiBold"/>
+                <a:ea typeface="Montserrat SemiBold"/>
+                <a:cs typeface="Montserrat SemiBold"/>
+                <a:sym typeface="Montserrat SemiBold"/>
+              </a:rPr>
+              <a:t>сервис-центрах</a:t>
+            </a:r>
+            <a:endParaRPr lang="en-US" sz="1500" dirty="0" smtClean="0">
+              <a:highlight>
+                <a:srgbClr val="F7B633"/>
+              </a:highlight>
+              <a:latin typeface="Montserrat SemiBold"/>
+              <a:ea typeface="Montserrat SemiBold"/>
+              <a:cs typeface="Montserrat SemiBold"/>
+              <a:sym typeface="Montserrat SemiBold"/>
+            </a:endParaRPr>
+          </a:p>
+          <a:p>
+            <a:pPr marL="285750" lvl="0" indent="-285750">
+              <a:buFont typeface="Arial" panose="020B0604020202020204" pitchFamily="34" charset="0"/>
+              <a:buChar char="•"/>
+            </a:pPr>
+            <a:endParaRPr lang="en-US" sz="1500" dirty="0" smtClean="0">
+              <a:highlight>
+                <a:srgbClr val="F7B633"/>
+              </a:highlight>
+              <a:latin typeface="Montserrat SemiBold"/>
+              <a:ea typeface="Montserrat SemiBold"/>
+              <a:cs typeface="Montserrat SemiBold"/>
+              <a:sym typeface="Montserrat SemiBold"/>
+            </a:endParaRPr>
+          </a:p>
+          <a:p>
+            <a:pPr marL="285750" lvl="0" indent="-285750">
+              <a:buFont typeface="Arial" panose="020B0604020202020204" pitchFamily="34" charset="0"/>
+              <a:buChar char="•"/>
+            </a:pPr>
+            <a:endParaRPr lang="en-US" sz="1500" dirty="0">
+              <a:highlight>
+                <a:srgbClr val="F7B633"/>
+              </a:highlight>
+              <a:latin typeface="Montserrat SemiBold"/>
+              <a:ea typeface="Montserrat SemiBold"/>
+              <a:cs typeface="Montserrat SemiBold"/>
+              <a:sym typeface="Montserrat SemiBold"/>
+            </a:endParaRPr>
           </a:p>
           <a:p>
             <a:pPr marL="285750" lvl="0" indent="-285750">
@@ -10036,8 +10327,59 @@
                 <a:cs typeface="Montserrat SemiBold"/>
                 <a:sym typeface="Montserrat SemiBold"/>
               </a:rPr>
-              <a:t>Предложение услуг от специалистов – Есть специалисты которые в свободное время выполнять разовые услуги по обеспечению сервисного обслуживания разного рода, в данном случае это облегчит работу для фрилансеров, а для сервисных центров позволит получить легкую возможность найти хорошего и востребованного специалиста.</a:t>
+              <a:t>Предложение услуг от </a:t>
             </a:r>
+            <a:r>
+              <a:rPr lang="ru-RU" sz="1500" dirty="0" smtClean="0">
+                <a:highlight>
+                  <a:srgbClr val="F7B633"/>
+                </a:highlight>
+                <a:latin typeface="Montserrat SemiBold"/>
+                <a:ea typeface="Montserrat SemiBold"/>
+                <a:cs typeface="Montserrat SemiBold"/>
+                <a:sym typeface="Montserrat SemiBold"/>
+              </a:rPr>
+              <a:t>специалистов</a:t>
+            </a:r>
+            <a:endParaRPr lang="en-US" sz="1500" dirty="0" smtClean="0">
+              <a:highlight>
+                <a:srgbClr val="F7B633"/>
+              </a:highlight>
+              <a:latin typeface="Montserrat SemiBold"/>
+              <a:ea typeface="Montserrat SemiBold"/>
+              <a:cs typeface="Montserrat SemiBold"/>
+              <a:sym typeface="Montserrat SemiBold"/>
+            </a:endParaRPr>
+          </a:p>
+          <a:p>
+            <a:pPr marL="285750" lvl="0" indent="-285750">
+              <a:buFont typeface="Arial" panose="020B0604020202020204" pitchFamily="34" charset="0"/>
+              <a:buChar char="•"/>
+            </a:pPr>
+            <a:endParaRPr lang="en-US" sz="1500" dirty="0" smtClean="0">
+              <a:highlight>
+                <a:srgbClr val="F7B633"/>
+              </a:highlight>
+              <a:latin typeface="Montserrat SemiBold"/>
+              <a:ea typeface="Montserrat SemiBold"/>
+              <a:cs typeface="Montserrat SemiBold"/>
+              <a:sym typeface="Montserrat SemiBold"/>
+            </a:endParaRPr>
+          </a:p>
+          <a:p>
+            <a:pPr marL="285750" lvl="0" indent="-285750">
+              <a:buFont typeface="Arial" panose="020B0604020202020204" pitchFamily="34" charset="0"/>
+              <a:buChar char="•"/>
+            </a:pPr>
+            <a:endParaRPr lang="en-US" sz="1500" dirty="0">
+              <a:highlight>
+                <a:srgbClr val="F7B633"/>
+              </a:highlight>
+              <a:latin typeface="Montserrat SemiBold"/>
+              <a:ea typeface="Montserrat SemiBold"/>
+              <a:cs typeface="Montserrat SemiBold"/>
+              <a:sym typeface="Montserrat SemiBold"/>
+            </a:endParaRPr>
           </a:p>
           <a:p>
             <a:pPr marL="285750" lvl="0" indent="-285750">
@@ -10069,8 +10411,29 @@
                 <a:cs typeface="Montserrat SemiBold"/>
                 <a:sym typeface="Montserrat SemiBold"/>
               </a:rPr>
-              <a:t>Новостная лента – по актуальности выкладывания новостной ленты допустим об аварийных ситуация даст возможность задуматься водителям об соблюдении правил дорожного движения что поспособствует повышению уровня безопасности на дорогах и даст стимул водителям быть внимательней на дорогах</a:t>
+              <a:t>Новостная </a:t>
             </a:r>
+            <a:r>
+              <a:rPr lang="ru-RU" sz="1500" dirty="0" smtClean="0">
+                <a:highlight>
+                  <a:srgbClr val="F7B633"/>
+                </a:highlight>
+                <a:latin typeface="Montserrat SemiBold"/>
+                <a:ea typeface="Montserrat SemiBold"/>
+                <a:cs typeface="Montserrat SemiBold"/>
+                <a:sym typeface="Montserrat SemiBold"/>
+              </a:rPr>
+              <a:t>лента</a:t>
+            </a:r>
+            <a:endParaRPr lang="ru-RU" sz="1500" dirty="0">
+              <a:highlight>
+                <a:srgbClr val="F7B633"/>
+              </a:highlight>
+              <a:latin typeface="Montserrat SemiBold"/>
+              <a:ea typeface="Montserrat SemiBold"/>
+              <a:cs typeface="Montserrat SemiBold"/>
+              <a:sym typeface="Montserrat SemiBold"/>
+            </a:endParaRPr>
           </a:p>
         </p:txBody>
       </p:sp>
@@ -10084,10 +10447,17 @@
   <p:clrMapOvr>
     <a:masterClrMapping/>
   </p:clrMapOvr>
+  <p:timing>
+    <p:tnLst>
+      <p:par>
+        <p:cTn id="1" dur="indefinite" restart="never" nodeType="tmRoot"/>
+      </p:par>
+    </p:tnLst>
+  </p:timing>
 </p:sld>
 </file>
 
-<file path=ppt/slides/slide8.xml><?xml version="1.0" encoding="utf-8"?>
+<file path=ppt/slides/slide7.xml><?xml version="1.0" encoding="utf-8"?>
 <p:sld xmlns:a="http://schemas.openxmlformats.org/drawingml/2006/main" xmlns:r="http://schemas.openxmlformats.org/officeDocument/2006/relationships" xmlns:p="http://schemas.openxmlformats.org/presentationml/2006/main">
   <p:cSld>
     <p:spTree>
@@ -10148,434 +10518,416 @@
           </a:p>
         </p:txBody>
       </p:sp>
-      <p:sp>
-        <p:nvSpPr>
-          <p:cNvPr id="119" name="Google Shape;119;p22"/>
-          <p:cNvSpPr txBox="1"/>
+      <p:pic>
+        <p:nvPicPr>
+          <p:cNvPr id="1026" name="Picture 2" descr="https://blog.payara.fish/hs-fs/hubfs/spring-boot-490x257.png?width=500&amp;name=spring-boot-490x257.png"/>
+          <p:cNvPicPr>
+            <a:picLocks noChangeAspect="1" noChangeArrowheads="1"/>
+          </p:cNvPicPr>
           <p:nvPr/>
-        </p:nvSpPr>
-        <p:spPr>
-          <a:xfrm>
-            <a:off x="246450" y="829733"/>
-            <a:ext cx="8897550" cy="4078317"/>
+        </p:nvPicPr>
+        <p:blipFill>
+          <a:blip r:embed="rId3">
+            <a:extLst>
+              <a:ext uri="{28A0092B-C50C-407E-A947-70E740481C1C}">
+                <a14:useLocalDpi xmlns:a14="http://schemas.microsoft.com/office/drawing/2010/main" val="0"/>
+              </a:ext>
+            </a:extLst>
+          </a:blip>
+          <a:srcRect/>
+          <a:stretch>
+            <a:fillRect/>
+          </a:stretch>
+        </p:blipFill>
+        <p:spPr bwMode="auto">
+          <a:xfrm>
+            <a:off x="6463679" y="819319"/>
+            <a:ext cx="2231492" cy="1170395"/>
           </a:xfrm>
           <a:prstGeom prst="rect">
             <a:avLst/>
           </a:prstGeom>
           <a:noFill/>
-          <a:ln w="19050" cap="flat" cmpd="sng">
-            <a:solidFill>
-              <a:srgbClr val="000000"/>
-            </a:solidFill>
-            <a:prstDash val="solid"/>
-            <a:round/>
-            <a:headEnd type="none" w="sm" len="sm"/>
-            <a:tailEnd type="none" w="sm" len="sm"/>
-          </a:ln>
-        </p:spPr>
-        <p:txBody>
-          <a:bodyPr spcFirstLastPara="1" wrap="square" lIns="91425" tIns="91425" rIns="91425" bIns="91425" anchor="ctr" anchorCtr="0">
-            <a:noAutofit/>
-          </a:bodyPr>
-          <a:lstStyle/>
-          <a:p>
-            <a:pPr marL="285750" lvl="0" indent="-285750">
-              <a:buFont typeface="Arial" panose="020B0604020202020204" pitchFamily="34" charset="0"/>
-              <a:buChar char="•"/>
-            </a:pPr>
-            <a:endParaRPr lang="en-US" sz="1600" dirty="0">
-              <a:highlight>
-                <a:srgbClr val="F7B633"/>
-              </a:highlight>
-              <a:latin typeface="Montserrat SemiBold"/>
-              <a:ea typeface="Montserrat SemiBold"/>
-              <a:cs typeface="Montserrat SemiBold"/>
-              <a:sym typeface="Montserrat SemiBold"/>
-            </a:endParaRPr>
-          </a:p>
-          <a:p>
-            <a:pPr marL="285750" lvl="0" indent="-285750">
-              <a:buFont typeface="Arial" panose="020B0604020202020204" pitchFamily="34" charset="0"/>
-              <a:buChar char="•"/>
-            </a:pPr>
-            <a:endParaRPr lang="en-US" sz="1600" dirty="0">
-              <a:highlight>
-                <a:srgbClr val="F7B633"/>
-              </a:highlight>
-              <a:latin typeface="Montserrat SemiBold"/>
-              <a:ea typeface="Montserrat SemiBold"/>
-              <a:cs typeface="Montserrat SemiBold"/>
-              <a:sym typeface="Montserrat SemiBold"/>
-            </a:endParaRPr>
-          </a:p>
-          <a:p>
-            <a:pPr marL="285750" lvl="0" indent="-285750">
-              <a:buFont typeface="Arial" panose="020B0604020202020204" pitchFamily="34" charset="0"/>
-              <a:buChar char="•"/>
-            </a:pPr>
-            <a:endParaRPr lang="en-US" sz="1600" dirty="0">
-              <a:highlight>
-                <a:srgbClr val="F7B633"/>
-              </a:highlight>
-              <a:latin typeface="Montserrat SemiBold"/>
-              <a:ea typeface="Montserrat SemiBold"/>
-              <a:cs typeface="Montserrat SemiBold"/>
-              <a:sym typeface="Montserrat SemiBold"/>
-            </a:endParaRPr>
-          </a:p>
-          <a:p>
-            <a:pPr marL="285750" lvl="0" indent="-285750">
-              <a:buFont typeface="Arial" panose="020B0604020202020204" pitchFamily="34" charset="0"/>
-              <a:buChar char="•"/>
-            </a:pPr>
-            <a:r>
-              <a:rPr lang="en-US" sz="1600" dirty="0">
-                <a:highlight>
-                  <a:srgbClr val="F7B633"/>
-                </a:highlight>
-                <a:latin typeface="Montserrat SemiBold"/>
-                <a:ea typeface="Montserrat SemiBold"/>
-                <a:cs typeface="Montserrat SemiBold"/>
-                <a:sym typeface="Montserrat SemiBold"/>
-              </a:rPr>
-              <a:t>Spring Boot </a:t>
-            </a:r>
-            <a:r>
-              <a:rPr lang="ru-RU" sz="1600" dirty="0">
-                <a:highlight>
-                  <a:srgbClr val="F7B633"/>
-                </a:highlight>
-                <a:latin typeface="Montserrat SemiBold"/>
-                <a:ea typeface="Montserrat SemiBold"/>
-                <a:cs typeface="Montserrat SemiBold"/>
-                <a:sym typeface="Montserrat SemiBold"/>
-              </a:rPr>
-              <a:t>приложение.</a:t>
-            </a:r>
-            <a:endParaRPr lang="en-US" sz="1600" dirty="0">
-              <a:highlight>
-                <a:srgbClr val="F7B633"/>
-              </a:highlight>
-              <a:latin typeface="Montserrat SemiBold"/>
-              <a:ea typeface="Montserrat SemiBold"/>
-              <a:cs typeface="Montserrat SemiBold"/>
-              <a:sym typeface="Montserrat SemiBold"/>
-            </a:endParaRPr>
-          </a:p>
-          <a:p>
-            <a:pPr marL="285750" lvl="0" indent="-285750">
-              <a:buFont typeface="Arial" panose="020B0604020202020204" pitchFamily="34" charset="0"/>
-              <a:buChar char="•"/>
-            </a:pPr>
-            <a:endParaRPr lang="ru-RU" sz="1600" dirty="0">
-              <a:highlight>
-                <a:srgbClr val="F7B633"/>
-              </a:highlight>
-              <a:latin typeface="Montserrat SemiBold"/>
-              <a:ea typeface="Montserrat SemiBold"/>
-              <a:cs typeface="Montserrat SemiBold"/>
-              <a:sym typeface="Montserrat SemiBold"/>
-            </a:endParaRPr>
-          </a:p>
-          <a:p>
-            <a:pPr marL="285750" indent="-285750">
-              <a:buFont typeface="Arial" panose="020B0604020202020204" pitchFamily="34" charset="0"/>
-              <a:buChar char="•"/>
-            </a:pPr>
-            <a:r>
-              <a:rPr lang="en-US" sz="1600" dirty="0">
-                <a:highlight>
-                  <a:srgbClr val="F7B633"/>
-                </a:highlight>
-                <a:latin typeface="Montserrat SemiBold"/>
-                <a:ea typeface="Montserrat SemiBold"/>
-                <a:cs typeface="Montserrat SemiBold"/>
-                <a:sym typeface="Montserrat SemiBold"/>
-              </a:rPr>
-              <a:t>Spring security, Lombok, Swagger, Maven</a:t>
-            </a:r>
-            <a:endParaRPr lang="ru-RU" sz="1600" dirty="0">
-              <a:highlight>
-                <a:srgbClr val="F7B633"/>
-              </a:highlight>
-              <a:latin typeface="Montserrat SemiBold"/>
-              <a:ea typeface="Montserrat SemiBold"/>
-              <a:cs typeface="Montserrat SemiBold"/>
-              <a:sym typeface="Montserrat SemiBold"/>
-            </a:endParaRPr>
-          </a:p>
-          <a:p>
-            <a:pPr marL="285750" lvl="0" indent="-285750">
-              <a:buFont typeface="Arial" panose="020B0604020202020204" pitchFamily="34" charset="0"/>
-              <a:buChar char="•"/>
-            </a:pPr>
-            <a:endParaRPr lang="en-US" sz="1600" dirty="0">
-              <a:highlight>
-                <a:srgbClr val="F7B633"/>
-              </a:highlight>
-              <a:latin typeface="Montserrat SemiBold"/>
-              <a:ea typeface="Montserrat SemiBold"/>
-              <a:cs typeface="Montserrat SemiBold"/>
-              <a:sym typeface="Montserrat SemiBold"/>
-            </a:endParaRPr>
-          </a:p>
-          <a:p>
-            <a:pPr marL="285750" indent="-285750">
-              <a:buFont typeface="Arial" panose="020B0604020202020204" pitchFamily="34" charset="0"/>
-              <a:buChar char="•"/>
-            </a:pPr>
-            <a:r>
-              <a:rPr lang="en-US" sz="1600" dirty="0">
-                <a:highlight>
-                  <a:srgbClr val="F7B633"/>
-                </a:highlight>
-                <a:latin typeface="Montserrat SemiBold"/>
-                <a:ea typeface="Montserrat SemiBold"/>
-                <a:cs typeface="Montserrat SemiBold"/>
-                <a:sym typeface="Montserrat SemiBold"/>
-              </a:rPr>
-              <a:t>Hibernate</a:t>
-            </a:r>
-            <a:r>
-              <a:rPr lang="ru-RU" sz="1600" dirty="0">
-                <a:highlight>
-                  <a:srgbClr val="F7B633"/>
-                </a:highlight>
-                <a:latin typeface="Montserrat SemiBold"/>
-                <a:ea typeface="Montserrat SemiBold"/>
-                <a:cs typeface="Montserrat SemiBold"/>
-                <a:sym typeface="Montserrat SemiBold"/>
-              </a:rPr>
-              <a:t>, </a:t>
-            </a:r>
-            <a:r>
-              <a:rPr lang="en-US" sz="1600" dirty="0">
-                <a:highlight>
-                  <a:srgbClr val="F7B633"/>
-                </a:highlight>
-                <a:latin typeface="Montserrat SemiBold"/>
-                <a:ea typeface="Montserrat SemiBold"/>
-                <a:cs typeface="Montserrat SemiBold"/>
-                <a:sym typeface="Montserrat SemiBold"/>
-              </a:rPr>
-              <a:t>JDBS</a:t>
-            </a:r>
-          </a:p>
-          <a:p>
-            <a:pPr lvl="0"/>
-            <a:r>
-              <a:rPr lang="en-US" sz="1600" dirty="0">
-                <a:highlight>
-                  <a:srgbClr val="F7B633"/>
-                </a:highlight>
-                <a:latin typeface="Montserrat SemiBold"/>
-                <a:ea typeface="Montserrat SemiBold"/>
-                <a:cs typeface="Montserrat SemiBold"/>
-                <a:sym typeface="Montserrat SemiBold"/>
-              </a:rPr>
-              <a:t> </a:t>
-            </a:r>
-          </a:p>
-          <a:p>
-            <a:pPr marL="285750" lvl="0" indent="-285750">
-              <a:buFont typeface="Arial" panose="020B0604020202020204" pitchFamily="34" charset="0"/>
-              <a:buChar char="•"/>
-            </a:pPr>
-            <a:r>
-              <a:rPr lang="en-US" sz="1600" dirty="0">
-                <a:highlight>
-                  <a:srgbClr val="F7B633"/>
-                </a:highlight>
-                <a:latin typeface="Montserrat SemiBold"/>
-                <a:ea typeface="Montserrat SemiBold"/>
-                <a:cs typeface="Montserrat SemiBold"/>
-                <a:sym typeface="Montserrat SemiBold"/>
-              </a:rPr>
-              <a:t>PostgreSQL.</a:t>
-            </a:r>
-          </a:p>
-          <a:p>
-            <a:pPr marL="285750" lvl="0" indent="-285750">
-              <a:buFont typeface="Arial" panose="020B0604020202020204" pitchFamily="34" charset="0"/>
-              <a:buChar char="•"/>
-            </a:pPr>
-            <a:endParaRPr lang="en-US" sz="1600" dirty="0">
-              <a:highlight>
-                <a:srgbClr val="F7B633"/>
-              </a:highlight>
-              <a:latin typeface="Montserrat SemiBold"/>
-              <a:ea typeface="Montserrat SemiBold"/>
-              <a:cs typeface="Montserrat SemiBold"/>
-              <a:sym typeface="Montserrat SemiBold"/>
-            </a:endParaRPr>
-          </a:p>
-          <a:p>
-            <a:pPr marL="285750" indent="-285750">
-              <a:buFont typeface="Arial" panose="020B0604020202020204" pitchFamily="34" charset="0"/>
-              <a:buChar char="•"/>
-            </a:pPr>
-            <a:r>
-              <a:rPr lang="en-US" sz="1600" dirty="0" err="1">
-                <a:highlight>
-                  <a:srgbClr val="F7B633"/>
-                </a:highlight>
-                <a:latin typeface="Montserrat SemiBold"/>
-                <a:ea typeface="Montserrat SemiBold"/>
-                <a:cs typeface="Montserrat SemiBold"/>
-                <a:sym typeface="Montserrat SemiBold"/>
-              </a:rPr>
-              <a:t>JavaMailSender</a:t>
-            </a:r>
-            <a:r>
-              <a:rPr lang="en-US" sz="1600" dirty="0">
-                <a:highlight>
-                  <a:srgbClr val="F7B633"/>
-                </a:highlight>
-                <a:latin typeface="Montserrat SemiBold"/>
-                <a:ea typeface="Montserrat SemiBold"/>
-                <a:cs typeface="Montserrat SemiBold"/>
-                <a:sym typeface="Montserrat SemiBold"/>
-              </a:rPr>
-              <a:t>, Google smtp server</a:t>
-            </a:r>
-            <a:endParaRPr lang="ru-RU" sz="1600" dirty="0">
-              <a:highlight>
-                <a:srgbClr val="F7B633"/>
-              </a:highlight>
-              <a:latin typeface="Montserrat SemiBold"/>
-              <a:ea typeface="Montserrat SemiBold"/>
-              <a:cs typeface="Montserrat SemiBold"/>
-              <a:sym typeface="Montserrat SemiBold"/>
-            </a:endParaRPr>
-          </a:p>
-          <a:p>
-            <a:pPr marL="285750" lvl="0" indent="-285750">
-              <a:buFont typeface="Arial" panose="020B0604020202020204" pitchFamily="34" charset="0"/>
-              <a:buChar char="•"/>
-            </a:pPr>
-            <a:endParaRPr lang="ru-RU" sz="1600" dirty="0">
-              <a:highlight>
-                <a:srgbClr val="F7B633"/>
-              </a:highlight>
-              <a:latin typeface="Montserrat SemiBold"/>
-              <a:ea typeface="Montserrat SemiBold"/>
-              <a:cs typeface="Montserrat SemiBold"/>
-              <a:sym typeface="Montserrat SemiBold"/>
-            </a:endParaRPr>
-          </a:p>
-          <a:p>
-            <a:pPr marL="285750" lvl="0" indent="-285750">
-              <a:buFont typeface="Arial" panose="020B0604020202020204" pitchFamily="34" charset="0"/>
-              <a:buChar char="•"/>
-            </a:pPr>
-            <a:r>
-              <a:rPr lang="en-US" sz="1600" dirty="0">
-                <a:highlight>
-                  <a:srgbClr val="F7B633"/>
-                </a:highlight>
-                <a:latin typeface="Montserrat SemiBold"/>
-                <a:ea typeface="Montserrat SemiBold"/>
-                <a:cs typeface="Montserrat SemiBold"/>
-                <a:sym typeface="Montserrat SemiBold"/>
-              </a:rPr>
-              <a:t>Heroku Deploy service</a:t>
-            </a:r>
-          </a:p>
-          <a:p>
-            <a:pPr marL="285750" lvl="0" indent="-285750">
-              <a:buFont typeface="Arial" panose="020B0604020202020204" pitchFamily="34" charset="0"/>
-              <a:buChar char="•"/>
-            </a:pPr>
-            <a:endParaRPr lang="en-US" sz="1600" dirty="0">
-              <a:highlight>
-                <a:srgbClr val="F7B633"/>
-              </a:highlight>
-              <a:latin typeface="Montserrat SemiBold"/>
-              <a:ea typeface="Montserrat SemiBold"/>
-              <a:cs typeface="Montserrat SemiBold"/>
-              <a:sym typeface="Montserrat SemiBold"/>
-            </a:endParaRPr>
-          </a:p>
-          <a:p>
-            <a:pPr marL="285750" lvl="0" indent="-285750">
-              <a:buFont typeface="Arial" panose="020B0604020202020204" pitchFamily="34" charset="0"/>
-              <a:buChar char="•"/>
-            </a:pPr>
-            <a:r>
-              <a:rPr lang="en-US" sz="1600" dirty="0">
-                <a:highlight>
-                  <a:srgbClr val="F7B633"/>
-                </a:highlight>
-                <a:latin typeface="Montserrat SemiBold"/>
-                <a:ea typeface="Montserrat SemiBold"/>
-                <a:cs typeface="Montserrat SemiBold"/>
-                <a:sym typeface="Montserrat SemiBold"/>
-              </a:rPr>
-              <a:t>Google smtp server</a:t>
-            </a:r>
-          </a:p>
-          <a:p>
-            <a:pPr marL="285750" lvl="0" indent="-285750">
-              <a:buFont typeface="Arial" panose="020B0604020202020204" pitchFamily="34" charset="0"/>
-              <a:buChar char="•"/>
-            </a:pPr>
-            <a:endParaRPr lang="en-US" sz="1600" dirty="0">
-              <a:highlight>
-                <a:srgbClr val="F7B633"/>
-              </a:highlight>
-              <a:latin typeface="Montserrat SemiBold"/>
-              <a:ea typeface="Montserrat SemiBold"/>
-              <a:cs typeface="Montserrat SemiBold"/>
-              <a:sym typeface="Montserrat SemiBold"/>
-            </a:endParaRPr>
-          </a:p>
-          <a:p>
-            <a:pPr marL="285750" lvl="0" indent="-285750">
-              <a:buFont typeface="Arial" panose="020B0604020202020204" pitchFamily="34" charset="0"/>
-              <a:buChar char="•"/>
-            </a:pPr>
-            <a:endParaRPr lang="en-US" sz="1600" dirty="0">
-              <a:highlight>
-                <a:srgbClr val="F7B633"/>
-              </a:highlight>
-              <a:latin typeface="Montserrat SemiBold"/>
-              <a:ea typeface="Montserrat SemiBold"/>
-              <a:cs typeface="Montserrat SemiBold"/>
-              <a:sym typeface="Montserrat SemiBold"/>
-            </a:endParaRPr>
-          </a:p>
-          <a:p>
-            <a:pPr marL="285750" lvl="0" indent="-285750">
-              <a:buFont typeface="Arial" panose="020B0604020202020204" pitchFamily="34" charset="0"/>
-              <a:buChar char="•"/>
-            </a:pPr>
-            <a:endParaRPr lang="ru-RU" sz="1600" dirty="0">
-              <a:highlight>
-                <a:srgbClr val="F7B633"/>
-              </a:highlight>
-              <a:latin typeface="Montserrat SemiBold"/>
-              <a:ea typeface="Montserrat SemiBold"/>
-              <a:cs typeface="Montserrat SemiBold"/>
-              <a:sym typeface="Montserrat SemiBold"/>
-            </a:endParaRPr>
-          </a:p>
-          <a:p>
-            <a:pPr marL="285750" lvl="0" indent="-285750">
-              <a:buFont typeface="Arial" panose="020B0604020202020204" pitchFamily="34" charset="0"/>
-              <a:buChar char="•"/>
-            </a:pPr>
-            <a:endParaRPr lang="ru-RU" sz="1600" dirty="0">
-              <a:highlight>
-                <a:srgbClr val="F7B633"/>
-              </a:highlight>
-              <a:latin typeface="Montserrat SemiBold"/>
-              <a:ea typeface="Montserrat SemiBold"/>
-              <a:cs typeface="Montserrat SemiBold"/>
-              <a:sym typeface="Montserrat SemiBold"/>
-            </a:endParaRPr>
-          </a:p>
-        </p:txBody>
-      </p:sp>
+          <a:extLst>
+            <a:ext uri="{909E8E84-426E-40DD-AFC4-6F175D3DCCD1}">
+              <a14:hiddenFill xmlns:a14="http://schemas.microsoft.com/office/drawing/2010/main">
+                <a:solidFill>
+                  <a:srgbClr val="FFFFFF"/>
+                </a:solidFill>
+              </a14:hiddenFill>
+            </a:ext>
+          </a:extLst>
+        </p:spPr>
+      </p:pic>
+      <p:pic>
+        <p:nvPicPr>
+          <p:cNvPr id="1028" name="Picture 4" descr="https://meterpreter.org/wp-content/uploads/2017/09/spring-security.png"/>
+          <p:cNvPicPr>
+            <a:picLocks noChangeAspect="1" noChangeArrowheads="1"/>
+          </p:cNvPicPr>
+          <p:nvPr/>
+        </p:nvPicPr>
+        <p:blipFill>
+          <a:blip r:embed="rId4">
+            <a:extLst>
+              <a:ext uri="{28A0092B-C50C-407E-A947-70E740481C1C}">
+                <a14:useLocalDpi xmlns:a14="http://schemas.microsoft.com/office/drawing/2010/main" val="0"/>
+              </a:ext>
+            </a:extLst>
+          </a:blip>
+          <a:srcRect/>
+          <a:stretch>
+            <a:fillRect/>
+          </a:stretch>
+        </p:blipFill>
+        <p:spPr bwMode="auto">
+          <a:xfrm>
+            <a:off x="5352445" y="3007230"/>
+            <a:ext cx="3728992" cy="2138940"/>
+          </a:xfrm>
+          <a:prstGeom prst="rect">
+            <a:avLst/>
+          </a:prstGeom>
+          <a:noFill/>
+          <a:extLst>
+            <a:ext uri="{909E8E84-426E-40DD-AFC4-6F175D3DCCD1}">
+              <a14:hiddenFill xmlns:a14="http://schemas.microsoft.com/office/drawing/2010/main">
+                <a:solidFill>
+                  <a:srgbClr val="FFFFFF"/>
+                </a:solidFill>
+              </a14:hiddenFill>
+            </a:ext>
+          </a:extLst>
+        </p:spPr>
+      </p:pic>
+      <p:pic>
+        <p:nvPicPr>
+          <p:cNvPr id="1030" name="Picture 6" descr="https://avatars.mds.yandex.net/i?id=4d9f724a3924fad7fc17f8023ac7f3b8-2352855-images-thumbs&amp;n=13"/>
+          <p:cNvPicPr>
+            <a:picLocks noChangeAspect="1" noChangeArrowheads="1"/>
+          </p:cNvPicPr>
+          <p:nvPr/>
+        </p:nvPicPr>
+        <p:blipFill>
+          <a:blip r:embed="rId5">
+            <a:extLst>
+              <a:ext uri="{28A0092B-C50C-407E-A947-70E740481C1C}">
+                <a14:useLocalDpi xmlns:a14="http://schemas.microsoft.com/office/drawing/2010/main" val="0"/>
+              </a:ext>
+            </a:extLst>
+          </a:blip>
+          <a:srcRect/>
+          <a:stretch>
+            <a:fillRect/>
+          </a:stretch>
+        </p:blipFill>
+        <p:spPr bwMode="auto">
+          <a:xfrm>
+            <a:off x="103106" y="730584"/>
+            <a:ext cx="1680151" cy="1259130"/>
+          </a:xfrm>
+          <a:prstGeom prst="rect">
+            <a:avLst/>
+          </a:prstGeom>
+          <a:noFill/>
+          <a:extLst>
+            <a:ext uri="{909E8E84-426E-40DD-AFC4-6F175D3DCCD1}">
+              <a14:hiddenFill xmlns:a14="http://schemas.microsoft.com/office/drawing/2010/main">
+                <a:solidFill>
+                  <a:srgbClr val="FFFFFF"/>
+                </a:solidFill>
+              </a14:hiddenFill>
+            </a:ext>
+          </a:extLst>
+        </p:spPr>
+      </p:pic>
+      <p:pic>
+        <p:nvPicPr>
+          <p:cNvPr id="1034" name="Picture 10" descr="https://stackjava.com/wp-content/uploads/2018/05/swagger-icon.png"/>
+          <p:cNvPicPr>
+            <a:picLocks noChangeAspect="1" noChangeArrowheads="1"/>
+          </p:cNvPicPr>
+          <p:nvPr/>
+        </p:nvPicPr>
+        <p:blipFill>
+          <a:blip r:embed="rId6">
+            <a:extLst>
+              <a:ext uri="{28A0092B-C50C-407E-A947-70E740481C1C}">
+                <a14:useLocalDpi xmlns:a14="http://schemas.microsoft.com/office/drawing/2010/main" val="0"/>
+              </a:ext>
+            </a:extLst>
+          </a:blip>
+          <a:srcRect/>
+          <a:stretch>
+            <a:fillRect/>
+          </a:stretch>
+        </p:blipFill>
+        <p:spPr bwMode="auto">
+          <a:xfrm>
+            <a:off x="1941874" y="595025"/>
+            <a:ext cx="1964170" cy="1964170"/>
+          </a:xfrm>
+          <a:prstGeom prst="rect">
+            <a:avLst/>
+          </a:prstGeom>
+          <a:noFill/>
+          <a:extLst>
+            <a:ext uri="{909E8E84-426E-40DD-AFC4-6F175D3DCCD1}">
+              <a14:hiddenFill xmlns:a14="http://schemas.microsoft.com/office/drawing/2010/main">
+                <a:solidFill>
+                  <a:srgbClr val="FFFFFF"/>
+                </a:solidFill>
+              </a14:hiddenFill>
+            </a:ext>
+          </a:extLst>
+        </p:spPr>
+      </p:pic>
+      <p:pic>
+        <p:nvPicPr>
+          <p:cNvPr id="1038" name="Picture 14" descr="https://javaleader.pl/wp-content/uploads/2019/11/Lombok-i-jego-wady.png"/>
+          <p:cNvPicPr>
+            <a:picLocks noChangeAspect="1" noChangeArrowheads="1"/>
+          </p:cNvPicPr>
+          <p:nvPr/>
+        </p:nvPicPr>
+        <p:blipFill>
+          <a:blip r:embed="rId7">
+            <a:extLst>
+              <a:ext uri="{28A0092B-C50C-407E-A947-70E740481C1C}">
+                <a14:useLocalDpi xmlns:a14="http://schemas.microsoft.com/office/drawing/2010/main" val="0"/>
+              </a:ext>
+            </a:extLst>
+          </a:blip>
+          <a:srcRect/>
+          <a:stretch>
+            <a:fillRect/>
+          </a:stretch>
+        </p:blipFill>
+        <p:spPr bwMode="auto">
+          <a:xfrm>
+            <a:off x="2272145" y="3647220"/>
+            <a:ext cx="3523848" cy="1496280"/>
+          </a:xfrm>
+          <a:prstGeom prst="rect">
+            <a:avLst/>
+          </a:prstGeom>
+          <a:noFill/>
+          <a:extLst>
+            <a:ext uri="{909E8E84-426E-40DD-AFC4-6F175D3DCCD1}">
+              <a14:hiddenFill xmlns:a14="http://schemas.microsoft.com/office/drawing/2010/main">
+                <a:solidFill>
+                  <a:srgbClr val="FFFFFF"/>
+                </a:solidFill>
+              </a14:hiddenFill>
+            </a:ext>
+          </a:extLst>
+        </p:spPr>
+      </p:pic>
+      <p:pic>
+        <p:nvPicPr>
+          <p:cNvPr id="1040" name="Picture 16" descr="https://stickerzone.shop/wp-content/uploads/2018/05/Hibernate.png"/>
+          <p:cNvPicPr>
+            <a:picLocks noChangeAspect="1" noChangeArrowheads="1"/>
+          </p:cNvPicPr>
+          <p:nvPr/>
+        </p:nvPicPr>
+        <p:blipFill>
+          <a:blip r:embed="rId8">
+            <a:extLst>
+              <a:ext uri="{28A0092B-C50C-407E-A947-70E740481C1C}">
+                <a14:useLocalDpi xmlns:a14="http://schemas.microsoft.com/office/drawing/2010/main" val="0"/>
+              </a:ext>
+            </a:extLst>
+          </a:blip>
+          <a:srcRect/>
+          <a:stretch>
+            <a:fillRect/>
+          </a:stretch>
+        </p:blipFill>
+        <p:spPr bwMode="auto">
+          <a:xfrm>
+            <a:off x="236888" y="1938911"/>
+            <a:ext cx="1830388" cy="1830388"/>
+          </a:xfrm>
+          <a:prstGeom prst="rect">
+            <a:avLst/>
+          </a:prstGeom>
+          <a:noFill/>
+          <a:extLst>
+            <a:ext uri="{909E8E84-426E-40DD-AFC4-6F175D3DCCD1}">
+              <a14:hiddenFill xmlns:a14="http://schemas.microsoft.com/office/drawing/2010/main">
+                <a:solidFill>
+                  <a:srgbClr val="FFFFFF"/>
+                </a:solidFill>
+              </a14:hiddenFill>
+            </a:ext>
+          </a:extLst>
+        </p:spPr>
+      </p:pic>
+      <p:pic>
+        <p:nvPicPr>
+          <p:cNvPr id="1044" name="Picture 20" descr="https://i.ytimg.com/vi/FAa8lsORuIc/maxresdefault.jpg"/>
+          <p:cNvPicPr>
+            <a:picLocks noChangeAspect="1" noChangeArrowheads="1"/>
+          </p:cNvPicPr>
+          <p:nvPr/>
+        </p:nvPicPr>
+        <p:blipFill>
+          <a:blip r:embed="rId9">
+            <a:extLst>
+              <a:ext uri="{28A0092B-C50C-407E-A947-70E740481C1C}">
+                <a14:useLocalDpi xmlns:a14="http://schemas.microsoft.com/office/drawing/2010/main" val="0"/>
+              </a:ext>
+            </a:extLst>
+          </a:blip>
+          <a:srcRect/>
+          <a:stretch>
+            <a:fillRect/>
+          </a:stretch>
+        </p:blipFill>
+        <p:spPr bwMode="auto">
+          <a:xfrm>
+            <a:off x="3831998" y="954420"/>
+            <a:ext cx="2214007" cy="1245379"/>
+          </a:xfrm>
+          <a:prstGeom prst="rect">
+            <a:avLst/>
+          </a:prstGeom>
+          <a:noFill/>
+          <a:extLst>
+            <a:ext uri="{909E8E84-426E-40DD-AFC4-6F175D3DCCD1}">
+              <a14:hiddenFill xmlns:a14="http://schemas.microsoft.com/office/drawing/2010/main">
+                <a:solidFill>
+                  <a:srgbClr val="FFFFFF"/>
+                </a:solidFill>
+              </a14:hiddenFill>
+            </a:ext>
+          </a:extLst>
+        </p:spPr>
+      </p:pic>
+      <p:pic>
+        <p:nvPicPr>
+          <p:cNvPr id="1046" name="Picture 22" descr="https://softnastroy.com/sites/default/files/images/2013/01/23/drupal7-gmail-smtp.jpg"/>
+          <p:cNvPicPr>
+            <a:picLocks noChangeAspect="1" noChangeArrowheads="1"/>
+          </p:cNvPicPr>
+          <p:nvPr/>
+        </p:nvPicPr>
+        <p:blipFill>
+          <a:blip r:embed="rId10">
+            <a:extLst>
+              <a:ext uri="{28A0092B-C50C-407E-A947-70E740481C1C}">
+                <a14:useLocalDpi xmlns:a14="http://schemas.microsoft.com/office/drawing/2010/main" val="0"/>
+              </a:ext>
+            </a:extLst>
+          </a:blip>
+          <a:srcRect/>
+          <a:stretch>
+            <a:fillRect/>
+          </a:stretch>
+        </p:blipFill>
+        <p:spPr bwMode="auto">
+          <a:xfrm>
+            <a:off x="179100" y="3689834"/>
+            <a:ext cx="2822102" cy="1411051"/>
+          </a:xfrm>
+          <a:prstGeom prst="rect">
+            <a:avLst/>
+          </a:prstGeom>
+          <a:noFill/>
+          <a:extLst>
+            <a:ext uri="{909E8E84-426E-40DD-AFC4-6F175D3DCCD1}">
+              <a14:hiddenFill xmlns:a14="http://schemas.microsoft.com/office/drawing/2010/main">
+                <a:solidFill>
+                  <a:srgbClr val="FFFFFF"/>
+                </a:solidFill>
+              </a14:hiddenFill>
+            </a:ext>
+          </a:extLst>
+        </p:spPr>
+      </p:pic>
+      <p:pic>
+        <p:nvPicPr>
+          <p:cNvPr id="1048" name="Picture 24" descr="https://avatars.mds.yandex.net/i?id=0767ba5c4916327cbbd777226ea16d45-5210011-images-thumbs&amp;n=13"/>
+          <p:cNvPicPr>
+            <a:picLocks noChangeAspect="1" noChangeArrowheads="1"/>
+          </p:cNvPicPr>
+          <p:nvPr/>
+        </p:nvPicPr>
+        <p:blipFill>
+          <a:blip r:embed="rId11">
+            <a:extLst>
+              <a:ext uri="{28A0092B-C50C-407E-A947-70E740481C1C}">
+                <a14:useLocalDpi xmlns:a14="http://schemas.microsoft.com/office/drawing/2010/main" val="0"/>
+              </a:ext>
+            </a:extLst>
+          </a:blip>
+          <a:srcRect/>
+          <a:stretch>
+            <a:fillRect/>
+          </a:stretch>
+        </p:blipFill>
+        <p:spPr bwMode="auto">
+          <a:xfrm>
+            <a:off x="5670766" y="2367240"/>
+            <a:ext cx="3183370" cy="1279980"/>
+          </a:xfrm>
+          <a:prstGeom prst="rect">
+            <a:avLst/>
+          </a:prstGeom>
+          <a:noFill/>
+          <a:extLst>
+            <a:ext uri="{909E8E84-426E-40DD-AFC4-6F175D3DCCD1}">
+              <a14:hiddenFill xmlns:a14="http://schemas.microsoft.com/office/drawing/2010/main">
+                <a:solidFill>
+                  <a:srgbClr val="FFFFFF"/>
+                </a:solidFill>
+              </a14:hiddenFill>
+            </a:ext>
+          </a:extLst>
+        </p:spPr>
+      </p:pic>
+      <p:pic>
+        <p:nvPicPr>
+          <p:cNvPr id="1050" name="Picture 26" descr="https://www.clipartkey.com/mpngs/m/307-3073966_logo-java-clipart-png-download-java-logo-circle.png"/>
+          <p:cNvPicPr>
+            <a:picLocks noChangeAspect="1" noChangeArrowheads="1"/>
+          </p:cNvPicPr>
+          <p:nvPr/>
+        </p:nvPicPr>
+        <p:blipFill>
+          <a:blip r:embed="rId12">
+            <a:extLst>
+              <a:ext uri="{28A0092B-C50C-407E-A947-70E740481C1C}">
+                <a14:useLocalDpi xmlns:a14="http://schemas.microsoft.com/office/drawing/2010/main" val="0"/>
+              </a:ext>
+            </a:extLst>
+          </a:blip>
+          <a:srcRect/>
+          <a:stretch>
+            <a:fillRect/>
+          </a:stretch>
+        </p:blipFill>
+        <p:spPr bwMode="auto">
+          <a:xfrm>
+            <a:off x="3488224" y="2367240"/>
+            <a:ext cx="1731451" cy="1577544"/>
+          </a:xfrm>
+          <a:prstGeom prst="rect">
+            <a:avLst/>
+          </a:prstGeom>
+          <a:noFill/>
+          <a:extLst>
+            <a:ext uri="{909E8E84-426E-40DD-AFC4-6F175D3DCCD1}">
+              <a14:hiddenFill xmlns:a14="http://schemas.microsoft.com/office/drawing/2010/main">
+                <a:solidFill>
+                  <a:srgbClr val="FFFFFF"/>
+                </a:solidFill>
+              </a14:hiddenFill>
+            </a:ext>
+          </a:extLst>
+        </p:spPr>
+      </p:pic>
     </p:spTree>
     <p:extLst>
       <p:ext uri="{BB962C8B-B14F-4D97-AF65-F5344CB8AC3E}">
@@ -10586,23 +10938,32 @@
   <p:clrMapOvr>
     <a:masterClrMapping/>
   </p:clrMapOvr>
+  <p:timing>
+    <p:tnLst>
+      <p:par>
+        <p:cTn id="1" dur="indefinite" restart="never" nodeType="tmRoot"/>
+      </p:par>
+    </p:tnLst>
+  </p:timing>
 </p:sld>
 </file>
 
-<file path=ppt/slides/slide9.xml><?xml version="1.0" encoding="utf-8"?>
+<file path=ppt/slides/slide8.xml><?xml version="1.0" encoding="utf-8"?>
 <p:sld xmlns:a="http://schemas.openxmlformats.org/drawingml/2006/main" xmlns:r="http://schemas.openxmlformats.org/officeDocument/2006/relationships" xmlns:p="http://schemas.openxmlformats.org/presentationml/2006/main">
   <p:cSld>
     <p:bg>
       <p:bgPr>
         <a:solidFill>
-          <a:srgbClr val="F7B633"/>
+          <a:schemeClr val="lt1">
+            <a:alpha val="99000"/>
+          </a:schemeClr>
         </a:solidFill>
         <a:effectLst/>
       </p:bgPr>
     </p:bg>
     <p:spTree>
       <p:nvGrpSpPr>
-        <p:cNvPr id="1" name="Shape 94"/>
+        <p:cNvPr id="1" name="Shape 116"/>
         <p:cNvGrpSpPr/>
         <p:nvPr/>
       </p:nvGrpSpPr>
@@ -10614,72 +10975,515 @@
           <a:chExt cx="0" cy="0"/>
         </a:xfrm>
       </p:grpSpPr>
-      <p:pic>
-        <p:nvPicPr>
-          <p:cNvPr id="95" name="Google Shape;95;p19"/>
-          <p:cNvPicPr preferRelativeResize="0"/>
-          <p:nvPr/>
-        </p:nvPicPr>
-        <p:blipFill>
-          <a:blip r:embed="rId3">
-            <a:alphaModFix/>
-          </a:blip>
-          <a:stretch>
-            <a:fillRect/>
-          </a:stretch>
-        </p:blipFill>
-        <p:spPr>
-          <a:xfrm>
-            <a:off x="1844725" y="647700"/>
-            <a:ext cx="4876800" cy="4876800"/>
-          </a:xfrm>
-          <a:prstGeom prst="rect">
-            <a:avLst/>
-          </a:prstGeom>
-          <a:noFill/>
-          <a:ln>
-            <a:noFill/>
-          </a:ln>
-        </p:spPr>
-      </p:pic>
-      <p:pic>
-        <p:nvPicPr>
-          <p:cNvPr id="96" name="Google Shape;96;p19"/>
-          <p:cNvPicPr preferRelativeResize="0"/>
-          <p:nvPr/>
-        </p:nvPicPr>
-        <p:blipFill>
-          <a:blip r:embed="rId4">
-            <a:alphaModFix amt="3000"/>
-          </a:blip>
-          <a:stretch>
-            <a:fillRect/>
-          </a:stretch>
-        </p:blipFill>
-        <p:spPr>
-          <a:xfrm>
-            <a:off x="1017063" y="-344950"/>
-            <a:ext cx="7068874" cy="5143500"/>
-          </a:xfrm>
-          <a:prstGeom prst="rect">
-            <a:avLst/>
-          </a:prstGeom>
-          <a:noFill/>
-          <a:ln>
-            <a:noFill/>
-          </a:ln>
-        </p:spPr>
-      </p:pic>
       <p:sp>
         <p:nvSpPr>
-          <p:cNvPr id="97" name="Google Shape;97;p19"/>
+          <p:cNvPr id="5" name="Прямоугольник 4"/>
+          <p:cNvSpPr/>
+          <p:nvPr/>
+        </p:nvSpPr>
+        <p:spPr>
+          <a:xfrm>
+            <a:off x="4452079" y="209861"/>
+            <a:ext cx="2151089" cy="637082"/>
+          </a:xfrm>
+          <a:prstGeom prst="rect">
+            <a:avLst/>
+          </a:prstGeom>
+        </p:spPr>
+        <p:style>
+          <a:lnRef idx="2">
+            <a:schemeClr val="accent1">
+              <a:shade val="50000"/>
+            </a:schemeClr>
+          </a:lnRef>
+          <a:fillRef idx="1">
+            <a:schemeClr val="accent1"/>
+          </a:fillRef>
+          <a:effectRef idx="0">
+            <a:schemeClr val="accent1"/>
+          </a:effectRef>
+          <a:fontRef idx="minor">
+            <a:schemeClr val="lt1"/>
+          </a:fontRef>
+        </p:style>
+        <p:txBody>
+          <a:bodyPr rtlCol="0" anchor="ctr"/>
+          <a:lstStyle/>
+          <a:p>
+            <a:pPr algn="ctr"/>
+            <a:r>
+              <a:rPr lang="ru-RU" dirty="0" smtClean="0"/>
+              <a:t>Вход </a:t>
+            </a:r>
+            <a:endParaRPr lang="ru-RU" dirty="0"/>
+          </a:p>
+        </p:txBody>
+      </p:sp>
+      <p:sp>
+        <p:nvSpPr>
+          <p:cNvPr id="21" name="Прямоугольник 20"/>
+          <p:cNvSpPr/>
+          <p:nvPr/>
+        </p:nvSpPr>
+        <p:spPr>
+          <a:xfrm>
+            <a:off x="6793043" y="209861"/>
+            <a:ext cx="2151089" cy="637082"/>
+          </a:xfrm>
+          <a:prstGeom prst="rect">
+            <a:avLst/>
+          </a:prstGeom>
+        </p:spPr>
+        <p:style>
+          <a:lnRef idx="2">
+            <a:schemeClr val="accent1">
+              <a:shade val="50000"/>
+            </a:schemeClr>
+          </a:lnRef>
+          <a:fillRef idx="1">
+            <a:schemeClr val="accent1"/>
+          </a:fillRef>
+          <a:effectRef idx="0">
+            <a:schemeClr val="accent1"/>
+          </a:effectRef>
+          <a:fontRef idx="minor">
+            <a:schemeClr val="lt1"/>
+          </a:fontRef>
+        </p:style>
+        <p:txBody>
+          <a:bodyPr rtlCol="0" anchor="ctr"/>
+          <a:lstStyle/>
+          <a:p>
+            <a:pPr algn="ctr"/>
+            <a:r>
+              <a:rPr lang="ru-RU" dirty="0" smtClean="0"/>
+              <a:t>Регистрация </a:t>
+            </a:r>
+            <a:endParaRPr lang="ru-RU" dirty="0"/>
+          </a:p>
+        </p:txBody>
+      </p:sp>
+      <p:sp>
+        <p:nvSpPr>
+          <p:cNvPr id="6" name="Прямоугольник 5"/>
+          <p:cNvSpPr/>
+          <p:nvPr/>
+        </p:nvSpPr>
+        <p:spPr>
+          <a:xfrm>
+            <a:off x="2173574" y="1311639"/>
+            <a:ext cx="4249711" cy="442210"/>
+          </a:xfrm>
+          <a:prstGeom prst="rect">
+            <a:avLst/>
+          </a:prstGeom>
+          <a:solidFill>
+            <a:schemeClr val="accent5">
+              <a:lumMod val="60000"/>
+              <a:lumOff val="40000"/>
+            </a:schemeClr>
+          </a:solidFill>
+        </p:spPr>
+        <p:style>
+          <a:lnRef idx="2">
+            <a:schemeClr val="accent1">
+              <a:shade val="50000"/>
+            </a:schemeClr>
+          </a:lnRef>
+          <a:fillRef idx="1">
+            <a:schemeClr val="accent1"/>
+          </a:fillRef>
+          <a:effectRef idx="0">
+            <a:schemeClr val="accent1"/>
+          </a:effectRef>
+          <a:fontRef idx="minor">
+            <a:schemeClr val="lt1"/>
+          </a:fontRef>
+        </p:style>
+        <p:txBody>
+          <a:bodyPr rtlCol="0" anchor="ctr"/>
+          <a:lstStyle/>
+          <a:p>
+            <a:pPr algn="ctr"/>
+            <a:r>
+              <a:rPr lang="ru-RU" dirty="0" smtClean="0"/>
+              <a:t>Лента Публикаций</a:t>
+            </a:r>
+            <a:endParaRPr lang="ru-RU" dirty="0"/>
+          </a:p>
+        </p:txBody>
+      </p:sp>
+      <p:sp>
+        <p:nvSpPr>
+          <p:cNvPr id="23" name="Прямоугольник 22"/>
+          <p:cNvSpPr/>
+          <p:nvPr/>
+        </p:nvSpPr>
+        <p:spPr>
+          <a:xfrm>
+            <a:off x="2228538" y="1871272"/>
+            <a:ext cx="4239718" cy="694546"/>
+          </a:xfrm>
+          <a:prstGeom prst="rect">
+            <a:avLst/>
+          </a:prstGeom>
+        </p:spPr>
+        <p:style>
+          <a:lnRef idx="2">
+            <a:schemeClr val="accent1">
+              <a:shade val="50000"/>
+            </a:schemeClr>
+          </a:lnRef>
+          <a:fillRef idx="1">
+            <a:schemeClr val="accent1"/>
+          </a:fillRef>
+          <a:effectRef idx="0">
+            <a:schemeClr val="accent1"/>
+          </a:effectRef>
+          <a:fontRef idx="minor">
+            <a:schemeClr val="lt1"/>
+          </a:fontRef>
+        </p:style>
+        <p:txBody>
+          <a:bodyPr rtlCol="0" anchor="ctr"/>
+          <a:lstStyle/>
+          <a:p>
+            <a:pPr algn="ctr"/>
+            <a:r>
+              <a:rPr lang="ru-RU" dirty="0" smtClean="0"/>
+              <a:t>Новая публикация</a:t>
+            </a:r>
+            <a:endParaRPr lang="ru-RU" dirty="0"/>
+          </a:p>
+        </p:txBody>
+      </p:sp>
+      <p:sp>
+        <p:nvSpPr>
+          <p:cNvPr id="26" name="Прямоугольник 25"/>
+          <p:cNvSpPr/>
+          <p:nvPr/>
+        </p:nvSpPr>
+        <p:spPr>
+          <a:xfrm>
+            <a:off x="2236033" y="2683241"/>
+            <a:ext cx="4239718" cy="694546"/>
+          </a:xfrm>
+          <a:prstGeom prst="rect">
+            <a:avLst/>
+          </a:prstGeom>
+        </p:spPr>
+        <p:style>
+          <a:lnRef idx="2">
+            <a:schemeClr val="accent1">
+              <a:shade val="50000"/>
+            </a:schemeClr>
+          </a:lnRef>
+          <a:fillRef idx="1">
+            <a:schemeClr val="accent1"/>
+          </a:fillRef>
+          <a:effectRef idx="0">
+            <a:schemeClr val="accent1"/>
+          </a:effectRef>
+          <a:fontRef idx="minor">
+            <a:schemeClr val="lt1"/>
+          </a:fontRef>
+        </p:style>
+        <p:txBody>
+          <a:bodyPr rtlCol="0" anchor="ctr"/>
+          <a:lstStyle/>
+          <a:p>
+            <a:pPr algn="ctr"/>
+            <a:r>
+              <a:rPr lang="ru-RU" dirty="0" smtClean="0"/>
+              <a:t>Публикация № 2 </a:t>
+            </a:r>
+            <a:endParaRPr lang="ru-RU" dirty="0"/>
+          </a:p>
+        </p:txBody>
+      </p:sp>
+      <p:sp>
+        <p:nvSpPr>
+          <p:cNvPr id="7" name="Прямоугольник 6"/>
+          <p:cNvSpPr/>
+          <p:nvPr/>
+        </p:nvSpPr>
+        <p:spPr>
+          <a:xfrm>
+            <a:off x="6927954" y="1311639"/>
+            <a:ext cx="1881266" cy="442210"/>
+          </a:xfrm>
+          <a:prstGeom prst="rect">
+            <a:avLst/>
+          </a:prstGeom>
+          <a:solidFill>
+            <a:srgbClr val="FF0000"/>
+          </a:solidFill>
+        </p:spPr>
+        <p:style>
+          <a:lnRef idx="2">
+            <a:schemeClr val="accent1">
+              <a:shade val="50000"/>
+            </a:schemeClr>
+          </a:lnRef>
+          <a:fillRef idx="1">
+            <a:schemeClr val="accent1"/>
+          </a:fillRef>
+          <a:effectRef idx="0">
+            <a:schemeClr val="accent1"/>
+          </a:effectRef>
+          <a:fontRef idx="minor">
+            <a:schemeClr val="lt1"/>
+          </a:fontRef>
+        </p:style>
+        <p:txBody>
+          <a:bodyPr rtlCol="0" anchor="ctr"/>
+          <a:lstStyle/>
+          <a:p>
+            <a:pPr algn="ctr"/>
+            <a:r>
+              <a:rPr lang="ru-RU" dirty="0" smtClean="0"/>
+              <a:t>Список друзей</a:t>
+            </a:r>
+            <a:endParaRPr lang="ru-RU" dirty="0"/>
+          </a:p>
+        </p:txBody>
+      </p:sp>
+      <p:sp>
+        <p:nvSpPr>
+          <p:cNvPr id="28" name="Прямоугольник 27"/>
+          <p:cNvSpPr/>
+          <p:nvPr/>
+        </p:nvSpPr>
+        <p:spPr>
+          <a:xfrm>
+            <a:off x="6927954" y="1997440"/>
+            <a:ext cx="1881266" cy="442210"/>
+          </a:xfrm>
+          <a:prstGeom prst="rect">
+            <a:avLst/>
+          </a:prstGeom>
+          <a:solidFill>
+            <a:srgbClr val="FF0000"/>
+          </a:solidFill>
+        </p:spPr>
+        <p:style>
+          <a:lnRef idx="2">
+            <a:schemeClr val="accent1">
+              <a:shade val="50000"/>
+            </a:schemeClr>
+          </a:lnRef>
+          <a:fillRef idx="1">
+            <a:schemeClr val="accent1"/>
+          </a:fillRef>
+          <a:effectRef idx="0">
+            <a:schemeClr val="accent1"/>
+          </a:effectRef>
+          <a:fontRef idx="minor">
+            <a:schemeClr val="lt1"/>
+          </a:fontRef>
+        </p:style>
+        <p:txBody>
+          <a:bodyPr rtlCol="0" anchor="ctr"/>
+          <a:lstStyle/>
+          <a:p>
+            <a:pPr algn="ctr"/>
+            <a:r>
+              <a:rPr lang="ru-RU" dirty="0" smtClean="0"/>
+              <a:t>Список подписчиков</a:t>
+            </a:r>
+            <a:endParaRPr lang="ru-RU" dirty="0"/>
+          </a:p>
+        </p:txBody>
+      </p:sp>
+      <p:sp>
+        <p:nvSpPr>
+          <p:cNvPr id="29" name="Прямоугольник 28"/>
+          <p:cNvSpPr/>
+          <p:nvPr/>
+        </p:nvSpPr>
+        <p:spPr>
+          <a:xfrm>
+            <a:off x="22486" y="22484"/>
+            <a:ext cx="1843790" cy="607103"/>
+          </a:xfrm>
+          <a:prstGeom prst="rect">
+            <a:avLst/>
+          </a:prstGeom>
+        </p:spPr>
+        <p:style>
+          <a:lnRef idx="2">
+            <a:schemeClr val="accent1">
+              <a:shade val="50000"/>
+            </a:schemeClr>
+          </a:lnRef>
+          <a:fillRef idx="1">
+            <a:schemeClr val="accent1"/>
+          </a:fillRef>
+          <a:effectRef idx="0">
+            <a:schemeClr val="accent1"/>
+          </a:effectRef>
+          <a:fontRef idx="minor">
+            <a:schemeClr val="lt1"/>
+          </a:fontRef>
+        </p:style>
+        <p:txBody>
+          <a:bodyPr rtlCol="0" anchor="ctr"/>
+          <a:lstStyle/>
+          <a:p>
+            <a:pPr algn="ctr"/>
+            <a:r>
+              <a:rPr lang="ru-RU" dirty="0" smtClean="0"/>
+              <a:t>Создание форума </a:t>
+            </a:r>
+            <a:endParaRPr lang="ru-RU" dirty="0"/>
+          </a:p>
+        </p:txBody>
+      </p:sp>
+      <p:sp>
+        <p:nvSpPr>
+          <p:cNvPr id="30" name="Прямоугольник 29"/>
+          <p:cNvSpPr/>
+          <p:nvPr/>
+        </p:nvSpPr>
+        <p:spPr>
+          <a:xfrm>
+            <a:off x="2236033" y="3495210"/>
+            <a:ext cx="4239718" cy="694546"/>
+          </a:xfrm>
+          <a:prstGeom prst="rect">
+            <a:avLst/>
+          </a:prstGeom>
+        </p:spPr>
+        <p:style>
+          <a:lnRef idx="2">
+            <a:schemeClr val="accent1">
+              <a:shade val="50000"/>
+            </a:schemeClr>
+          </a:lnRef>
+          <a:fillRef idx="1">
+            <a:schemeClr val="accent1"/>
+          </a:fillRef>
+          <a:effectRef idx="0">
+            <a:schemeClr val="accent1"/>
+          </a:effectRef>
+          <a:fontRef idx="minor">
+            <a:schemeClr val="lt1"/>
+          </a:fontRef>
+        </p:style>
+        <p:txBody>
+          <a:bodyPr rtlCol="0" anchor="ctr"/>
+          <a:lstStyle/>
+          <a:p>
+            <a:pPr algn="ctr"/>
+            <a:r>
+              <a:rPr lang="ru-RU" dirty="0" smtClean="0"/>
+              <a:t>Публикация № 2 </a:t>
+            </a:r>
+            <a:endParaRPr lang="ru-RU" dirty="0"/>
+          </a:p>
+        </p:txBody>
+      </p:sp>
+      <p:sp>
+        <p:nvSpPr>
+          <p:cNvPr id="31" name="Прямоугольник 30"/>
+          <p:cNvSpPr/>
+          <p:nvPr/>
+        </p:nvSpPr>
+        <p:spPr>
+          <a:xfrm>
+            <a:off x="2290997" y="4258462"/>
+            <a:ext cx="1411574" cy="287308"/>
+          </a:xfrm>
+          <a:prstGeom prst="rect">
+            <a:avLst/>
+          </a:prstGeom>
+        </p:spPr>
+        <p:style>
+          <a:lnRef idx="2">
+            <a:schemeClr val="accent1">
+              <a:shade val="50000"/>
+            </a:schemeClr>
+          </a:lnRef>
+          <a:fillRef idx="1">
+            <a:schemeClr val="accent1"/>
+          </a:fillRef>
+          <a:effectRef idx="0">
+            <a:schemeClr val="accent1"/>
+          </a:effectRef>
+          <a:fontRef idx="minor">
+            <a:schemeClr val="lt1"/>
+          </a:fontRef>
+        </p:style>
+        <p:txBody>
+          <a:bodyPr rtlCol="0" anchor="ctr"/>
+          <a:lstStyle/>
+          <a:p>
+            <a:pPr algn="ctr"/>
+            <a:r>
+              <a:rPr lang="ru-RU" dirty="0" err="1" smtClean="0"/>
+              <a:t>Коментарий</a:t>
+            </a:r>
+            <a:endParaRPr lang="ru-RU" dirty="0"/>
+          </a:p>
+        </p:txBody>
+      </p:sp>
+    </p:spTree>
+    <p:extLst>
+      <p:ext uri="{BB962C8B-B14F-4D97-AF65-F5344CB8AC3E}">
+        <p14:creationId xmlns:p14="http://schemas.microsoft.com/office/powerpoint/2010/main" val="1281078315"/>
+      </p:ext>
+    </p:extLst>
+  </p:cSld>
+  <p:clrMapOvr>
+    <a:masterClrMapping/>
+  </p:clrMapOvr>
+  <p:timing>
+    <p:tnLst>
+      <p:par>
+        <p:cTn id="1" dur="indefinite" restart="never" nodeType="tmRoot"/>
+      </p:par>
+    </p:tnLst>
+  </p:timing>
+</p:sld>
+</file>
+
+<file path=ppt/slides/slide9.xml><?xml version="1.0" encoding="utf-8"?>
+<p:sld xmlns:a="http://schemas.openxmlformats.org/drawingml/2006/main" xmlns:r="http://schemas.openxmlformats.org/officeDocument/2006/relationships" xmlns:p="http://schemas.openxmlformats.org/presentationml/2006/main">
+  <p:cSld>
+    <p:bg>
+      <p:bgPr>
+        <a:solidFill>
+          <a:schemeClr val="lt1">
+            <a:alpha val="99000"/>
+          </a:schemeClr>
+        </a:solidFill>
+        <a:effectLst/>
+      </p:bgPr>
+    </p:bg>
+    <p:spTree>
+      <p:nvGrpSpPr>
+        <p:cNvPr id="1" name="Shape 116"/>
+        <p:cNvGrpSpPr/>
+        <p:nvPr/>
+      </p:nvGrpSpPr>
+      <p:grpSpPr>
+        <a:xfrm>
+          <a:off x="0" y="0"/>
+          <a:ext cx="0" cy="0"/>
+          <a:chOff x="0" y="0"/>
+          <a:chExt cx="0" cy="0"/>
+        </a:xfrm>
+      </p:grpSpPr>
+      <p:sp>
+        <p:nvSpPr>
+          <p:cNvPr id="117" name="Google Shape;117;p22"/>
           <p:cNvSpPr txBox="1"/>
           <p:nvPr/>
         </p:nvSpPr>
         <p:spPr>
           <a:xfrm>
-            <a:off x="190500" y="2870200"/>
-            <a:ext cx="8763000" cy="706133"/>
+            <a:off x="179100" y="169625"/>
+            <a:ext cx="8785800" cy="425400"/>
           </a:xfrm>
           <a:prstGeom prst="rect">
             <a:avLst/>
@@ -10695,36 +11499,28 @@
           </a:bodyPr>
           <a:lstStyle/>
           <a:p>
-            <a:pPr marL="0" lvl="0" indent="0" algn="ctr" rtl="0">
-              <a:spcBef>
-                <a:spcPts val="0"/>
-              </a:spcBef>
-              <a:spcAft>
-                <a:spcPts val="0"/>
-              </a:spcAft>
-              <a:buNone/>
-            </a:pPr>
+            <a:pPr lvl="0" algn="ctr"/>
             <a:r>
-              <a:rPr lang="ru-RU" sz="5000" dirty="0">
+              <a:rPr lang="ru-RU" sz="2000" dirty="0" smtClean="0">
                 <a:solidFill>
-                  <a:schemeClr val="dk1"/>
+                  <a:srgbClr val="FFFFFF"/>
                 </a:solidFill>
                 <a:highlight>
-                  <a:srgbClr val="FFFFFF"/>
+                  <a:srgbClr val="00BADC"/>
                 </a:highlight>
                 <a:latin typeface="Montserrat ExtraBold"/>
                 <a:ea typeface="Montserrat ExtraBold"/>
                 <a:cs typeface="Montserrat ExtraBold"/>
                 <a:sym typeface="Montserrat ExtraBold"/>
               </a:rPr>
-              <a:t>Проблемы при создании проекта</a:t>
+              <a:t>Функционал сайта</a:t>
             </a:r>
-            <a:endParaRPr sz="5000" dirty="0">
+            <a:endParaRPr lang="ru-RU" sz="2000" dirty="0">
               <a:solidFill>
-                <a:schemeClr val="dk1"/>
+                <a:srgbClr val="FFFFFF"/>
               </a:solidFill>
               <a:highlight>
-                <a:srgbClr val="FFFFFF"/>
+                <a:srgbClr val="00BADC"/>
               </a:highlight>
               <a:latin typeface="Montserrat ExtraBold"/>
               <a:ea typeface="Montserrat ExtraBold"/>
@@ -10734,11 +11530,215 @@
           </a:p>
         </p:txBody>
       </p:sp>
+      <p:pic>
+        <p:nvPicPr>
+          <p:cNvPr id="2" name="Рисунок 1"/>
+          <p:cNvPicPr>
+            <a:picLocks noChangeAspect="1"/>
+          </p:cNvPicPr>
+          <p:nvPr/>
+        </p:nvPicPr>
+        <p:blipFill>
+          <a:blip r:embed="rId3">
+            <a:extLst>
+              <a:ext uri="{28A0092B-C50C-407E-A947-70E740481C1C}">
+                <a14:useLocalDpi xmlns:a14="http://schemas.microsoft.com/office/drawing/2010/main" val="0"/>
+              </a:ext>
+            </a:extLst>
+          </a:blip>
+          <a:stretch>
+            <a:fillRect/>
+          </a:stretch>
+        </p:blipFill>
+        <p:spPr>
+          <a:xfrm>
+            <a:off x="6254646" y="644709"/>
+            <a:ext cx="2424659" cy="1818494"/>
+          </a:xfrm>
+          <a:prstGeom prst="rect">
+            <a:avLst/>
+          </a:prstGeom>
+          <a:solidFill>
+            <a:srgbClr val="FFFFFF">
+              <a:shade val="85000"/>
+            </a:srgbClr>
+          </a:solidFill>
+          <a:ln w="88900" cap="sq">
+            <a:solidFill>
+              <a:srgbClr val="FFFFFF"/>
+            </a:solidFill>
+            <a:miter lim="800000"/>
+          </a:ln>
+          <a:effectLst>
+            <a:outerShdw blurRad="55000" dist="18000" dir="5400000" algn="tl" rotWithShape="0">
+              <a:srgbClr val="000000">
+                <a:alpha val="40000"/>
+              </a:srgbClr>
+            </a:outerShdw>
+          </a:effectLst>
+          <a:scene3d>
+            <a:camera prst="orthographicFront"/>
+            <a:lightRig rig="twoPt" dir="t">
+              <a:rot lat="0" lon="0" rev="7200000"/>
+            </a:lightRig>
+          </a:scene3d>
+          <a:sp3d>
+            <a:bevelT w="25400" h="19050"/>
+            <a:contourClr>
+              <a:srgbClr val="FFFFFF"/>
+            </a:contourClr>
+          </a:sp3d>
+        </p:spPr>
+      </p:pic>
+      <p:sp>
+        <p:nvSpPr>
+          <p:cNvPr id="3" name="Стрелка вправо 2"/>
+          <p:cNvSpPr/>
+          <p:nvPr/>
+        </p:nvSpPr>
+        <p:spPr>
+          <a:xfrm>
+            <a:off x="3706655" y="1565217"/>
+            <a:ext cx="2364699" cy="484632"/>
+          </a:xfrm>
+          <a:prstGeom prst="rightArrow">
+            <a:avLst/>
+          </a:prstGeom>
+        </p:spPr>
+        <p:style>
+          <a:lnRef idx="2">
+            <a:schemeClr val="accent1">
+              <a:shade val="50000"/>
+            </a:schemeClr>
+          </a:lnRef>
+          <a:fillRef idx="1">
+            <a:schemeClr val="accent1"/>
+          </a:fillRef>
+          <a:effectRef idx="0">
+            <a:schemeClr val="accent1"/>
+          </a:effectRef>
+          <a:fontRef idx="minor">
+            <a:schemeClr val="lt1"/>
+          </a:fontRef>
+        </p:style>
+        <p:txBody>
+          <a:bodyPr rtlCol="0" anchor="ctr"/>
+          <a:lstStyle/>
+          <a:p>
+            <a:pPr algn="ctr"/>
+            <a:endParaRPr lang="ru-RU"/>
+          </a:p>
+        </p:txBody>
+      </p:sp>
+      <p:sp>
+        <p:nvSpPr>
+          <p:cNvPr id="4" name="Прямоугольник 3"/>
+          <p:cNvSpPr/>
+          <p:nvPr/>
+        </p:nvSpPr>
+        <p:spPr>
+          <a:xfrm>
+            <a:off x="3863713" y="739332"/>
+            <a:ext cx="2057401" cy="572308"/>
+          </a:xfrm>
+          <a:prstGeom prst="rect">
+            <a:avLst/>
+          </a:prstGeom>
+        </p:spPr>
+        <p:style>
+          <a:lnRef idx="2">
+            <a:schemeClr val="accent1">
+              <a:shade val="50000"/>
+            </a:schemeClr>
+          </a:lnRef>
+          <a:fillRef idx="1">
+            <a:schemeClr val="accent1"/>
+          </a:fillRef>
+          <a:effectRef idx="0">
+            <a:schemeClr val="accent1"/>
+          </a:effectRef>
+          <a:fontRef idx="minor">
+            <a:schemeClr val="lt1"/>
+          </a:fontRef>
+        </p:style>
+        <p:txBody>
+          <a:bodyPr rtlCol="0" anchor="ctr"/>
+          <a:lstStyle/>
+          <a:p>
+            <a:pPr algn="ctr"/>
+            <a:r>
+              <a:rPr lang="ru-RU" dirty="0" smtClean="0"/>
+              <a:t>Код подтверждения</a:t>
+            </a:r>
+          </a:p>
+          <a:p>
+            <a:pPr algn="ctr"/>
+            <a:r>
+              <a:rPr lang="ru-RU" dirty="0" smtClean="0"/>
+              <a:t>регистрации</a:t>
+            </a:r>
+            <a:endParaRPr lang="ru-RU" dirty="0"/>
+          </a:p>
+        </p:txBody>
+      </p:sp>
+      <p:pic>
+        <p:nvPicPr>
+          <p:cNvPr id="4104" name="Picture 8" descr="https://static.tildacdn.com/tild3039-6234-4363-a633-623736356363/Infinii_7.png"/>
+          <p:cNvPicPr>
+            <a:picLocks noChangeAspect="1" noChangeArrowheads="1"/>
+          </p:cNvPicPr>
+          <p:nvPr/>
+        </p:nvPicPr>
+        <p:blipFill>
+          <a:blip r:embed="rId4">
+            <a:extLst>
+              <a:ext uri="{28A0092B-C50C-407E-A947-70E740481C1C}">
+                <a14:useLocalDpi xmlns:a14="http://schemas.microsoft.com/office/drawing/2010/main" val="0"/>
+              </a:ext>
+            </a:extLst>
+          </a:blip>
+          <a:srcRect/>
+          <a:stretch>
+            <a:fillRect/>
+          </a:stretch>
+        </p:blipFill>
+        <p:spPr bwMode="auto">
+          <a:xfrm>
+            <a:off x="0" y="540904"/>
+            <a:ext cx="3523364" cy="1541472"/>
+          </a:xfrm>
+          <a:prstGeom prst="rect">
+            <a:avLst/>
+          </a:prstGeom>
+          <a:noFill/>
+          <a:extLst>
+            <a:ext uri="{909E8E84-426E-40DD-AFC4-6F175D3DCCD1}">
+              <a14:hiddenFill xmlns:a14="http://schemas.microsoft.com/office/drawing/2010/main">
+                <a:solidFill>
+                  <a:srgbClr val="FFFFFF"/>
+                </a:solidFill>
+              </a14:hiddenFill>
+            </a:ext>
+          </a:extLst>
+        </p:spPr>
+      </p:pic>
     </p:spTree>
+    <p:extLst>
+      <p:ext uri="{BB962C8B-B14F-4D97-AF65-F5344CB8AC3E}">
+        <p14:creationId xmlns:p14="http://schemas.microsoft.com/office/powerpoint/2010/main" val="1500429628"/>
+      </p:ext>
+    </p:extLst>
   </p:cSld>
   <p:clrMapOvr>
     <a:masterClrMapping/>
   </p:clrMapOvr>
+  <p:timing>
+    <p:tnLst>
+      <p:par>
+        <p:cTn id="1" dur="indefinite" restart="never" nodeType="tmRoot"/>
+      </p:par>
+    </p:tnLst>
+  </p:timing>
 </p:sld>
 </file>
 
